--- a/Chubby.pptx
+++ b/Chubby.pptx
@@ -17,12 +17,15 @@
     <p:sldId id="265" r:id="rId11"/>
     <p:sldId id="266" r:id="rId12"/>
     <p:sldId id="267" r:id="rId13"/>
-    <p:sldId id="268" r:id="rId14"/>
-    <p:sldId id="269" r:id="rId15"/>
-    <p:sldId id="270" r:id="rId16"/>
-    <p:sldId id="271" r:id="rId17"/>
-    <p:sldId id="272" r:id="rId18"/>
-    <p:sldId id="273" r:id="rId19"/>
+    <p:sldId id="274" r:id="rId14"/>
+    <p:sldId id="268" r:id="rId15"/>
+    <p:sldId id="269" r:id="rId16"/>
+    <p:sldId id="270" r:id="rId17"/>
+    <p:sldId id="271" r:id="rId18"/>
+    <p:sldId id="272" r:id="rId19"/>
+    <p:sldId id="273" r:id="rId20"/>
+    <p:sldId id="275" r:id="rId21"/>
+    <p:sldId id="276" r:id="rId22"/>
   </p:sldIdLst>
   <p:sldSz cx="12192000" cy="6858000"/>
   <p:notesSz cx="6858000" cy="9144000"/>
@@ -138,12 +141,15 @@
             <p14:sldId id="265"/>
             <p14:sldId id="266"/>
             <p14:sldId id="267"/>
+            <p14:sldId id="274"/>
             <p14:sldId id="268"/>
             <p14:sldId id="269"/>
             <p14:sldId id="270"/>
             <p14:sldId id="271"/>
             <p14:sldId id="272"/>
             <p14:sldId id="273"/>
+            <p14:sldId id="275"/>
+            <p14:sldId id="276"/>
           </p14:sldIdLst>
         </p14:section>
       </p14:sectionLst>
@@ -304,7 +310,7 @@
           <a:p>
             <a:fld id="{BDC0887E-30F6-48B0-B326-7E062E530290}" type="datetimeFigureOut">
               <a:rPr lang="en-IN" smtClean="0"/>
-              <a:t>10-01-2022</a:t>
+              <a:t>12-01-2022</a:t>
             </a:fld>
             <a:endParaRPr lang="en-IN"/>
           </a:p>
@@ -504,7 +510,7 @@
           <a:p>
             <a:fld id="{BDC0887E-30F6-48B0-B326-7E062E530290}" type="datetimeFigureOut">
               <a:rPr lang="en-IN" smtClean="0"/>
-              <a:t>10-01-2022</a:t>
+              <a:t>12-01-2022</a:t>
             </a:fld>
             <a:endParaRPr lang="en-IN"/>
           </a:p>
@@ -714,7 +720,7 @@
           <a:p>
             <a:fld id="{BDC0887E-30F6-48B0-B326-7E062E530290}" type="datetimeFigureOut">
               <a:rPr lang="en-IN" smtClean="0"/>
-              <a:t>10-01-2022</a:t>
+              <a:t>12-01-2022</a:t>
             </a:fld>
             <a:endParaRPr lang="en-IN"/>
           </a:p>
@@ -914,7 +920,7 @@
           <a:p>
             <a:fld id="{BDC0887E-30F6-48B0-B326-7E062E530290}" type="datetimeFigureOut">
               <a:rPr lang="en-IN" smtClean="0"/>
-              <a:t>10-01-2022</a:t>
+              <a:t>12-01-2022</a:t>
             </a:fld>
             <a:endParaRPr lang="en-IN"/>
           </a:p>
@@ -1190,7 +1196,7 @@
           <a:p>
             <a:fld id="{BDC0887E-30F6-48B0-B326-7E062E530290}" type="datetimeFigureOut">
               <a:rPr lang="en-IN" smtClean="0"/>
-              <a:t>10-01-2022</a:t>
+              <a:t>12-01-2022</a:t>
             </a:fld>
             <a:endParaRPr lang="en-IN"/>
           </a:p>
@@ -1458,7 +1464,7 @@
           <a:p>
             <a:fld id="{BDC0887E-30F6-48B0-B326-7E062E530290}" type="datetimeFigureOut">
               <a:rPr lang="en-IN" smtClean="0"/>
-              <a:t>10-01-2022</a:t>
+              <a:t>12-01-2022</a:t>
             </a:fld>
             <a:endParaRPr lang="en-IN"/>
           </a:p>
@@ -1873,7 +1879,7 @@
           <a:p>
             <a:fld id="{BDC0887E-30F6-48B0-B326-7E062E530290}" type="datetimeFigureOut">
               <a:rPr lang="en-IN" smtClean="0"/>
-              <a:t>10-01-2022</a:t>
+              <a:t>12-01-2022</a:t>
             </a:fld>
             <a:endParaRPr lang="en-IN"/>
           </a:p>
@@ -2015,7 +2021,7 @@
           <a:p>
             <a:fld id="{BDC0887E-30F6-48B0-B326-7E062E530290}" type="datetimeFigureOut">
               <a:rPr lang="en-IN" smtClean="0"/>
-              <a:t>10-01-2022</a:t>
+              <a:t>12-01-2022</a:t>
             </a:fld>
             <a:endParaRPr lang="en-IN"/>
           </a:p>
@@ -2128,7 +2134,7 @@
           <a:p>
             <a:fld id="{BDC0887E-30F6-48B0-B326-7E062E530290}" type="datetimeFigureOut">
               <a:rPr lang="en-IN" smtClean="0"/>
-              <a:t>10-01-2022</a:t>
+              <a:t>12-01-2022</a:t>
             </a:fld>
             <a:endParaRPr lang="en-IN"/>
           </a:p>
@@ -2441,7 +2447,7 @@
           <a:p>
             <a:fld id="{BDC0887E-30F6-48B0-B326-7E062E530290}" type="datetimeFigureOut">
               <a:rPr lang="en-IN" smtClean="0"/>
-              <a:t>10-01-2022</a:t>
+              <a:t>12-01-2022</a:t>
             </a:fld>
             <a:endParaRPr lang="en-IN"/>
           </a:p>
@@ -2730,7 +2736,7 @@
           <a:p>
             <a:fld id="{BDC0887E-30F6-48B0-B326-7E062E530290}" type="datetimeFigureOut">
               <a:rPr lang="en-IN" smtClean="0"/>
-              <a:t>10-01-2022</a:t>
+              <a:t>12-01-2022</a:t>
             </a:fld>
             <a:endParaRPr lang="en-IN"/>
           </a:p>
@@ -2973,7 +2979,7 @@
           <a:p>
             <a:fld id="{BDC0887E-30F6-48B0-B326-7E062E530290}" type="datetimeFigureOut">
               <a:rPr lang="en-IN" smtClean="0"/>
-              <a:t>10-01-2022</a:t>
+              <a:t>12-01-2022</a:t>
             </a:fld>
             <a:endParaRPr lang="en-IN"/>
           </a:p>
@@ -3678,244 +3684,121 @@
               <a:buNone/>
             </a:pPr>
             <a:r>
-              <a:rPr lang="en-US" sz="1000" dirty="0">
-                <a:solidFill>
-                  <a:srgbClr val="FF0000"/>
-                </a:solidFill>
-                <a:latin typeface="Century Gothic" panose="020B0502020202020204" pitchFamily="34" charset="0"/>
-              </a:rPr>
-              <a:t>Discussion points are :</a:t>
-            </a:r>
-          </a:p>
-          <a:p>
-            <a:pPr marL="0" indent="0">
-              <a:buFont typeface="Arial" panose="020B0604020202020204" pitchFamily="34" charset="0"/>
-              <a:buNone/>
-            </a:pPr>
-            <a:r>
-              <a:rPr lang="en-US" sz="1000" i="0" dirty="0">
-                <a:solidFill>
-                  <a:srgbClr val="FF0000"/>
+              <a:rPr lang="en-US" sz="1000" b="0" i="0" dirty="0">
+                <a:solidFill>
+                  <a:srgbClr val="3D3D4E"/>
                 </a:solidFill>
                 <a:effectLst/>
                 <a:latin typeface="Century Gothic" panose="020B0502020202020204" pitchFamily="34" charset="0"/>
               </a:rPr>
-              <a:t>How does GFS scale?</a:t>
-            </a:r>
-          </a:p>
-          <a:p>
-            <a:pPr marL="0" indent="0">
-              <a:buFont typeface="Arial" panose="020B0604020202020204" pitchFamily="34" charset="0"/>
-              <a:buNone/>
-            </a:pPr>
-            <a:r>
-              <a:rPr lang="en-US" sz="1000" i="0" dirty="0">
-                <a:solidFill>
-                  <a:srgbClr val="FF0000"/>
+              <a:t>How does Chubby ensure fault tolerance and reliability of data?</a:t>
+            </a:r>
+          </a:p>
+          <a:p>
+            <a:pPr marL="0" indent="0">
+              <a:buFont typeface="Arial" panose="020B0604020202020204" pitchFamily="34" charset="0"/>
+              <a:buNone/>
+            </a:pPr>
+            <a:r>
+              <a:rPr lang="en-US" sz="1000" b="0" i="0" dirty="0">
+                <a:solidFill>
+                  <a:srgbClr val="3D3D4E"/>
                 </a:solidFill>
                 <a:effectLst/>
                 <a:latin typeface="Century Gothic" panose="020B0502020202020204" pitchFamily="34" charset="0"/>
               </a:rPr>
-              <a:t>How does GFS ensure fault-tolerance and reliability of data?</a:t>
-            </a:r>
-          </a:p>
-          <a:p>
-            <a:pPr marL="0" indent="0">
-              <a:buFont typeface="Arial" panose="020B0604020202020204" pitchFamily="34" charset="0"/>
-              <a:buNone/>
-            </a:pPr>
-            <a:r>
-              <a:rPr lang="en-US" sz="1000" i="0" dirty="0">
-                <a:solidFill>
-                  <a:srgbClr val="FF0000"/>
+              <a:t>How does Chubby ensure high availability in case of master failure?</a:t>
+            </a:r>
+            <a:endParaRPr lang="en-US" sz="1000" dirty="0">
+              <a:solidFill>
+                <a:srgbClr val="3D3D4E"/>
+              </a:solidFill>
+              <a:latin typeface="Century Gothic" panose="020B0502020202020204" pitchFamily="34" charset="0"/>
+            </a:endParaRPr>
+          </a:p>
+          <a:p>
+            <a:pPr marL="0" indent="0">
+              <a:buFont typeface="Arial" panose="020B0604020202020204" pitchFamily="34" charset="0"/>
+              <a:buNone/>
+            </a:pPr>
+            <a:r>
+              <a:rPr lang="en-US" sz="1000" b="0" i="0" dirty="0">
+                <a:solidFill>
+                  <a:srgbClr val="3D3D4E"/>
                 </a:solidFill>
                 <a:effectLst/>
                 <a:latin typeface="Century Gothic" panose="020B0502020202020204" pitchFamily="34" charset="0"/>
               </a:rPr>
-              <a:t>How does GFS manage high availability?</a:t>
-            </a:r>
-          </a:p>
-          <a:p>
-            <a:pPr marL="0" indent="0">
-              <a:buFont typeface="Arial" panose="020B0604020202020204" pitchFamily="34" charset="0"/>
-              <a:buNone/>
-            </a:pPr>
-            <a:r>
-              <a:rPr lang="en-US" sz="1000" i="0" dirty="0">
-                <a:solidFill>
-                  <a:srgbClr val="FF0000"/>
+              <a:t>How does Chubby ensure file data integrity?</a:t>
+            </a:r>
+          </a:p>
+          <a:p>
+            <a:pPr marL="0" indent="0">
+              <a:buFont typeface="Arial" panose="020B0604020202020204" pitchFamily="34" charset="0"/>
+              <a:buNone/>
+            </a:pPr>
+            <a:r>
+              <a:rPr lang="en-US" sz="1000" b="0" i="0" dirty="0">
+                <a:solidFill>
+                  <a:srgbClr val="3D3D4E"/>
                 </a:solidFill>
                 <a:effectLst/>
                 <a:latin typeface="Century Gothic" panose="020B0502020202020204" pitchFamily="34" charset="0"/>
               </a:rPr>
-              <a:t>How does GFS perform master failover?</a:t>
-            </a:r>
-          </a:p>
-          <a:p>
-            <a:pPr marL="0" indent="0">
-              <a:buFont typeface="Arial" panose="020B0604020202020204" pitchFamily="34" charset="0"/>
-              <a:buNone/>
-            </a:pPr>
-            <a:r>
-              <a:rPr lang="en-US" sz="1000" i="0" dirty="0">
-                <a:solidFill>
-                  <a:srgbClr val="FF0000"/>
+              <a:t>What happens when a Chubby replica fails permanently?</a:t>
+            </a:r>
+            <a:endParaRPr lang="en-US" sz="1000" dirty="0">
+              <a:solidFill>
+                <a:srgbClr val="3D3D4E"/>
+              </a:solidFill>
+              <a:latin typeface="Century Gothic" panose="020B0502020202020204" pitchFamily="34" charset="0"/>
+            </a:endParaRPr>
+          </a:p>
+          <a:p>
+            <a:pPr marL="0" indent="0">
+              <a:buFont typeface="Arial" panose="020B0604020202020204" pitchFamily="34" charset="0"/>
+              <a:buNone/>
+            </a:pPr>
+            <a:r>
+              <a:rPr lang="en-US" sz="1000" b="0" i="0" dirty="0">
+                <a:solidFill>
+                  <a:srgbClr val="3D3D4E"/>
                 </a:solidFill>
                 <a:effectLst/>
                 <a:latin typeface="Century Gothic" panose="020B0502020202020204" pitchFamily="34" charset="0"/>
               </a:rPr>
-              <a:t>What benefits does GFS get from a single master?</a:t>
-            </a:r>
-          </a:p>
-          <a:p>
-            <a:pPr marL="0" indent="0">
-              <a:buFont typeface="Arial" panose="020B0604020202020204" pitchFamily="34" charset="0"/>
-              <a:buNone/>
-            </a:pPr>
-            <a:r>
-              <a:rPr lang="en-US" sz="1000" i="0" dirty="0">
-                <a:solidFill>
-                  <a:srgbClr val="FF0000"/>
-                </a:solidFill>
-                <a:effectLst/>
-                <a:latin typeface="Century Gothic" panose="020B0502020202020204" pitchFamily="34" charset="0"/>
-              </a:rPr>
-              <a:t>What problems does GFS face by having a single master?</a:t>
-            </a:r>
-          </a:p>
-          <a:p>
-            <a:pPr marL="0" indent="0">
-              <a:buFont typeface="Arial" panose="020B0604020202020204" pitchFamily="34" charset="0"/>
-              <a:buNone/>
-            </a:pPr>
-            <a:r>
-              <a:rPr lang="en-US" sz="1000" i="0" dirty="0">
-                <a:solidFill>
-                  <a:srgbClr val="FF0000"/>
-                </a:solidFill>
-                <a:effectLst/>
-                <a:latin typeface="Century Gothic" panose="020B0502020202020204" pitchFamily="34" charset="0"/>
-              </a:rPr>
-              <a:t>How does GFS ensure file data integrity?</a:t>
-            </a:r>
-          </a:p>
-          <a:p>
-            <a:pPr marL="0" indent="0">
-              <a:buFont typeface="Arial" panose="020B0604020202020204" pitchFamily="34" charset="0"/>
-              <a:buNone/>
-            </a:pPr>
-            <a:r>
-              <a:rPr lang="en-US" sz="1000" i="0" dirty="0">
-                <a:solidFill>
-                  <a:srgbClr val="FF0000"/>
-                </a:solidFill>
-                <a:effectLst/>
-                <a:latin typeface="Century Gothic" panose="020B0502020202020204" pitchFamily="34" charset="0"/>
-              </a:rPr>
-              <a:t>How does GFS decouple control flow from data flow, and what benefits does it provide?</a:t>
-            </a:r>
-          </a:p>
-          <a:p>
-            <a:pPr marL="0" indent="0">
-              <a:buFont typeface="Arial" panose="020B0604020202020204" pitchFamily="34" charset="0"/>
-              <a:buNone/>
-            </a:pPr>
-            <a:r>
-              <a:rPr lang="en-US" sz="1000" i="0" dirty="0">
-                <a:solidFill>
-                  <a:srgbClr val="FF0000"/>
-                </a:solidFill>
-                <a:effectLst/>
-                <a:latin typeface="Century Gothic" panose="020B0502020202020204" pitchFamily="34" charset="0"/>
-              </a:rPr>
-              <a:t>How does lazy space allocation help GFS?</a:t>
-            </a:r>
-          </a:p>
-          <a:p>
-            <a:pPr marL="0" indent="0">
-              <a:buFont typeface="Arial" panose="020B0604020202020204" pitchFamily="34" charset="0"/>
-              <a:buNone/>
-            </a:pPr>
-            <a:r>
-              <a:rPr lang="en-US" sz="1000" i="0" dirty="0">
-                <a:solidFill>
-                  <a:srgbClr val="FF0000"/>
-                </a:solidFill>
-                <a:effectLst/>
-                <a:latin typeface="Century Gothic" panose="020B0502020202020204" pitchFamily="34" charset="0"/>
-              </a:rPr>
-              <a:t>Can GFS handle small files efficiently?</a:t>
-            </a:r>
-          </a:p>
-          <a:p>
-            <a:pPr marL="0" indent="0">
-              <a:buFont typeface="Arial" panose="020B0604020202020204" pitchFamily="34" charset="0"/>
-              <a:buNone/>
-            </a:pPr>
-            <a:r>
-              <a:rPr lang="en-US" sz="1000" i="0" dirty="0">
-                <a:solidFill>
-                  <a:srgbClr val="FF0000"/>
-                </a:solidFill>
-                <a:effectLst/>
-                <a:latin typeface="Century Gothic" panose="020B0502020202020204" pitchFamily="34" charset="0"/>
-              </a:rPr>
-              <a:t>What are reference counts in context of snapshotting?</a:t>
-            </a:r>
-          </a:p>
-          <a:p>
-            <a:pPr marL="0" indent="0">
-              <a:buFont typeface="Arial" panose="020B0604020202020204" pitchFamily="34" charset="0"/>
-              <a:buNone/>
-            </a:pPr>
-            <a:r>
-              <a:rPr lang="en-US" sz="1000" i="0" dirty="0">
-                <a:solidFill>
-                  <a:srgbClr val="FF0000"/>
-                </a:solidFill>
-                <a:effectLst/>
-                <a:latin typeface="Century Gothic" panose="020B0502020202020204" pitchFamily="34" charset="0"/>
-              </a:rPr>
-              <a:t>Let’s assume C1 is the primary replica ChunkServer of a chunk, and there is a network partition between the master and C1. When the master notices this, it will designate some other ChunkServer as primary, say C2. Since C1 did not actually fail, are there now two primaries for the same chunk?</a:t>
-            </a:r>
-          </a:p>
-          <a:p>
-            <a:pPr marL="0" indent="0">
-              <a:buFont typeface="Arial" panose="020B0604020202020204" pitchFamily="34" charset="0"/>
-              <a:buNone/>
-            </a:pPr>
-            <a:r>
-              <a:rPr lang="en-US" sz="1000" i="0" dirty="0">
-                <a:solidFill>
-                  <a:srgbClr val="FF0000"/>
-                </a:solidFill>
-                <a:effectLst/>
-                <a:latin typeface="Century Gothic" panose="020B0502020202020204" pitchFamily="34" charset="0"/>
-              </a:rPr>
-              <a:t>How does GFS handle data consistency?</a:t>
-            </a:r>
-          </a:p>
-          <a:p>
-            <a:pPr marL="0" indent="0">
-              <a:buFont typeface="Arial" panose="020B0604020202020204" pitchFamily="34" charset="0"/>
-              <a:buNone/>
-            </a:pPr>
-            <a:r>
-              <a:rPr lang="en-US" sz="1000" i="0" dirty="0">
-                <a:solidFill>
-                  <a:srgbClr val="FF0000"/>
-                </a:solidFill>
-                <a:effectLst/>
-                <a:latin typeface="Century Gothic" panose="020B0502020202020204" pitchFamily="34" charset="0"/>
-              </a:rPr>
-              <a:t>As GFS preferred performance and simplicity over correctness, how did it work for GFS?</a:t>
-            </a:r>
-            <a:endParaRPr lang="en-US" sz="1000" b="1" dirty="0">
-              <a:solidFill>
-                <a:srgbClr val="FF0000"/>
-              </a:solidFill>
-              <a:latin typeface="Century Gothic" panose="020B0502020202020204" pitchFamily="34" charset="0"/>
-            </a:endParaRPr>
+              <a:t>How do clients find the master using Chubby?</a:t>
+            </a:r>
+          </a:p>
+          <a:p>
+            <a:pPr marL="0" indent="0">
+              <a:buFont typeface="Arial" panose="020B0604020202020204" pitchFamily="34" charset="0"/>
+              <a:buNone/>
+            </a:pPr>
+            <a:r>
+              <a:rPr lang="en-US" sz="1000" dirty="0">
+                <a:solidFill>
+                  <a:srgbClr val="3D3D4E"/>
+                </a:solidFill>
+                <a:latin typeface="Century Gothic" panose="020B0502020202020204" pitchFamily="34" charset="0"/>
+              </a:rPr>
+              <a:t>During cache invalidation, while the master is waiting for acknowledgments from clients, can other clients still read the file?</a:t>
+            </a:r>
+          </a:p>
+          <a:p>
+            <a:pPr marL="0" indent="0">
+              <a:buFont typeface="Arial" panose="020B0604020202020204" pitchFamily="34" charset="0"/>
+              <a:buNone/>
+            </a:pPr>
+            <a:r>
+              <a:rPr lang="en-US" sz="1000" dirty="0">
+                <a:solidFill>
+                  <a:srgbClr val="3D3D4E"/>
+                </a:solidFill>
+                <a:latin typeface="Century Gothic" panose="020B0502020202020204" pitchFamily="34" charset="0"/>
+              </a:rPr>
+              <a:t>Chubby stores its database snapshot in a GFS cluster. How does Chubby avoid cyclic dependency if that GFS cluster depends upon Chubby for electing its master?</a:t>
+            </a:r>
           </a:p>
           <a:p>
             <a:pPr marL="0" indent="0">
@@ -5946,7 +5829,7 @@
         </p:blipFill>
         <p:spPr>
           <a:xfrm>
-            <a:off x="7187353" y="866518"/>
+            <a:off x="7187353" y="1981071"/>
             <a:ext cx="4718897" cy="2895857"/>
           </a:xfrm>
           <a:prstGeom prst="rect">
@@ -6030,22 +5913,7 @@
               <a:rPr lang="en-IN" b="1" dirty="0">
                 <a:latin typeface="Nunito Sans" pitchFamily="2" charset="0"/>
               </a:rPr>
-              <a:t>Chubby </a:t>
-            </a:r>
-            <a:r>
-              <a:rPr lang="en-IN" b="1" dirty="0">
-                <a:solidFill>
-                  <a:srgbClr val="FF0000"/>
-                </a:solidFill>
-                <a:latin typeface="Nunito Sans" pitchFamily="2" charset="0"/>
-              </a:rPr>
-              <a:t>Working : Sessions &amp; Events (</a:t>
-            </a:r>
-            <a:r>
-              <a:rPr lang="en-IN" b="1" dirty="0">
-                <a:latin typeface="Nunito Sans" pitchFamily="2" charset="0"/>
-              </a:rPr>
-              <a:t>TBD)</a:t>
+              <a:t>Chubby Working : Sessions &amp; Events</a:t>
             </a:r>
             <a:endParaRPr lang="en-IN" dirty="0"/>
           </a:p>
@@ -6479,7 +6347,7 @@
             </a:r>
           </a:p>
           <a:p>
-            <a:pPr>
+            <a:pPr lvl="1">
               <a:spcBef>
                 <a:spcPts val="0"/>
               </a:spcBef>
@@ -6493,29 +6361,11 @@
                 </a:solidFill>
                 <a:latin typeface="Century Gothic" panose="020B0502020202020204" pitchFamily="34" charset="0"/>
               </a:rPr>
-              <a:t>When the master responds to a </a:t>
-            </a:r>
-            <a:r>
-              <a:rPr lang="en-US" sz="1000" b="1" dirty="0">
-                <a:solidFill>
-                  <a:srgbClr val="3D3D4E"/>
-                </a:solidFill>
-                <a:latin typeface="Century Gothic" panose="020B0502020202020204" pitchFamily="34" charset="0"/>
-              </a:rPr>
-              <a:t>KeepAlive</a:t>
-            </a:r>
-            <a:r>
-              <a:rPr lang="en-US" sz="1000" dirty="0">
-                <a:solidFill>
-                  <a:srgbClr val="3D3D4E"/>
-                </a:solidFill>
-                <a:latin typeface="Century Gothic" panose="020B0502020202020204" pitchFamily="34" charset="0"/>
-              </a:rPr>
-              <a:t> RPC from the client</a:t>
-            </a:r>
-          </a:p>
-          <a:p>
-            <a:pPr>
+              <a:t>When the master responds to a KeepAlive RPC from the client</a:t>
+            </a:r>
+          </a:p>
+          <a:p>
+            <a:pPr lvl="1">
               <a:spcBef>
                 <a:spcPts val="0"/>
               </a:spcBef>
@@ -6533,7 +6383,7 @@
             </a:r>
           </a:p>
           <a:p>
-            <a:pPr>
+            <a:pPr lvl="1">
               <a:spcBef>
                 <a:spcPts val="0"/>
               </a:spcBef>
@@ -6615,6 +6465,126 @@
                 <a:latin typeface="Century Gothic" panose="020B0502020202020204" pitchFamily="34" charset="0"/>
               </a:rPr>
               <a:t>To maintain the constant session between client and chubby cell.</a:t>
+            </a:r>
+          </a:p>
+          <a:p>
+            <a:pPr marL="0" indent="0">
+              <a:spcBef>
+                <a:spcPts val="0"/>
+              </a:spcBef>
+              <a:buNone/>
+            </a:pPr>
+            <a:r>
+              <a:rPr lang="en-US" sz="1000" dirty="0">
+                <a:latin typeface="Century Gothic" panose="020B0502020202020204" pitchFamily="34" charset="0"/>
+              </a:rPr>
+              <a:t>Following are the basic steps of responding to a KeepAlive.</a:t>
+            </a:r>
+          </a:p>
+          <a:p>
+            <a:pPr marL="0" indent="0">
+              <a:spcBef>
+                <a:spcPts val="0"/>
+              </a:spcBef>
+              <a:buNone/>
+            </a:pPr>
+            <a:endParaRPr lang="en-US" sz="1000" dirty="0">
+              <a:latin typeface="Century Gothic" panose="020B0502020202020204" pitchFamily="34" charset="0"/>
+            </a:endParaRPr>
+          </a:p>
+          <a:p>
+            <a:pPr>
+              <a:spcBef>
+                <a:spcPts val="0"/>
+              </a:spcBef>
+              <a:buFont typeface="Wingdings" panose="05000000000000000000" pitchFamily="2" charset="2"/>
+              <a:buChar char="§"/>
+            </a:pPr>
+            <a:r>
+              <a:rPr lang="en-US" sz="1000" dirty="0">
+                <a:latin typeface="Century Gothic" panose="020B0502020202020204" pitchFamily="34" charset="0"/>
+              </a:rPr>
+              <a:t>On receiving a KeepAlive (step “1” in the diagram below), the master typically blocks the RPC (does not allow it to return) until the client’s previous lease interval is close to expiring.</a:t>
+            </a:r>
+          </a:p>
+          <a:p>
+            <a:pPr>
+              <a:spcBef>
+                <a:spcPts val="0"/>
+              </a:spcBef>
+              <a:buFont typeface="Wingdings" panose="05000000000000000000" pitchFamily="2" charset="2"/>
+              <a:buChar char="§"/>
+            </a:pPr>
+            <a:endParaRPr lang="en-US" sz="1000" dirty="0">
+              <a:latin typeface="Century Gothic" panose="020B0502020202020204" pitchFamily="34" charset="0"/>
+            </a:endParaRPr>
+          </a:p>
+          <a:p>
+            <a:pPr>
+              <a:spcBef>
+                <a:spcPts val="0"/>
+              </a:spcBef>
+              <a:buFont typeface="Wingdings" panose="05000000000000000000" pitchFamily="2" charset="2"/>
+              <a:buChar char="§"/>
+            </a:pPr>
+            <a:r>
+              <a:rPr lang="en-US" sz="1000" dirty="0">
+                <a:latin typeface="Century Gothic" panose="020B0502020202020204" pitchFamily="34" charset="0"/>
+              </a:rPr>
+              <a:t>The master later allows the RPC to return to the client (step “2”) and thus informs the client of the new lease timeout (lease M2).</a:t>
+            </a:r>
+          </a:p>
+          <a:p>
+            <a:pPr>
+              <a:spcBef>
+                <a:spcPts val="0"/>
+              </a:spcBef>
+              <a:buFont typeface="Wingdings" panose="05000000000000000000" pitchFamily="2" charset="2"/>
+              <a:buChar char="§"/>
+            </a:pPr>
+            <a:endParaRPr lang="en-US" sz="1000" dirty="0">
+              <a:latin typeface="Century Gothic" panose="020B0502020202020204" pitchFamily="34" charset="0"/>
+            </a:endParaRPr>
+          </a:p>
+          <a:p>
+            <a:pPr>
+              <a:spcBef>
+                <a:spcPts val="0"/>
+              </a:spcBef>
+              <a:buFont typeface="Wingdings" panose="05000000000000000000" pitchFamily="2" charset="2"/>
+              <a:buChar char="§"/>
+            </a:pPr>
+            <a:r>
+              <a:rPr lang="en-US" sz="1000" dirty="0">
+                <a:latin typeface="Century Gothic" panose="020B0502020202020204" pitchFamily="34" charset="0"/>
+              </a:rPr>
+              <a:t>The master may extend the timeout by any amount. The default extension is 12s, but an overloaded master may use higher values to reduce the number of KeepAlive calls it must process. Note the difference between the lease timeout of the client and the master (M1 vs. C1 and M2 vs. C2).</a:t>
+            </a:r>
+          </a:p>
+          <a:p>
+            <a:pPr marL="0" indent="0">
+              <a:spcBef>
+                <a:spcPts val="0"/>
+              </a:spcBef>
+              <a:buNone/>
+            </a:pPr>
+            <a:endParaRPr lang="en-US" sz="1000" dirty="0">
+              <a:latin typeface="Century Gothic" panose="020B0502020202020204" pitchFamily="34" charset="0"/>
+            </a:endParaRPr>
+          </a:p>
+          <a:p>
+            <a:pPr>
+              <a:spcBef>
+                <a:spcPts val="0"/>
+              </a:spcBef>
+              <a:buFont typeface="Wingdings" panose="05000000000000000000" pitchFamily="2" charset="2"/>
+              <a:buChar char="§"/>
+            </a:pPr>
+            <a:r>
+              <a:rPr lang="en-US" sz="1000" dirty="0">
+                <a:latin typeface="Century Gothic" panose="020B0502020202020204" pitchFamily="34" charset="0"/>
+              </a:rPr>
+              <a:t>The client initiates a new KeepAlive immediately after receiving the previous reply. Thus, the client ensures that there is almost always a KeepAlive call blocked at the master.</a:t>
             </a:r>
           </a:p>
           <a:p>
@@ -6768,6 +6738,66 @@
           </a:p>
         </p:txBody>
       </p:sp>
+      <p:pic>
+        <p:nvPicPr>
+          <p:cNvPr id="7" name="Picture 6">
+            <a:extLst>
+              <a:ext uri="{FF2B5EF4-FFF2-40B4-BE49-F238E27FC236}">
+                <a16:creationId xmlns:a16="http://schemas.microsoft.com/office/drawing/2014/main" id="{232114F0-C36A-436B-8D51-5D0420F1B725}"/>
+              </a:ext>
+            </a:extLst>
+          </p:cNvPr>
+          <p:cNvPicPr>
+            <a:picLocks noChangeAspect="1"/>
+          </p:cNvPicPr>
+          <p:nvPr/>
+        </p:nvPicPr>
+        <p:blipFill>
+          <a:blip r:embed="rId2"/>
+          <a:stretch>
+            <a:fillRect/>
+          </a:stretch>
+        </p:blipFill>
+        <p:spPr>
+          <a:xfrm>
+            <a:off x="7163127" y="850568"/>
+            <a:ext cx="4772692" cy="2822115"/>
+          </a:xfrm>
+          <a:prstGeom prst="rect">
+            <a:avLst/>
+          </a:prstGeom>
+        </p:spPr>
+      </p:pic>
+      <p:pic>
+        <p:nvPicPr>
+          <p:cNvPr id="3" name="Picture 2">
+            <a:extLst>
+              <a:ext uri="{FF2B5EF4-FFF2-40B4-BE49-F238E27FC236}">
+                <a16:creationId xmlns:a16="http://schemas.microsoft.com/office/drawing/2014/main" id="{D0B5CA6A-7DFD-40EE-8995-28D3237BBE29}"/>
+              </a:ext>
+            </a:extLst>
+          </p:cNvPr>
+          <p:cNvPicPr>
+            <a:picLocks noChangeAspect="1"/>
+          </p:cNvPicPr>
+          <p:nvPr/>
+        </p:nvPicPr>
+        <p:blipFill>
+          <a:blip r:embed="rId3"/>
+          <a:stretch>
+            <a:fillRect/>
+          </a:stretch>
+        </p:blipFill>
+        <p:spPr>
+          <a:xfrm>
+            <a:off x="7163127" y="3672683"/>
+            <a:ext cx="4772691" cy="2705247"/>
+          </a:xfrm>
+          <a:prstGeom prst="rect">
+            <a:avLst/>
+          </a:prstGeom>
+        </p:spPr>
+      </p:pic>
     </p:spTree>
     <p:extLst>
       <p:ext uri="{BB962C8B-B14F-4D97-AF65-F5344CB8AC3E}">
@@ -6844,8 +6874,9 @@
               <a:rPr lang="en-IN" b="1" dirty="0">
                 <a:latin typeface="Nunito Sans" pitchFamily="2" charset="0"/>
               </a:rPr>
-              <a:t>Chubby Working : Master Election &amp; Chubby Event</a:t>
-            </a:r>
+              <a:t>Chubby Working : Sessions &amp; Events</a:t>
+            </a:r>
+            <a:endParaRPr lang="en-IN" dirty="0"/>
           </a:p>
         </p:txBody>
       </p:sp>
@@ -6866,7 +6897,7 @@
         <p:spPr>
           <a:xfrm>
             <a:off x="327837" y="733425"/>
-            <a:ext cx="6396243" cy="5781675"/>
+            <a:ext cx="6726166" cy="5781675"/>
           </a:xfrm>
           <a:prstGeom prst="rect">
             <a:avLst/>
@@ -7042,10 +7073,43 @@
           </a:lstStyle>
           <a:p>
             <a:pPr marL="0" indent="0">
-              <a:buFont typeface="Arial" panose="020B0604020202020204" pitchFamily="34" charset="0"/>
-              <a:buNone/>
-            </a:pPr>
-            <a:endParaRPr lang="en-US" sz="1000" b="1" dirty="0">
+              <a:spcBef>
+                <a:spcPts val="0"/>
+              </a:spcBef>
+              <a:buNone/>
+            </a:pPr>
+            <a:r>
+              <a:rPr lang="en-US" sz="1400" b="1" dirty="0">
+                <a:latin typeface="Century Gothic" panose="020B0502020202020204" pitchFamily="34" charset="0"/>
+              </a:rPr>
+              <a:t>Session optimization</a:t>
+            </a:r>
+          </a:p>
+          <a:p>
+            <a:pPr marL="0" indent="0">
+              <a:spcBef>
+                <a:spcPts val="0"/>
+              </a:spcBef>
+              <a:buNone/>
+            </a:pPr>
+            <a:r>
+              <a:rPr lang="en-US" sz="1000" dirty="0">
+                <a:solidFill>
+                  <a:srgbClr val="3D3D4E"/>
+                </a:solidFill>
+                <a:latin typeface="Century Gothic" panose="020B0502020202020204" pitchFamily="34" charset="0"/>
+              </a:rPr>
+              <a:t>Piggybacking events: KeepAlive reply is used to transmit events and cache invalidations back to the client.</a:t>
+            </a:r>
+          </a:p>
+          <a:p>
+            <a:pPr marL="0" indent="0">
+              <a:spcBef>
+                <a:spcPts val="0"/>
+              </a:spcBef>
+              <a:buNone/>
+            </a:pPr>
+            <a:endParaRPr lang="en-US" sz="1000" dirty="0">
               <a:solidFill>
                 <a:srgbClr val="3D3D4E"/>
               </a:solidFill>
@@ -7057,25 +7121,35 @@
               <a:spcBef>
                 <a:spcPts val="0"/>
               </a:spcBef>
-              <a:buFont typeface="Arial" panose="020B0604020202020204" pitchFamily="34" charset="0"/>
-              <a:buNone/>
-            </a:pPr>
-            <a:r>
-              <a:rPr lang="en-US" sz="1400" b="1" dirty="0">
-                <a:latin typeface="Century Gothic" panose="020B0502020202020204" pitchFamily="34" charset="0"/>
-              </a:rPr>
-              <a:t>How to initialize the newly elected Master?</a:t>
-            </a:r>
-          </a:p>
-          <a:p>
-            <a:pPr marL="0" indent="0">
-              <a:spcBef>
-                <a:spcPts val="0"/>
-              </a:spcBef>
-              <a:buFont typeface="Arial" panose="020B0604020202020204" pitchFamily="34" charset="0"/>
-              <a:buNone/>
-            </a:pPr>
-            <a:endParaRPr lang="en-US" sz="1100" b="1" dirty="0">
+              <a:buNone/>
+            </a:pPr>
+            <a:r>
+              <a:rPr lang="en-US" sz="1000" b="1" dirty="0">
+                <a:solidFill>
+                  <a:srgbClr val="3D3D4E"/>
+                </a:solidFill>
+                <a:latin typeface="Century Gothic" panose="020B0502020202020204" pitchFamily="34" charset="0"/>
+              </a:rPr>
+              <a:t>Local lease: </a:t>
+            </a:r>
+            <a:r>
+              <a:rPr lang="en-US" sz="1000" dirty="0">
+                <a:solidFill>
+                  <a:srgbClr val="3D3D4E"/>
+                </a:solidFill>
+                <a:latin typeface="Century Gothic" panose="020B0502020202020204" pitchFamily="34" charset="0"/>
+              </a:rPr>
+              <a:t>The client maintains a local lease timeout that is a conservative approximation of the master’s lease timeout.</a:t>
+            </a:r>
+          </a:p>
+          <a:p>
+            <a:pPr marL="0" indent="0">
+              <a:spcBef>
+                <a:spcPts val="0"/>
+              </a:spcBef>
+              <a:buNone/>
+            </a:pPr>
+            <a:endParaRPr lang="en-US" sz="1000" dirty="0">
               <a:solidFill>
                 <a:srgbClr val="3D3D4E"/>
               </a:solidFill>
@@ -7083,24 +7157,29 @@
             </a:endParaRPr>
           </a:p>
           <a:p>
-            <a:pPr>
-              <a:spcBef>
-                <a:spcPts val="0"/>
-              </a:spcBef>
-              <a:buFont typeface="Wingdings" panose="05000000000000000000" pitchFamily="2" charset="2"/>
-              <a:buChar char="§"/>
+            <a:pPr marL="0" indent="0">
+              <a:spcBef>
+                <a:spcPts val="0"/>
+              </a:spcBef>
+              <a:buNone/>
             </a:pPr>
             <a:r>
               <a:rPr lang="en-US" sz="1000" b="1" dirty="0">
-                <a:latin typeface="Century Gothic" panose="020B0502020202020204" pitchFamily="34" charset="0"/>
-              </a:rPr>
-              <a:t>Picks epoch number</a:t>
-            </a:r>
-            <a:r>
-              <a:rPr lang="en-US" sz="1000" dirty="0">
-                <a:latin typeface="Century Gothic" panose="020B0502020202020204" pitchFamily="34" charset="0"/>
-              </a:rPr>
-              <a:t>: It first picks up a new client epoch number to differentiate itself from the previous master. Clients are required to present the epoch number on every call. The master rejects calls from clients using older epoch numbers. This ensures that the new master will not respond to a very old packet that was sent to the previous master.</a:t>
+                <a:solidFill>
+                  <a:srgbClr val="3D3D4E"/>
+                </a:solidFill>
+                <a:latin typeface="Century Gothic" panose="020B0502020202020204" pitchFamily="34" charset="0"/>
+              </a:rPr>
+              <a:t>Jeopardy</a:t>
+            </a:r>
+            <a:r>
+              <a:rPr lang="en-US" sz="1000" dirty="0">
+                <a:solidFill>
+                  <a:srgbClr val="3D3D4E"/>
+                </a:solidFill>
+                <a:latin typeface="Century Gothic" panose="020B0502020202020204" pitchFamily="34" charset="0"/>
+              </a:rPr>
+              <a:t>: If a client’s local lease timeout expires, it becomes unsure whether the master has terminated its session. The client empties and disables its cache, and we say that its session is in jeopardy.</a:t>
             </a:r>
           </a:p>
           <a:p>
@@ -7111,28 +7190,36 @@
               <a:buNone/>
             </a:pPr>
             <a:endParaRPr lang="en-US" sz="1000" dirty="0">
-              <a:latin typeface="Century Gothic" panose="020B0502020202020204" pitchFamily="34" charset="0"/>
-            </a:endParaRPr>
-          </a:p>
-          <a:p>
-            <a:pPr>
-              <a:spcBef>
-                <a:spcPts val="0"/>
-              </a:spcBef>
-              <a:buFont typeface="Wingdings" panose="05000000000000000000" pitchFamily="2" charset="2"/>
-              <a:buChar char="§"/>
+              <a:solidFill>
+                <a:srgbClr val="3D3D4E"/>
+              </a:solidFill>
+              <a:latin typeface="Century Gothic" panose="020B0502020202020204" pitchFamily="34" charset="0"/>
+            </a:endParaRPr>
+          </a:p>
+          <a:p>
+            <a:pPr marL="0" indent="0">
+              <a:spcBef>
+                <a:spcPts val="0"/>
+              </a:spcBef>
+              <a:buNone/>
             </a:pPr>
             <a:r>
               <a:rPr lang="en-US" sz="1000" b="1" dirty="0">
-                <a:latin typeface="Century Gothic" panose="020B0502020202020204" pitchFamily="34" charset="0"/>
-              </a:rPr>
-              <a:t>Responds to master-location requests </a:t>
-            </a:r>
-            <a:r>
-              <a:rPr lang="en-US" sz="1000" dirty="0">
-                <a:latin typeface="Century Gothic" panose="020B0502020202020204" pitchFamily="34" charset="0"/>
-              </a:rPr>
-              <a:t>but does not respond to session-related operations yet.</a:t>
+                <a:solidFill>
+                  <a:srgbClr val="3D3D4E"/>
+                </a:solidFill>
+                <a:latin typeface="Century Gothic" panose="020B0502020202020204" pitchFamily="34" charset="0"/>
+              </a:rPr>
+              <a:t>Grace period</a:t>
+            </a:r>
+            <a:r>
+              <a:rPr lang="en-US" sz="1000" dirty="0">
+                <a:solidFill>
+                  <a:srgbClr val="3D3D4E"/>
+                </a:solidFill>
+                <a:latin typeface="Century Gothic" panose="020B0502020202020204" pitchFamily="34" charset="0"/>
+              </a:rPr>
+              <a:t>: When a session is in jeopardy, the client waits for an extra time called the grace period - 45s by default. If the client and master manage to exchange a successful KeepAlive before the end of client’s grace period, the client enables its cache once more. Otherwise, the client assumes that the session has expired.</a:t>
             </a:r>
           </a:p>
           <a:p>
@@ -7143,58 +7230,74 @@
               <a:buNone/>
             </a:pPr>
             <a:endParaRPr lang="en-US" sz="1000" dirty="0">
-              <a:latin typeface="Century Gothic" panose="020B0502020202020204" pitchFamily="34" charset="0"/>
-            </a:endParaRPr>
-          </a:p>
-          <a:p>
-            <a:pPr>
-              <a:spcBef>
-                <a:spcPts val="0"/>
-              </a:spcBef>
-              <a:buFont typeface="Wingdings" panose="05000000000000000000" pitchFamily="2" charset="2"/>
-              <a:buChar char="§"/>
-            </a:pPr>
-            <a:r>
-              <a:rPr lang="en-US" sz="1000" b="1" dirty="0">
-                <a:latin typeface="Century Gothic" panose="020B0502020202020204" pitchFamily="34" charset="0"/>
-              </a:rPr>
-              <a:t>Build in-memory data structures</a:t>
-            </a:r>
-            <a:r>
-              <a:rPr lang="en-US" sz="1000" dirty="0">
-                <a:latin typeface="Century Gothic" panose="020B0502020202020204" pitchFamily="34" charset="0"/>
-              </a:rPr>
-              <a:t>:</a:t>
-            </a:r>
-          </a:p>
-          <a:p>
-            <a:pPr lvl="1">
-              <a:spcBef>
-                <a:spcPts val="0"/>
-              </a:spcBef>
-              <a:buFont typeface="Wingdings" panose="05000000000000000000" pitchFamily="2" charset="2"/>
-              <a:buChar char="ü"/>
-            </a:pPr>
-            <a:r>
-              <a:rPr lang="en-US" sz="1000" dirty="0">
-                <a:latin typeface="Century Gothic" panose="020B0502020202020204" pitchFamily="34" charset="0"/>
-              </a:rPr>
-              <a:t>It builds in-memory data structures for sessions and locks that are recorded in the database.</a:t>
-            </a:r>
-          </a:p>
-          <a:p>
-            <a:pPr lvl="1">
-              <a:spcBef>
-                <a:spcPts val="0"/>
-              </a:spcBef>
-              <a:buFont typeface="Wingdings" panose="05000000000000000000" pitchFamily="2" charset="2"/>
-              <a:buChar char="ü"/>
-            </a:pPr>
-            <a:r>
-              <a:rPr lang="en-US" sz="1000" dirty="0">
-                <a:latin typeface="Century Gothic" panose="020B0502020202020204" pitchFamily="34" charset="0"/>
-              </a:rPr>
-              <a:t>Session leases are extended to the maximum that the previous master may have been using.</a:t>
+              <a:solidFill>
+                <a:srgbClr val="3D3D4E"/>
+              </a:solidFill>
+              <a:latin typeface="Century Gothic" panose="020B0502020202020204" pitchFamily="34" charset="0"/>
+            </a:endParaRPr>
+          </a:p>
+          <a:p>
+            <a:pPr marL="0" indent="0">
+              <a:spcBef>
+                <a:spcPts val="0"/>
+              </a:spcBef>
+              <a:buNone/>
+            </a:pPr>
+            <a:endParaRPr lang="en-US" sz="1400" b="1" dirty="0">
+              <a:latin typeface="Century Gothic" panose="020B0502020202020204" pitchFamily="34" charset="0"/>
+            </a:endParaRPr>
+          </a:p>
+          <a:p>
+            <a:pPr marL="0" indent="0">
+              <a:spcBef>
+                <a:spcPts val="0"/>
+              </a:spcBef>
+              <a:buNone/>
+            </a:pPr>
+            <a:endParaRPr lang="en-US" sz="1400" b="1" dirty="0">
+              <a:latin typeface="Century Gothic" panose="020B0502020202020204" pitchFamily="34" charset="0"/>
+            </a:endParaRPr>
+          </a:p>
+          <a:p>
+            <a:pPr marL="0" indent="0">
+              <a:spcBef>
+                <a:spcPts val="0"/>
+              </a:spcBef>
+              <a:buNone/>
+            </a:pPr>
+            <a:endParaRPr lang="en-US" sz="1400" b="1" dirty="0">
+              <a:latin typeface="Century Gothic" panose="020B0502020202020204" pitchFamily="34" charset="0"/>
+            </a:endParaRPr>
+          </a:p>
+          <a:p>
+            <a:pPr marL="0" indent="0">
+              <a:spcBef>
+                <a:spcPts val="0"/>
+              </a:spcBef>
+              <a:buNone/>
+            </a:pPr>
+            <a:r>
+              <a:rPr lang="en-US" sz="1400" b="1" dirty="0">
+                <a:latin typeface="Century Gothic" panose="020B0502020202020204" pitchFamily="34" charset="0"/>
+              </a:rPr>
+              <a:t>Failovers</a:t>
+            </a:r>
+          </a:p>
+          <a:p>
+            <a:pPr marL="0" indent="0">
+              <a:spcBef>
+                <a:spcPts val="0"/>
+              </a:spcBef>
+              <a:buNone/>
+            </a:pPr>
+            <a:r>
+              <a:rPr lang="en-US" sz="1000" dirty="0">
+                <a:solidFill>
+                  <a:srgbClr val="3D3D4E"/>
+                </a:solidFill>
+                <a:latin typeface="Century Gothic" panose="020B0502020202020204" pitchFamily="34" charset="0"/>
+              </a:rPr>
+              <a:t>The failover scenario happens when a master fails or otherwise loses membership. Following is the summary of things that happen in case of a master failover:</a:t>
             </a:r>
           </a:p>
           <a:p>
@@ -7205,64 +7308,92 @@
               <a:buNone/>
             </a:pPr>
             <a:endParaRPr lang="en-US" sz="1000" dirty="0">
-              <a:latin typeface="Century Gothic" panose="020B0502020202020204" pitchFamily="34" charset="0"/>
-            </a:endParaRPr>
-          </a:p>
-          <a:p>
-            <a:pPr>
-              <a:spcBef>
-                <a:spcPts val="0"/>
-              </a:spcBef>
-              <a:buFont typeface="Wingdings" panose="05000000000000000000" pitchFamily="2" charset="2"/>
-              <a:buChar char="§"/>
-            </a:pPr>
-            <a:r>
-              <a:rPr lang="en-US" sz="1000" b="1" dirty="0">
-                <a:latin typeface="Century Gothic" panose="020B0502020202020204" pitchFamily="34" charset="0"/>
-              </a:rPr>
-              <a:t>Let clients perform KeepAlives </a:t>
-            </a:r>
-            <a:r>
-              <a:rPr lang="en-US" sz="1000" dirty="0">
-                <a:latin typeface="Century Gothic" panose="020B0502020202020204" pitchFamily="34" charset="0"/>
-              </a:rPr>
-              <a:t>but no other session-related operations at this point.</a:t>
-            </a:r>
-          </a:p>
-          <a:p>
-            <a:pPr>
-              <a:spcBef>
-                <a:spcPts val="0"/>
-              </a:spcBef>
-              <a:buFont typeface="Wingdings" panose="05000000000000000000" pitchFamily="2" charset="2"/>
-              <a:buChar char="§"/>
+              <a:solidFill>
+                <a:srgbClr val="3D3D4E"/>
+              </a:solidFill>
+              <a:latin typeface="Century Gothic" panose="020B0502020202020204" pitchFamily="34" charset="0"/>
+            </a:endParaRPr>
+          </a:p>
+          <a:p>
+            <a:pPr marL="0" indent="0">
+              <a:spcBef>
+                <a:spcPts val="0"/>
+              </a:spcBef>
+              <a:buNone/>
+            </a:pPr>
+            <a:r>
+              <a:rPr lang="en-US" sz="1000" dirty="0">
+                <a:solidFill>
+                  <a:srgbClr val="3D3D4E"/>
+                </a:solidFill>
+                <a:latin typeface="Century Gothic" panose="020B0502020202020204" pitchFamily="34" charset="0"/>
+              </a:rPr>
+              <a:t>The failing master discards its in-memory state about sessions, handles, and locks.</a:t>
+            </a:r>
+          </a:p>
+          <a:p>
+            <a:pPr marL="0" indent="0">
+              <a:spcBef>
+                <a:spcPts val="0"/>
+              </a:spcBef>
+              <a:buNone/>
+            </a:pPr>
+            <a:r>
+              <a:rPr lang="en-US" sz="1000" dirty="0">
+                <a:solidFill>
+                  <a:srgbClr val="3D3D4E"/>
+                </a:solidFill>
+                <a:latin typeface="Century Gothic" panose="020B0502020202020204" pitchFamily="34" charset="0"/>
+              </a:rPr>
+              <a:t>Session lease timer is stopped. This means no lease is expired during the time when the master failover is happening. This is equivalent to lease extension.</a:t>
+            </a:r>
+          </a:p>
+          <a:p>
+            <a:pPr marL="0" indent="0">
+              <a:spcBef>
+                <a:spcPts val="0"/>
+              </a:spcBef>
+              <a:buNone/>
+            </a:pPr>
+            <a:r>
+              <a:rPr lang="en-US" sz="1000" dirty="0">
+                <a:solidFill>
+                  <a:srgbClr val="3D3D4E"/>
+                </a:solidFill>
+                <a:latin typeface="Century Gothic" panose="020B0502020202020204" pitchFamily="34" charset="0"/>
+              </a:rPr>
+              <a:t>If master election occurs quickly, the clients contact and continue with the new master before the client’s local lease expires.</a:t>
+            </a:r>
+          </a:p>
+          <a:p>
+            <a:pPr marL="0" indent="0">
+              <a:spcBef>
+                <a:spcPts val="0"/>
+              </a:spcBef>
+              <a:buNone/>
+            </a:pPr>
+            <a:r>
+              <a:rPr lang="en-US" sz="1000" dirty="0">
+                <a:solidFill>
+                  <a:srgbClr val="3D3D4E"/>
+                </a:solidFill>
+                <a:latin typeface="Century Gothic" panose="020B0502020202020204" pitchFamily="34" charset="0"/>
+              </a:rPr>
+              <a:t>If the election is delayed, the clients flush their caches (= jeopardy) and wait for the “grace period” (45s) while trying to find the new master.</a:t>
+            </a:r>
+          </a:p>
+          <a:p>
+            <a:pPr marL="0" indent="0">
+              <a:spcBef>
+                <a:spcPts val="0"/>
+              </a:spcBef>
+              <a:buNone/>
             </a:pPr>
             <a:endParaRPr lang="en-US" sz="1000" dirty="0">
               <a:latin typeface="Century Gothic" panose="020B0502020202020204" pitchFamily="34" charset="0"/>
             </a:endParaRPr>
           </a:p>
           <a:p>
-            <a:pPr>
-              <a:spcBef>
-                <a:spcPts val="0"/>
-              </a:spcBef>
-              <a:buFont typeface="Wingdings" panose="05000000000000000000" pitchFamily="2" charset="2"/>
-              <a:buChar char="§"/>
-            </a:pPr>
-            <a:r>
-              <a:rPr lang="en-US" sz="1000" b="1" dirty="0">
-                <a:latin typeface="Century Gothic" panose="020B0502020202020204" pitchFamily="34" charset="0"/>
-              </a:rPr>
-              <a:t>Emits a failover event to each session</a:t>
-            </a:r>
-            <a:r>
-              <a:rPr lang="en-US" sz="1000" dirty="0">
-                <a:latin typeface="Century Gothic" panose="020B0502020202020204" pitchFamily="34" charset="0"/>
-              </a:rPr>
-              <a:t>: This causes clients to flush their caches (because they may have missed invalidations) and warn applications that other events may have been lost.</a:t>
-            </a:r>
-          </a:p>
-          <a:p>
             <a:pPr marL="0" indent="0">
               <a:spcBef>
                 <a:spcPts val="0"/>
@@ -7272,123 +7403,6 @@
             <a:endParaRPr lang="en-US" sz="1000" dirty="0">
               <a:latin typeface="Century Gothic" panose="020B0502020202020204" pitchFamily="34" charset="0"/>
             </a:endParaRPr>
-          </a:p>
-          <a:p>
-            <a:pPr>
-              <a:spcBef>
-                <a:spcPts val="0"/>
-              </a:spcBef>
-              <a:buFont typeface="Wingdings" panose="05000000000000000000" pitchFamily="2" charset="2"/>
-              <a:buChar char="§"/>
-            </a:pPr>
-            <a:r>
-              <a:rPr lang="en-US" sz="1000" b="1" dirty="0">
-                <a:latin typeface="Century Gothic" panose="020B0502020202020204" pitchFamily="34" charset="0"/>
-              </a:rPr>
-              <a:t>Wait</a:t>
-            </a:r>
-            <a:r>
-              <a:rPr lang="en-US" sz="1000" dirty="0">
-                <a:latin typeface="Century Gothic" panose="020B0502020202020204" pitchFamily="34" charset="0"/>
-              </a:rPr>
-              <a:t>: The master waits until each session acknowledges the failover event or lets its session expire.</a:t>
-            </a:r>
-          </a:p>
-          <a:p>
-            <a:pPr marL="0" indent="0">
-              <a:spcBef>
-                <a:spcPts val="0"/>
-              </a:spcBef>
-              <a:buNone/>
-            </a:pPr>
-            <a:endParaRPr lang="en-US" sz="1000" dirty="0">
-              <a:latin typeface="Century Gothic" panose="020B0502020202020204" pitchFamily="34" charset="0"/>
-            </a:endParaRPr>
-          </a:p>
-          <a:p>
-            <a:pPr>
-              <a:spcBef>
-                <a:spcPts val="0"/>
-              </a:spcBef>
-              <a:buFont typeface="Wingdings" panose="05000000000000000000" pitchFamily="2" charset="2"/>
-              <a:buChar char="§"/>
-            </a:pPr>
-            <a:r>
-              <a:rPr lang="en-US" sz="1000" b="1" dirty="0">
-                <a:latin typeface="Century Gothic" panose="020B0502020202020204" pitchFamily="34" charset="0"/>
-              </a:rPr>
-              <a:t>Allow all operations to proceed</a:t>
-            </a:r>
-            <a:r>
-              <a:rPr lang="en-US" sz="1000" dirty="0">
-                <a:latin typeface="Century Gothic" panose="020B0502020202020204" pitchFamily="34" charset="0"/>
-              </a:rPr>
-              <a:t>.</a:t>
-            </a:r>
-          </a:p>
-          <a:p>
-            <a:pPr marL="0" indent="0">
-              <a:spcBef>
-                <a:spcPts val="0"/>
-              </a:spcBef>
-              <a:buNone/>
-            </a:pPr>
-            <a:endParaRPr lang="en-US" sz="1000" dirty="0">
-              <a:latin typeface="Century Gothic" panose="020B0502020202020204" pitchFamily="34" charset="0"/>
-            </a:endParaRPr>
-          </a:p>
-          <a:p>
-            <a:pPr>
-              <a:spcBef>
-                <a:spcPts val="0"/>
-              </a:spcBef>
-              <a:buFont typeface="Wingdings" panose="05000000000000000000" pitchFamily="2" charset="2"/>
-              <a:buChar char="§"/>
-            </a:pPr>
-            <a:r>
-              <a:rPr lang="en-US" sz="1000" b="1" dirty="0">
-                <a:latin typeface="Century Gothic" panose="020B0502020202020204" pitchFamily="34" charset="0"/>
-              </a:rPr>
-              <a:t>Honor older handles by clients</a:t>
-            </a:r>
-            <a:r>
-              <a:rPr lang="en-US" sz="1000" dirty="0">
-                <a:latin typeface="Century Gothic" panose="020B0502020202020204" pitchFamily="34" charset="0"/>
-              </a:rPr>
-              <a:t>: If a client uses a handle created prior to the failover, the master recreates the in-memory representation of the handle and honors the call.</a:t>
-            </a:r>
-          </a:p>
-          <a:p>
-            <a:pPr marL="0" indent="0">
-              <a:spcBef>
-                <a:spcPts val="0"/>
-              </a:spcBef>
-              <a:buNone/>
-            </a:pPr>
-            <a:endParaRPr lang="en-US" sz="1000" dirty="0">
-              <a:latin typeface="Century Gothic" panose="020B0502020202020204" pitchFamily="34" charset="0"/>
-            </a:endParaRPr>
-          </a:p>
-          <a:p>
-            <a:pPr>
-              <a:spcBef>
-                <a:spcPts val="0"/>
-              </a:spcBef>
-              <a:buFont typeface="Wingdings" panose="05000000000000000000" pitchFamily="2" charset="2"/>
-              <a:buChar char="§"/>
-            </a:pPr>
-            <a:r>
-              <a:rPr lang="en-US" sz="1000" b="1" dirty="0">
-                <a:latin typeface="Century Gothic" panose="020B0502020202020204" pitchFamily="34" charset="0"/>
-              </a:rPr>
-              <a:t>Deletes ephemeral files</a:t>
-            </a:r>
-            <a:r>
-              <a:rPr lang="en-US" sz="1000" dirty="0">
-                <a:latin typeface="Century Gothic" panose="020B0502020202020204" pitchFamily="34" charset="0"/>
-              </a:rPr>
-              <a:t>: After some interval (a minute), the master deletes ephemeral files that have no open file handles. Clients should refresh handles on ephemeral files during this interval after a failover.</a:t>
-            </a:r>
           </a:p>
           <a:p>
             <a:pPr marL="0" indent="0">
@@ -7530,690 +7544,40 @@
           </a:p>
         </p:txBody>
       </p:sp>
-      <p:sp>
-        <p:nvSpPr>
-          <p:cNvPr id="7" name="Content Placeholder 7">
+      <p:pic>
+        <p:nvPicPr>
+          <p:cNvPr id="3" name="Picture 2">
             <a:extLst>
               <a:ext uri="{FF2B5EF4-FFF2-40B4-BE49-F238E27FC236}">
-                <a16:creationId xmlns:a16="http://schemas.microsoft.com/office/drawing/2014/main" id="{FBC819CF-007B-4B3C-8D30-EEEA90B97B20}"/>
+                <a16:creationId xmlns:a16="http://schemas.microsoft.com/office/drawing/2014/main" id="{D0B5CA6A-7DFD-40EE-8995-28D3237BBE29}"/>
               </a:ext>
             </a:extLst>
           </p:cNvPr>
-          <p:cNvSpPr txBox="1">
-            <a:spLocks/>
-          </p:cNvSpPr>
+          <p:cNvPicPr>
+            <a:picLocks noChangeAspect="1"/>
+          </p:cNvPicPr>
           <p:nvPr/>
-        </p:nvSpPr>
+        </p:nvPicPr>
+        <p:blipFill>
+          <a:blip r:embed="rId2"/>
+          <a:stretch>
+            <a:fillRect/>
+          </a:stretch>
+        </p:blipFill>
         <p:spPr>
           <a:xfrm>
-            <a:off x="6766168" y="756125"/>
-            <a:ext cx="5097996" cy="5781675"/>
+            <a:off x="7160456" y="1992268"/>
+            <a:ext cx="4772691" cy="2705247"/>
           </a:xfrm>
           <a:prstGeom prst="rect">
             <a:avLst/>
           </a:prstGeom>
         </p:spPr>
-        <p:txBody>
-          <a:bodyPr vert="horz" lIns="91440" tIns="45720" rIns="91440" bIns="45720" rtlCol="0">
-            <a:normAutofit/>
-          </a:bodyPr>
-          <a:lstStyle>
-            <a:lvl1pPr marL="228600" indent="-228600" algn="l" defTabSz="914400" rtl="0" eaLnBrk="1" latinLnBrk="0" hangingPunct="1">
-              <a:lnSpc>
-                <a:spcPct val="90000"/>
-              </a:lnSpc>
-              <a:spcBef>
-                <a:spcPts val="1000"/>
-              </a:spcBef>
-              <a:buFont typeface="Arial" panose="020B0604020202020204" pitchFamily="34" charset="0"/>
-              <a:buChar char="•"/>
-              <a:defRPr sz="2800" kern="1200">
-                <a:solidFill>
-                  <a:schemeClr val="tx1"/>
-                </a:solidFill>
-                <a:latin typeface="+mn-lt"/>
-                <a:ea typeface="+mn-ea"/>
-                <a:cs typeface="+mn-cs"/>
-              </a:defRPr>
-            </a:lvl1pPr>
-            <a:lvl2pPr marL="685800" indent="-228600" algn="l" defTabSz="914400" rtl="0" eaLnBrk="1" latinLnBrk="0" hangingPunct="1">
-              <a:lnSpc>
-                <a:spcPct val="90000"/>
-              </a:lnSpc>
-              <a:spcBef>
-                <a:spcPts val="500"/>
-              </a:spcBef>
-              <a:buFont typeface="Arial" panose="020B0604020202020204" pitchFamily="34" charset="0"/>
-              <a:buChar char="•"/>
-              <a:defRPr sz="2400" kern="1200">
-                <a:solidFill>
-                  <a:schemeClr val="tx1"/>
-                </a:solidFill>
-                <a:latin typeface="+mn-lt"/>
-                <a:ea typeface="+mn-ea"/>
-                <a:cs typeface="+mn-cs"/>
-              </a:defRPr>
-            </a:lvl2pPr>
-            <a:lvl3pPr marL="1143000" indent="-228600" algn="l" defTabSz="914400" rtl="0" eaLnBrk="1" latinLnBrk="0" hangingPunct="1">
-              <a:lnSpc>
-                <a:spcPct val="90000"/>
-              </a:lnSpc>
-              <a:spcBef>
-                <a:spcPts val="500"/>
-              </a:spcBef>
-              <a:buFont typeface="Arial" panose="020B0604020202020204" pitchFamily="34" charset="0"/>
-              <a:buChar char="•"/>
-              <a:defRPr sz="2000" kern="1200">
-                <a:solidFill>
-                  <a:schemeClr val="tx1"/>
-                </a:solidFill>
-                <a:latin typeface="+mn-lt"/>
-                <a:ea typeface="+mn-ea"/>
-                <a:cs typeface="+mn-cs"/>
-              </a:defRPr>
-            </a:lvl3pPr>
-            <a:lvl4pPr marL="1600200" indent="-228600" algn="l" defTabSz="914400" rtl="0" eaLnBrk="1" latinLnBrk="0" hangingPunct="1">
-              <a:lnSpc>
-                <a:spcPct val="90000"/>
-              </a:lnSpc>
-              <a:spcBef>
-                <a:spcPts val="500"/>
-              </a:spcBef>
-              <a:buFont typeface="Arial" panose="020B0604020202020204" pitchFamily="34" charset="0"/>
-              <a:buChar char="•"/>
-              <a:defRPr sz="1800" kern="1200">
-                <a:solidFill>
-                  <a:schemeClr val="tx1"/>
-                </a:solidFill>
-                <a:latin typeface="+mn-lt"/>
-                <a:ea typeface="+mn-ea"/>
-                <a:cs typeface="+mn-cs"/>
-              </a:defRPr>
-            </a:lvl4pPr>
-            <a:lvl5pPr marL="2057400" indent="-228600" algn="l" defTabSz="914400" rtl="0" eaLnBrk="1" latinLnBrk="0" hangingPunct="1">
-              <a:lnSpc>
-                <a:spcPct val="90000"/>
-              </a:lnSpc>
-              <a:spcBef>
-                <a:spcPts val="500"/>
-              </a:spcBef>
-              <a:buFont typeface="Arial" panose="020B0604020202020204" pitchFamily="34" charset="0"/>
-              <a:buChar char="•"/>
-              <a:defRPr sz="1800" kern="1200">
-                <a:solidFill>
-                  <a:schemeClr val="tx1"/>
-                </a:solidFill>
-                <a:latin typeface="+mn-lt"/>
-                <a:ea typeface="+mn-ea"/>
-                <a:cs typeface="+mn-cs"/>
-              </a:defRPr>
-            </a:lvl5pPr>
-            <a:lvl6pPr marL="2514600" indent="-228600" algn="l" defTabSz="914400" rtl="0" eaLnBrk="1" latinLnBrk="0" hangingPunct="1">
-              <a:lnSpc>
-                <a:spcPct val="90000"/>
-              </a:lnSpc>
-              <a:spcBef>
-                <a:spcPts val="500"/>
-              </a:spcBef>
-              <a:buFont typeface="Arial" panose="020B0604020202020204" pitchFamily="34" charset="0"/>
-              <a:buChar char="•"/>
-              <a:defRPr sz="1800" kern="1200">
-                <a:solidFill>
-                  <a:schemeClr val="tx1"/>
-                </a:solidFill>
-                <a:latin typeface="+mn-lt"/>
-                <a:ea typeface="+mn-ea"/>
-                <a:cs typeface="+mn-cs"/>
-              </a:defRPr>
-            </a:lvl6pPr>
-            <a:lvl7pPr marL="2971800" indent="-228600" algn="l" defTabSz="914400" rtl="0" eaLnBrk="1" latinLnBrk="0" hangingPunct="1">
-              <a:lnSpc>
-                <a:spcPct val="90000"/>
-              </a:lnSpc>
-              <a:spcBef>
-                <a:spcPts val="500"/>
-              </a:spcBef>
-              <a:buFont typeface="Arial" panose="020B0604020202020204" pitchFamily="34" charset="0"/>
-              <a:buChar char="•"/>
-              <a:defRPr sz="1800" kern="1200">
-                <a:solidFill>
-                  <a:schemeClr val="tx1"/>
-                </a:solidFill>
-                <a:latin typeface="+mn-lt"/>
-                <a:ea typeface="+mn-ea"/>
-                <a:cs typeface="+mn-cs"/>
-              </a:defRPr>
-            </a:lvl7pPr>
-            <a:lvl8pPr marL="3429000" indent="-228600" algn="l" defTabSz="914400" rtl="0" eaLnBrk="1" latinLnBrk="0" hangingPunct="1">
-              <a:lnSpc>
-                <a:spcPct val="90000"/>
-              </a:lnSpc>
-              <a:spcBef>
-                <a:spcPts val="500"/>
-              </a:spcBef>
-              <a:buFont typeface="Arial" panose="020B0604020202020204" pitchFamily="34" charset="0"/>
-              <a:buChar char="•"/>
-              <a:defRPr sz="1800" kern="1200">
-                <a:solidFill>
-                  <a:schemeClr val="tx1"/>
-                </a:solidFill>
-                <a:latin typeface="+mn-lt"/>
-                <a:ea typeface="+mn-ea"/>
-                <a:cs typeface="+mn-cs"/>
-              </a:defRPr>
-            </a:lvl8pPr>
-            <a:lvl9pPr marL="3886200" indent="-228600" algn="l" defTabSz="914400" rtl="0" eaLnBrk="1" latinLnBrk="0" hangingPunct="1">
-              <a:lnSpc>
-                <a:spcPct val="90000"/>
-              </a:lnSpc>
-              <a:spcBef>
-                <a:spcPts val="500"/>
-              </a:spcBef>
-              <a:buFont typeface="Arial" panose="020B0604020202020204" pitchFamily="34" charset="0"/>
-              <a:buChar char="•"/>
-              <a:defRPr sz="1800" kern="1200">
-                <a:solidFill>
-                  <a:schemeClr val="tx1"/>
-                </a:solidFill>
-                <a:latin typeface="+mn-lt"/>
-                <a:ea typeface="+mn-ea"/>
-                <a:cs typeface="+mn-cs"/>
-              </a:defRPr>
-            </a:lvl9pPr>
-          </a:lstStyle>
-          <a:p>
-            <a:pPr marL="0" indent="0">
-              <a:buFont typeface="Arial" panose="020B0604020202020204" pitchFamily="34" charset="0"/>
-              <a:buNone/>
-            </a:pPr>
-            <a:endParaRPr lang="en-US" sz="1000" b="1" dirty="0">
-              <a:solidFill>
-                <a:srgbClr val="3D3D4E"/>
-              </a:solidFill>
-              <a:latin typeface="Century Gothic" panose="020B0502020202020204" pitchFamily="34" charset="0"/>
-            </a:endParaRPr>
-          </a:p>
-          <a:p>
-            <a:pPr marL="0" indent="0">
-              <a:spcBef>
-                <a:spcPts val="0"/>
-              </a:spcBef>
-              <a:buFont typeface="Arial" panose="020B0604020202020204" pitchFamily="34" charset="0"/>
-              <a:buNone/>
-            </a:pPr>
-            <a:r>
-              <a:rPr lang="en-US" sz="1400" b="1" dirty="0">
-                <a:latin typeface="Century Gothic" panose="020B0502020202020204" pitchFamily="34" charset="0"/>
-              </a:rPr>
-              <a:t>Chubby Event?</a:t>
-            </a:r>
-          </a:p>
-          <a:p>
-            <a:pPr marL="0" indent="0">
-              <a:spcBef>
-                <a:spcPts val="0"/>
-              </a:spcBef>
-              <a:buFont typeface="Arial" panose="020B0604020202020204" pitchFamily="34" charset="0"/>
-              <a:buNone/>
-            </a:pPr>
-            <a:endParaRPr lang="en-US" sz="1100" b="1" dirty="0">
-              <a:solidFill>
-                <a:srgbClr val="3D3D4E"/>
-              </a:solidFill>
-              <a:latin typeface="Century Gothic" panose="020B0502020202020204" pitchFamily="34" charset="0"/>
-            </a:endParaRPr>
-          </a:p>
-          <a:p>
-            <a:pPr marL="0" indent="0">
-              <a:spcBef>
-                <a:spcPts val="0"/>
-              </a:spcBef>
-              <a:buNone/>
-            </a:pPr>
-            <a:r>
-              <a:rPr lang="en-US" sz="1000" dirty="0">
-                <a:latin typeface="Century Gothic" panose="020B0502020202020204" pitchFamily="34" charset="0"/>
-              </a:rPr>
-              <a:t>Chubby supports simple events.</a:t>
-            </a:r>
-          </a:p>
-          <a:p>
-            <a:pPr marL="0" indent="0">
-              <a:spcBef>
-                <a:spcPts val="0"/>
-              </a:spcBef>
-              <a:buNone/>
-            </a:pPr>
-            <a:endParaRPr lang="en-US" sz="1000" dirty="0">
-              <a:latin typeface="Century Gothic" panose="020B0502020202020204" pitchFamily="34" charset="0"/>
-            </a:endParaRPr>
-          </a:p>
-          <a:p>
-            <a:pPr marL="0" indent="0">
-              <a:spcBef>
-                <a:spcPts val="0"/>
-              </a:spcBef>
-              <a:buNone/>
-            </a:pPr>
-            <a:r>
-              <a:rPr lang="en-US" sz="1000" dirty="0">
-                <a:latin typeface="Century Gothic" panose="020B0502020202020204" pitchFamily="34" charset="0"/>
-              </a:rPr>
-              <a:t>Events are delivered to the client asynchronously via callback from the chubby library .</a:t>
-            </a:r>
-          </a:p>
-          <a:p>
-            <a:pPr marL="0" indent="0">
-              <a:spcBef>
-                <a:spcPts val="0"/>
-              </a:spcBef>
-              <a:buNone/>
-            </a:pPr>
-            <a:endParaRPr lang="en-US" sz="1000" dirty="0">
-              <a:latin typeface="Century Gothic" panose="020B0502020202020204" pitchFamily="34" charset="0"/>
-            </a:endParaRPr>
-          </a:p>
-          <a:p>
-            <a:pPr marL="0" indent="0">
-              <a:spcBef>
-                <a:spcPts val="0"/>
-              </a:spcBef>
-              <a:buNone/>
-            </a:pPr>
-            <a:r>
-              <a:rPr lang="en-US" sz="1000" dirty="0">
-                <a:latin typeface="Century Gothic" panose="020B0502020202020204" pitchFamily="34" charset="0"/>
-              </a:rPr>
-              <a:t>Clients need to subscribe the </a:t>
-            </a:r>
-            <a:r>
-              <a:rPr lang="en-US" sz="1000" b="1" dirty="0">
-                <a:latin typeface="Century Gothic" panose="020B0502020202020204" pitchFamily="34" charset="0"/>
-              </a:rPr>
-              <a:t>event/range of events</a:t>
-            </a:r>
-            <a:r>
-              <a:rPr lang="en-US" sz="1000" dirty="0">
-                <a:latin typeface="Century Gothic" panose="020B0502020202020204" pitchFamily="34" charset="0"/>
-              </a:rPr>
-              <a:t> while creating handle</a:t>
-            </a:r>
-          </a:p>
-          <a:p>
-            <a:pPr marL="0" indent="0">
-              <a:spcBef>
-                <a:spcPts val="0"/>
-              </a:spcBef>
-              <a:buNone/>
-            </a:pPr>
-            <a:endParaRPr lang="en-US" sz="1000" dirty="0">
-              <a:latin typeface="Century Gothic" panose="020B0502020202020204" pitchFamily="34" charset="0"/>
-            </a:endParaRPr>
-          </a:p>
-          <a:p>
-            <a:pPr marL="0" indent="0">
-              <a:spcBef>
-                <a:spcPts val="0"/>
-              </a:spcBef>
-              <a:buNone/>
-            </a:pPr>
-            <a:r>
-              <a:rPr lang="en-US" sz="1000" dirty="0">
-                <a:latin typeface="Century Gothic" panose="020B0502020202020204" pitchFamily="34" charset="0"/>
-              </a:rPr>
-              <a:t>Few example for such events are mentioned below</a:t>
-            </a:r>
-          </a:p>
-          <a:p>
-            <a:pPr marL="0" indent="0">
-              <a:spcBef>
-                <a:spcPts val="0"/>
-              </a:spcBef>
-              <a:buNone/>
-            </a:pPr>
-            <a:endParaRPr lang="en-US" sz="1000" dirty="0">
-              <a:latin typeface="Century Gothic" panose="020B0502020202020204" pitchFamily="34" charset="0"/>
-            </a:endParaRPr>
-          </a:p>
-          <a:p>
-            <a:pPr>
-              <a:spcBef>
-                <a:spcPts val="0"/>
-              </a:spcBef>
-              <a:buFont typeface="Wingdings" panose="05000000000000000000" pitchFamily="2" charset="2"/>
-              <a:buChar char="ü"/>
-            </a:pPr>
-            <a:r>
-              <a:rPr lang="en-US" sz="1000" dirty="0">
-                <a:latin typeface="Century Gothic" panose="020B0502020202020204" pitchFamily="34" charset="0"/>
-              </a:rPr>
-              <a:t>File contents modified</a:t>
-            </a:r>
-          </a:p>
-          <a:p>
-            <a:pPr>
-              <a:spcBef>
-                <a:spcPts val="0"/>
-              </a:spcBef>
-              <a:buFont typeface="Wingdings" panose="05000000000000000000" pitchFamily="2" charset="2"/>
-              <a:buChar char="ü"/>
-            </a:pPr>
-            <a:r>
-              <a:rPr lang="en-US" sz="1000" dirty="0">
-                <a:latin typeface="Century Gothic" panose="020B0502020202020204" pitchFamily="34" charset="0"/>
-              </a:rPr>
-              <a:t>Child node added, removed and modified</a:t>
-            </a:r>
-          </a:p>
-          <a:p>
-            <a:pPr>
-              <a:spcBef>
-                <a:spcPts val="0"/>
-              </a:spcBef>
-              <a:buFont typeface="Wingdings" panose="05000000000000000000" pitchFamily="2" charset="2"/>
-              <a:buChar char="ü"/>
-            </a:pPr>
-            <a:r>
-              <a:rPr lang="en-US" sz="1000" dirty="0">
-                <a:latin typeface="Century Gothic" panose="020B0502020202020204" pitchFamily="34" charset="0"/>
-              </a:rPr>
-              <a:t>Chubby master failed over</a:t>
-            </a:r>
-          </a:p>
-          <a:p>
-            <a:pPr>
-              <a:spcBef>
-                <a:spcPts val="0"/>
-              </a:spcBef>
-              <a:buFont typeface="Wingdings" panose="05000000000000000000" pitchFamily="2" charset="2"/>
-              <a:buChar char="ü"/>
-            </a:pPr>
-            <a:r>
-              <a:rPr lang="en-US" sz="1000" dirty="0">
-                <a:latin typeface="Century Gothic" panose="020B0502020202020204" pitchFamily="34" charset="0"/>
-              </a:rPr>
-              <a:t>When handle becomes invalid?</a:t>
-            </a:r>
-          </a:p>
-          <a:p>
-            <a:pPr>
-              <a:spcBef>
-                <a:spcPts val="0"/>
-              </a:spcBef>
-              <a:buFont typeface="Wingdings" panose="05000000000000000000" pitchFamily="2" charset="2"/>
-              <a:buChar char="ü"/>
-            </a:pPr>
-            <a:r>
-              <a:rPr lang="en-US" sz="1000" dirty="0">
-                <a:latin typeface="Century Gothic" panose="020B0502020202020204" pitchFamily="34" charset="0"/>
-              </a:rPr>
-              <a:t>Lock Acquired?</a:t>
-            </a:r>
-          </a:p>
-          <a:p>
-            <a:pPr>
-              <a:spcBef>
-                <a:spcPts val="0"/>
-              </a:spcBef>
-              <a:buFont typeface="Wingdings" panose="05000000000000000000" pitchFamily="2" charset="2"/>
-              <a:buChar char="ü"/>
-            </a:pPr>
-            <a:r>
-              <a:rPr lang="en-US" sz="1000" dirty="0">
-                <a:latin typeface="Century Gothic" panose="020B0502020202020204" pitchFamily="34" charset="0"/>
-              </a:rPr>
-              <a:t>Any Conflict of lock situation with another client</a:t>
-            </a:r>
-          </a:p>
-          <a:p>
-            <a:pPr marL="0" indent="0">
-              <a:spcBef>
-                <a:spcPts val="0"/>
-              </a:spcBef>
-              <a:buNone/>
-            </a:pPr>
-            <a:endParaRPr lang="en-US" sz="1000" dirty="0">
-              <a:latin typeface="Century Gothic" panose="020B0502020202020204" pitchFamily="34" charset="0"/>
-            </a:endParaRPr>
-          </a:p>
-          <a:p>
-            <a:pPr marL="0" indent="0">
-              <a:spcBef>
-                <a:spcPts val="0"/>
-              </a:spcBef>
-              <a:buNone/>
-            </a:pPr>
-            <a:r>
-              <a:rPr lang="en-US" sz="1000" dirty="0">
-                <a:latin typeface="Century Gothic" panose="020B0502020202020204" pitchFamily="34" charset="0"/>
-              </a:rPr>
-              <a:t>And so on…</a:t>
-            </a:r>
-          </a:p>
-          <a:p>
-            <a:pPr marL="0" indent="0">
-              <a:spcBef>
-                <a:spcPts val="0"/>
-              </a:spcBef>
-              <a:buNone/>
-            </a:pPr>
-            <a:endParaRPr lang="en-US" sz="1000" dirty="0">
-              <a:latin typeface="Century Gothic" panose="020B0502020202020204" pitchFamily="34" charset="0"/>
-            </a:endParaRPr>
-          </a:p>
-          <a:p>
-            <a:pPr marL="0" indent="0">
-              <a:spcBef>
-                <a:spcPts val="0"/>
-              </a:spcBef>
-              <a:buNone/>
-            </a:pPr>
-            <a:r>
-              <a:rPr lang="en-US" sz="1000" dirty="0">
-                <a:latin typeface="Century Gothic" panose="020B0502020202020204" pitchFamily="34" charset="0"/>
-              </a:rPr>
-              <a:t>Additionally , Chubby also sharing standard Session Events mentioned below</a:t>
-            </a:r>
-          </a:p>
-          <a:p>
-            <a:pPr marL="0" indent="0">
-              <a:spcBef>
-                <a:spcPts val="0"/>
-              </a:spcBef>
-              <a:buNone/>
-            </a:pPr>
-            <a:endParaRPr lang="en-US" sz="1000" dirty="0">
-              <a:latin typeface="Century Gothic" panose="020B0502020202020204" pitchFamily="34" charset="0"/>
-            </a:endParaRPr>
-          </a:p>
-          <a:p>
-            <a:pPr marL="0" indent="0">
-              <a:spcBef>
-                <a:spcPts val="0"/>
-              </a:spcBef>
-              <a:buNone/>
-            </a:pPr>
-            <a:r>
-              <a:rPr lang="en-US" sz="1000" b="1" dirty="0">
-                <a:latin typeface="Century Gothic" panose="020B0502020202020204" pitchFamily="34" charset="0"/>
-              </a:rPr>
-              <a:t>Expired : </a:t>
-            </a:r>
-            <a:r>
-              <a:rPr lang="en-US" sz="1000" dirty="0">
-                <a:latin typeface="Century Gothic" panose="020B0502020202020204" pitchFamily="34" charset="0"/>
-              </a:rPr>
-              <a:t>If the session timeout</a:t>
-            </a:r>
-          </a:p>
-          <a:p>
-            <a:pPr marL="0" indent="0">
-              <a:spcBef>
-                <a:spcPts val="0"/>
-              </a:spcBef>
-              <a:buNone/>
-            </a:pPr>
-            <a:r>
-              <a:rPr lang="en-US" sz="1000" b="1" dirty="0">
-                <a:latin typeface="Century Gothic" panose="020B0502020202020204" pitchFamily="34" charset="0"/>
-              </a:rPr>
-              <a:t>Safe: </a:t>
-            </a:r>
-            <a:r>
-              <a:rPr lang="en-US" sz="1000" dirty="0">
-                <a:latin typeface="Century Gothic" panose="020B0502020202020204" pitchFamily="34" charset="0"/>
-              </a:rPr>
-              <a:t>When your session survived some communication issues</a:t>
-            </a:r>
-          </a:p>
-          <a:p>
-            <a:pPr marL="0" indent="0">
-              <a:spcBef>
-                <a:spcPts val="0"/>
-              </a:spcBef>
-              <a:buNone/>
-            </a:pPr>
-            <a:r>
-              <a:rPr lang="en-US" sz="1000" b="1" dirty="0">
-                <a:latin typeface="Century Gothic" panose="020B0502020202020204" pitchFamily="34" charset="0"/>
-              </a:rPr>
-              <a:t>Jeopardy: </a:t>
-            </a:r>
-            <a:r>
-              <a:rPr lang="en-US" sz="1000" dirty="0">
-                <a:latin typeface="Century Gothic" panose="020B0502020202020204" pitchFamily="34" charset="0"/>
-              </a:rPr>
-              <a:t>When session lease time out and grace period begins</a:t>
-            </a:r>
-            <a:endParaRPr lang="en-US" sz="1000" b="1" dirty="0">
-              <a:latin typeface="Century Gothic" panose="020B0502020202020204" pitchFamily="34" charset="0"/>
-            </a:endParaRPr>
-          </a:p>
-          <a:p>
-            <a:pPr marL="0" indent="0">
-              <a:spcBef>
-                <a:spcPts val="0"/>
-              </a:spcBef>
-              <a:buNone/>
-            </a:pPr>
-            <a:endParaRPr lang="en-US" sz="1000" dirty="0">
-              <a:latin typeface="Century Gothic" panose="020B0502020202020204" pitchFamily="34" charset="0"/>
-            </a:endParaRPr>
-          </a:p>
-        </p:txBody>
-      </p:sp>
-      <p:sp>
-        <p:nvSpPr>
-          <p:cNvPr id="2" name="Rectangle 1">
-            <a:extLst>
-              <a:ext uri="{FF2B5EF4-FFF2-40B4-BE49-F238E27FC236}">
-                <a16:creationId xmlns:a16="http://schemas.microsoft.com/office/drawing/2014/main" id="{52E9624A-EB92-4964-948D-EB057A563EFD}"/>
-              </a:ext>
-            </a:extLst>
-          </p:cNvPr>
-          <p:cNvSpPr/>
-          <p:nvPr/>
-        </p:nvSpPr>
-        <p:spPr>
-          <a:xfrm>
-            <a:off x="6766168" y="863126"/>
-            <a:ext cx="5140082" cy="4401084"/>
-          </a:xfrm>
-          <a:prstGeom prst="rect">
-            <a:avLst/>
-          </a:prstGeom>
-          <a:noFill/>
-          <a:ln w="9525" cap="flat" cmpd="sng" algn="ctr">
-            <a:solidFill>
-              <a:schemeClr val="accent3"/>
-            </a:solidFill>
-            <a:prstDash val="solid"/>
-            <a:round/>
-            <a:headEnd type="none" w="med" len="med"/>
-            <a:tailEnd type="none" w="med" len="med"/>
-          </a:ln>
-        </p:spPr>
-        <p:style>
-          <a:lnRef idx="0">
-            <a:scrgbClr r="0" g="0" b="0"/>
-          </a:lnRef>
-          <a:fillRef idx="0">
-            <a:scrgbClr r="0" g="0" b="0"/>
-          </a:fillRef>
-          <a:effectRef idx="0">
-            <a:scrgbClr r="0" g="0" b="0"/>
-          </a:effectRef>
-          <a:fontRef idx="minor">
-            <a:schemeClr val="accent3"/>
-          </a:fontRef>
-        </p:style>
-        <p:txBody>
-          <a:bodyPr rtlCol="0" anchor="ctr"/>
-          <a:lstStyle/>
-          <a:p>
-            <a:pPr algn="ctr"/>
-            <a:endParaRPr lang="en-IN" dirty="0"/>
-          </a:p>
-        </p:txBody>
-      </p:sp>
-      <p:sp>
-        <p:nvSpPr>
-          <p:cNvPr id="3" name="Rectangle 2">
-            <a:extLst>
-              <a:ext uri="{FF2B5EF4-FFF2-40B4-BE49-F238E27FC236}">
-                <a16:creationId xmlns:a16="http://schemas.microsoft.com/office/drawing/2014/main" id="{34196673-A47D-44E6-B24A-4C235D531F15}"/>
-              </a:ext>
-            </a:extLst>
-          </p:cNvPr>
-          <p:cNvSpPr/>
-          <p:nvPr/>
-        </p:nvSpPr>
-        <p:spPr>
-          <a:xfrm>
-            <a:off x="327837" y="863125"/>
-            <a:ext cx="6243845" cy="4401084"/>
-          </a:xfrm>
-          <a:prstGeom prst="rect">
-            <a:avLst/>
-          </a:prstGeom>
-          <a:noFill/>
-          <a:ln w="9525" cap="flat" cmpd="sng" algn="ctr">
-            <a:solidFill>
-              <a:schemeClr val="accent3"/>
-            </a:solidFill>
-            <a:prstDash val="solid"/>
-            <a:round/>
-            <a:headEnd type="none" w="med" len="med"/>
-            <a:tailEnd type="none" w="med" len="med"/>
-          </a:ln>
-        </p:spPr>
-        <p:style>
-          <a:lnRef idx="0">
-            <a:scrgbClr r="0" g="0" b="0"/>
-          </a:lnRef>
-          <a:fillRef idx="0">
-            <a:scrgbClr r="0" g="0" b="0"/>
-          </a:fillRef>
-          <a:effectRef idx="0">
-            <a:scrgbClr r="0" g="0" b="0"/>
-          </a:effectRef>
-          <a:fontRef idx="minor">
-            <a:schemeClr val="accent3"/>
-          </a:fontRef>
-        </p:style>
-        <p:txBody>
-          <a:bodyPr rtlCol="0" anchor="ctr"/>
-          <a:lstStyle/>
-          <a:p>
-            <a:pPr algn="ctr"/>
-            <a:endParaRPr lang="en-IN" dirty="0"/>
-          </a:p>
-        </p:txBody>
-      </p:sp>
+      </p:pic>
     </p:spTree>
     <p:extLst>
       <p:ext uri="{BB962C8B-B14F-4D97-AF65-F5344CB8AC3E}">
-        <p14:creationId xmlns:p14="http://schemas.microsoft.com/office/powerpoint/2010/main" val="1069683385"/>
+        <p14:creationId xmlns:p14="http://schemas.microsoft.com/office/powerpoint/2010/main" val="2587730502"/>
       </p:ext>
     </p:extLst>
   </p:cSld>
@@ -8286,7 +7650,7 @@
               <a:rPr lang="en-IN" b="1" dirty="0">
                 <a:latin typeface="Nunito Sans" pitchFamily="2" charset="0"/>
               </a:rPr>
-              <a:t>Chubby Working : Caching</a:t>
+              <a:t>Chubby Working : Master Election &amp; Chubby Event</a:t>
             </a:r>
           </a:p>
         </p:txBody>
@@ -8506,7 +7870,7 @@
               <a:rPr lang="en-US" sz="1400" b="1" dirty="0">
                 <a:latin typeface="Century Gothic" panose="020B0502020202020204" pitchFamily="34" charset="0"/>
               </a:rPr>
-              <a:t>Chubby Cache</a:t>
+              <a:t>How to initialize the newly elected Master?</a:t>
             </a:r>
           </a:p>
           <a:p>
@@ -8525,274 +7889,92 @@
             </a:endParaRPr>
           </a:p>
           <a:p>
-            <a:pPr marL="0" indent="0">
-              <a:spcBef>
-                <a:spcPts val="0"/>
-              </a:spcBef>
-              <a:buFont typeface="Arial" panose="020B0604020202020204" pitchFamily="34" charset="0"/>
-              <a:buNone/>
-            </a:pPr>
-            <a:r>
-              <a:rPr lang="en-US" sz="1000" dirty="0">
-                <a:solidFill>
-                  <a:srgbClr val="3D3D4E"/>
-                </a:solidFill>
-                <a:latin typeface="Century Gothic" panose="020B0502020202020204" pitchFamily="34" charset="0"/>
-              </a:rPr>
-              <a:t>Chubby System is read biased, and so one thought will automatically come into mind of an architect that Caching must be the one of the important component in this system. So, let’s learn the caching used in Chubby, next in this section.</a:t>
-            </a:r>
-          </a:p>
-          <a:p>
-            <a:pPr marL="0" indent="0">
-              <a:spcBef>
-                <a:spcPts val="0"/>
-              </a:spcBef>
-              <a:buFont typeface="Arial" panose="020B0604020202020204" pitchFamily="34" charset="0"/>
+            <a:pPr>
+              <a:spcBef>
+                <a:spcPts val="0"/>
+              </a:spcBef>
+              <a:buFont typeface="Wingdings" panose="05000000000000000000" pitchFamily="2" charset="2"/>
+              <a:buChar char="§"/>
+            </a:pPr>
+            <a:r>
+              <a:rPr lang="en-US" sz="1000" b="1" dirty="0">
+                <a:latin typeface="Century Gothic" panose="020B0502020202020204" pitchFamily="34" charset="0"/>
+              </a:rPr>
+              <a:t>Picks epoch number</a:t>
+            </a:r>
+            <a:r>
+              <a:rPr lang="en-US" sz="1000" dirty="0">
+                <a:latin typeface="Century Gothic" panose="020B0502020202020204" pitchFamily="34" charset="0"/>
+              </a:rPr>
+              <a:t>: It first picks up a new client epoch number to differentiate itself from the previous master. Clients are required to present the epoch number on every call. The master rejects calls from clients using older epoch numbers. This ensures that the new master will not respond to a very old packet that was sent to the previous master.</a:t>
+            </a:r>
+          </a:p>
+          <a:p>
+            <a:pPr marL="0" indent="0">
+              <a:spcBef>
+                <a:spcPts val="0"/>
+              </a:spcBef>
               <a:buNone/>
             </a:pPr>
             <a:endParaRPr lang="en-US" sz="1000" dirty="0">
-              <a:solidFill>
-                <a:srgbClr val="3D3D4E"/>
-              </a:solidFill>
-              <a:latin typeface="Century Gothic" panose="020B0502020202020204" pitchFamily="34" charset="0"/>
-            </a:endParaRPr>
-          </a:p>
-          <a:p>
-            <a:pPr marL="0" indent="0">
-              <a:spcBef>
-                <a:spcPts val="0"/>
-              </a:spcBef>
-              <a:buFont typeface="Arial" panose="020B0604020202020204" pitchFamily="34" charset="0"/>
-              <a:buNone/>
-            </a:pPr>
-            <a:r>
-              <a:rPr lang="en-US" sz="1000" dirty="0">
-                <a:solidFill>
-                  <a:srgbClr val="3D3D4E"/>
-                </a:solidFill>
-                <a:latin typeface="Century Gothic" panose="020B0502020202020204" pitchFamily="34" charset="0"/>
-              </a:rPr>
-              <a:t>To reduce read traffic, Chubby clients cache </a:t>
-            </a:r>
+              <a:latin typeface="Century Gothic" panose="020B0502020202020204" pitchFamily="34" charset="0"/>
+            </a:endParaRPr>
+          </a:p>
+          <a:p>
+            <a:pPr>
+              <a:spcBef>
+                <a:spcPts val="0"/>
+              </a:spcBef>
+              <a:buFont typeface="Wingdings" panose="05000000000000000000" pitchFamily="2" charset="2"/>
+              <a:buChar char="§"/>
+            </a:pPr>
             <a:r>
               <a:rPr lang="en-US" sz="1000" b="1" dirty="0">
-                <a:solidFill>
-                  <a:srgbClr val="3D3D4E"/>
-                </a:solidFill>
-                <a:latin typeface="Century Gothic" panose="020B0502020202020204" pitchFamily="34" charset="0"/>
-              </a:rPr>
-              <a:t>file contents, node metadata, and information </a:t>
-            </a:r>
-            <a:r>
-              <a:rPr lang="en-US" sz="1000" dirty="0">
-                <a:solidFill>
-                  <a:srgbClr val="3D3D4E"/>
-                </a:solidFill>
-                <a:latin typeface="Century Gothic" panose="020B0502020202020204" pitchFamily="34" charset="0"/>
-              </a:rPr>
-              <a:t>on open handles in a consistent, </a:t>
-            </a:r>
+                <a:latin typeface="Century Gothic" panose="020B0502020202020204" pitchFamily="34" charset="0"/>
+              </a:rPr>
+              <a:t>Responds to master-location requests </a:t>
+            </a:r>
+            <a:r>
+              <a:rPr lang="en-US" sz="1000" dirty="0">
+                <a:latin typeface="Century Gothic" panose="020B0502020202020204" pitchFamily="34" charset="0"/>
+              </a:rPr>
+              <a:t>but does not respond to session-related operations yet.</a:t>
+            </a:r>
+          </a:p>
+          <a:p>
+            <a:pPr marL="0" indent="0">
+              <a:spcBef>
+                <a:spcPts val="0"/>
+              </a:spcBef>
+              <a:buNone/>
+            </a:pPr>
+            <a:endParaRPr lang="en-US" sz="1000" dirty="0">
+              <a:latin typeface="Century Gothic" panose="020B0502020202020204" pitchFamily="34" charset="0"/>
+            </a:endParaRPr>
+          </a:p>
+          <a:p>
+            <a:pPr>
+              <a:spcBef>
+                <a:spcPts val="0"/>
+              </a:spcBef>
+              <a:buFont typeface="Wingdings" panose="05000000000000000000" pitchFamily="2" charset="2"/>
+              <a:buChar char="§"/>
+            </a:pPr>
             <a:r>
               <a:rPr lang="en-US" sz="1000" b="1" dirty="0">
-                <a:solidFill>
-                  <a:srgbClr val="3D3D4E"/>
-                </a:solidFill>
-                <a:latin typeface="Century Gothic" panose="020B0502020202020204" pitchFamily="34" charset="0"/>
-              </a:rPr>
-              <a:t>write-through cache </a:t>
-            </a:r>
-            <a:r>
-              <a:rPr lang="en-US" sz="1000" dirty="0">
-                <a:solidFill>
-                  <a:srgbClr val="3D3D4E"/>
-                </a:solidFill>
-                <a:latin typeface="Century Gothic" panose="020B0502020202020204" pitchFamily="34" charset="0"/>
-              </a:rPr>
-              <a:t>in the client’s memory. </a:t>
-            </a:r>
-          </a:p>
-          <a:p>
-            <a:pPr marL="0" indent="0">
-              <a:spcBef>
-                <a:spcPts val="0"/>
-              </a:spcBef>
-              <a:buFont typeface="Arial" panose="020B0604020202020204" pitchFamily="34" charset="0"/>
-              <a:buNone/>
-            </a:pPr>
-            <a:endParaRPr lang="en-US" sz="1000" dirty="0">
-              <a:solidFill>
-                <a:srgbClr val="3D3D4E"/>
-              </a:solidFill>
-              <a:latin typeface="Century Gothic" panose="020B0502020202020204" pitchFamily="34" charset="0"/>
-            </a:endParaRPr>
-          </a:p>
-          <a:p>
-            <a:pPr marL="0" indent="0">
-              <a:spcBef>
-                <a:spcPts val="0"/>
-              </a:spcBef>
-              <a:buFont typeface="Arial" panose="020B0604020202020204" pitchFamily="34" charset="0"/>
-              <a:buNone/>
-            </a:pPr>
-            <a:r>
-              <a:rPr lang="en-US" sz="1000" dirty="0">
-                <a:solidFill>
-                  <a:srgbClr val="3D3D4E"/>
-                </a:solidFill>
-                <a:latin typeface="Century Gothic" panose="020B0502020202020204" pitchFamily="34" charset="0"/>
-              </a:rPr>
-              <a:t>Because of this caching, Chubby must maintain consistency between a file and a cache as well as between the different replicas of the file. </a:t>
-            </a:r>
-          </a:p>
-          <a:p>
-            <a:pPr marL="0" indent="0">
-              <a:spcBef>
-                <a:spcPts val="0"/>
-              </a:spcBef>
-              <a:buFont typeface="Arial" panose="020B0604020202020204" pitchFamily="34" charset="0"/>
-              <a:buNone/>
-            </a:pPr>
-            <a:endParaRPr lang="en-US" sz="1000" dirty="0">
-              <a:solidFill>
-                <a:srgbClr val="3D3D4E"/>
-              </a:solidFill>
-              <a:latin typeface="Century Gothic" panose="020B0502020202020204" pitchFamily="34" charset="0"/>
-            </a:endParaRPr>
-          </a:p>
-          <a:p>
-            <a:pPr marL="0" indent="0">
-              <a:spcBef>
-                <a:spcPts val="0"/>
-              </a:spcBef>
-              <a:buFont typeface="Arial" panose="020B0604020202020204" pitchFamily="34" charset="0"/>
-              <a:buNone/>
-            </a:pPr>
-            <a:r>
-              <a:rPr lang="en-US" sz="1000" dirty="0">
-                <a:solidFill>
-                  <a:srgbClr val="3D3D4E"/>
-                </a:solidFill>
-                <a:latin typeface="Century Gothic" panose="020B0502020202020204" pitchFamily="34" charset="0"/>
-              </a:rPr>
-              <a:t>So, from above it is clear that cache eviction policy in this system must be some thing like time based.</a:t>
-            </a:r>
-          </a:p>
-          <a:p>
-            <a:pPr marL="0" indent="0">
-              <a:spcBef>
-                <a:spcPts val="0"/>
-              </a:spcBef>
-              <a:buFont typeface="Arial" panose="020B0604020202020204" pitchFamily="34" charset="0"/>
-              <a:buNone/>
-            </a:pPr>
-            <a:endParaRPr lang="en-US" sz="1000" dirty="0">
-              <a:solidFill>
-                <a:srgbClr val="3D3D4E"/>
-              </a:solidFill>
-              <a:latin typeface="Century Gothic" panose="020B0502020202020204" pitchFamily="34" charset="0"/>
-            </a:endParaRPr>
-          </a:p>
-          <a:p>
-            <a:pPr marL="0" indent="0">
-              <a:spcBef>
-                <a:spcPts val="0"/>
-              </a:spcBef>
-              <a:buFont typeface="Arial" panose="020B0604020202020204" pitchFamily="34" charset="0"/>
-              <a:buNone/>
-            </a:pPr>
-            <a:r>
-              <a:rPr lang="en-US" sz="1000" b="1" dirty="0">
-                <a:solidFill>
-                  <a:srgbClr val="3D3D4E"/>
-                </a:solidFill>
-                <a:latin typeface="Century Gothic" panose="020B0502020202020204" pitchFamily="34" charset="0"/>
-              </a:rPr>
-              <a:t>Chubby clients maintain their cache by a lease mechanism and flush the cache when the lease expires.</a:t>
-            </a:r>
-          </a:p>
-          <a:p>
-            <a:pPr marL="0" indent="0">
-              <a:spcBef>
-                <a:spcPts val="0"/>
-              </a:spcBef>
-              <a:buFont typeface="Arial" panose="020B0604020202020204" pitchFamily="34" charset="0"/>
-              <a:buNone/>
-            </a:pPr>
-            <a:endParaRPr lang="en-US" sz="1000" dirty="0">
-              <a:solidFill>
-                <a:srgbClr val="3D3D4E"/>
-              </a:solidFill>
-              <a:latin typeface="Century Gothic" panose="020B0502020202020204" pitchFamily="34" charset="0"/>
-            </a:endParaRPr>
-          </a:p>
-          <a:p>
-            <a:pPr marL="0" indent="0">
-              <a:spcBef>
-                <a:spcPts val="0"/>
-              </a:spcBef>
-              <a:buFont typeface="Arial" panose="020B0604020202020204" pitchFamily="34" charset="0"/>
-              <a:buNone/>
-            </a:pPr>
-            <a:r>
-              <a:rPr lang="en-US" sz="1400" b="1" dirty="0">
-                <a:solidFill>
-                  <a:srgbClr val="3D3D4E"/>
-                </a:solidFill>
-                <a:latin typeface="Century Gothic" panose="020B0502020202020204" pitchFamily="34" charset="0"/>
-              </a:rPr>
-              <a:t>Cache Invalidation</a:t>
-            </a:r>
-          </a:p>
-          <a:p>
-            <a:pPr marL="0" indent="0">
-              <a:spcBef>
-                <a:spcPts val="0"/>
-              </a:spcBef>
-              <a:buFont typeface="Arial" panose="020B0604020202020204" pitchFamily="34" charset="0"/>
-              <a:buNone/>
-            </a:pPr>
-            <a:endParaRPr lang="en-US" sz="1000" dirty="0">
-              <a:solidFill>
-                <a:srgbClr val="3D3D4E"/>
-              </a:solidFill>
-              <a:latin typeface="Century Gothic" panose="020B0502020202020204" pitchFamily="34" charset="0"/>
-            </a:endParaRPr>
-          </a:p>
-          <a:p>
-            <a:pPr marL="0" indent="0">
-              <a:spcBef>
-                <a:spcPts val="0"/>
-              </a:spcBef>
-              <a:buFont typeface="Arial" panose="020B0604020202020204" pitchFamily="34" charset="0"/>
-              <a:buNone/>
-            </a:pPr>
-            <a:r>
-              <a:rPr lang="en-US" sz="1000" dirty="0">
-                <a:solidFill>
-                  <a:srgbClr val="3D3D4E"/>
-                </a:solidFill>
-                <a:latin typeface="Century Gothic" panose="020B0502020202020204" pitchFamily="34" charset="0"/>
-              </a:rPr>
-              <a:t>Below is the protocol for invalidating the cache when file data or metadata is changed:</a:t>
-            </a:r>
-          </a:p>
-          <a:p>
-            <a:pPr marL="0" indent="0">
-              <a:spcBef>
-                <a:spcPts val="0"/>
-              </a:spcBef>
-              <a:buFont typeface="Arial" panose="020B0604020202020204" pitchFamily="34" charset="0"/>
-              <a:buNone/>
-            </a:pPr>
-            <a:endParaRPr lang="en-US" sz="1000" dirty="0">
-              <a:solidFill>
-                <a:srgbClr val="3D3D4E"/>
-              </a:solidFill>
-              <a:latin typeface="Century Gothic" panose="020B0502020202020204" pitchFamily="34" charset="0"/>
-            </a:endParaRPr>
-          </a:p>
-          <a:p>
-            <a:pPr>
+                <a:latin typeface="Century Gothic" panose="020B0502020202020204" pitchFamily="34" charset="0"/>
+              </a:rPr>
+              <a:t>Build in-memory data structures</a:t>
+            </a:r>
+            <a:r>
+              <a:rPr lang="en-US" sz="1000" dirty="0">
+                <a:latin typeface="Century Gothic" panose="020B0502020202020204" pitchFamily="34" charset="0"/>
+              </a:rPr>
+              <a:t>:</a:t>
+            </a:r>
+          </a:p>
+          <a:p>
+            <a:pPr lvl="1">
               <a:spcBef>
                 <a:spcPts val="0"/>
               </a:spcBef>
@@ -8801,30 +7983,13 @@
             </a:pPr>
             <a:r>
               <a:rPr lang="en-US" sz="1000" dirty="0">
-                <a:solidFill>
-                  <a:srgbClr val="3D3D4E"/>
-                </a:solidFill>
-                <a:latin typeface="Century Gothic" panose="020B0502020202020204" pitchFamily="34" charset="0"/>
-              </a:rPr>
-              <a:t>Master receives a request to change file contents or node metadata.</a:t>
-            </a:r>
-          </a:p>
-          <a:p>
-            <a:pPr marL="0" indent="0">
-              <a:spcBef>
-                <a:spcPts val="0"/>
-              </a:spcBef>
-              <a:buNone/>
-            </a:pPr>
-            <a:endParaRPr lang="en-US" sz="1000" dirty="0">
-              <a:solidFill>
-                <a:srgbClr val="3D3D4E"/>
-              </a:solidFill>
-              <a:latin typeface="Century Gothic" panose="020B0502020202020204" pitchFamily="34" charset="0"/>
-            </a:endParaRPr>
-          </a:p>
-          <a:p>
-            <a:pPr>
+                <a:latin typeface="Century Gothic" panose="020B0502020202020204" pitchFamily="34" charset="0"/>
+              </a:rPr>
+              <a:t>It builds in-memory data structures for sessions and locks that are recorded in the database.</a:t>
+            </a:r>
+          </a:p>
+          <a:p>
+            <a:pPr lvl="1">
               <a:spcBef>
                 <a:spcPts val="0"/>
               </a:spcBef>
@@ -8833,13 +7998,21 @@
             </a:pPr>
             <a:r>
               <a:rPr lang="en-US" sz="1000" dirty="0">
-                <a:solidFill>
-                  <a:srgbClr val="3D3D4E"/>
-                </a:solidFill>
-                <a:latin typeface="Century Gothic" panose="020B0502020202020204" pitchFamily="34" charset="0"/>
-              </a:rPr>
-              <a:t>Master blocks modification and sends cache invalidations to all clients who have cached it. For this, the master must maintain a list of each client’s cache contents.</a:t>
-            </a:r>
+                <a:latin typeface="Century Gothic" panose="020B0502020202020204" pitchFamily="34" charset="0"/>
+              </a:rPr>
+              <a:t>Session leases are extended to the maximum that the previous master may have been using.</a:t>
+            </a:r>
+          </a:p>
+          <a:p>
+            <a:pPr marL="0" indent="0">
+              <a:spcBef>
+                <a:spcPts val="0"/>
+              </a:spcBef>
+              <a:buNone/>
+            </a:pPr>
+            <a:endParaRPr lang="en-US" sz="1000" dirty="0">
+              <a:latin typeface="Century Gothic" panose="020B0502020202020204" pitchFamily="34" charset="0"/>
+            </a:endParaRPr>
           </a:p>
           <a:p>
             <a:pPr>
@@ -8847,12 +8020,30 @@
                 <a:spcPts val="0"/>
               </a:spcBef>
               <a:buFont typeface="Wingdings" panose="05000000000000000000" pitchFamily="2" charset="2"/>
-              <a:buChar char="ü"/>
+              <a:buChar char="§"/>
+            </a:pPr>
+            <a:r>
+              <a:rPr lang="en-US" sz="1000" b="1" dirty="0">
+                <a:latin typeface="Century Gothic" panose="020B0502020202020204" pitchFamily="34" charset="0"/>
+              </a:rPr>
+              <a:t>Let clients perform KeepAlives </a:t>
+            </a:r>
+            <a:r>
+              <a:rPr lang="en-US" sz="1000" dirty="0">
+                <a:latin typeface="Century Gothic" panose="020B0502020202020204" pitchFamily="34" charset="0"/>
+              </a:rPr>
+              <a:t>but no other session-related operations at this point.</a:t>
+            </a:r>
+          </a:p>
+          <a:p>
+            <a:pPr>
+              <a:spcBef>
+                <a:spcPts val="0"/>
+              </a:spcBef>
+              <a:buFont typeface="Wingdings" panose="05000000000000000000" pitchFamily="2" charset="2"/>
+              <a:buChar char="§"/>
             </a:pPr>
             <a:endParaRPr lang="en-US" sz="1000" dirty="0">
-              <a:solidFill>
-                <a:srgbClr val="3D3D4E"/>
-              </a:solidFill>
               <a:latin typeface="Century Gothic" panose="020B0502020202020204" pitchFamily="34" charset="0"/>
             </a:endParaRPr>
           </a:p>
@@ -8862,17 +8053,31 @@
                 <a:spcPts val="0"/>
               </a:spcBef>
               <a:buFont typeface="Wingdings" panose="05000000000000000000" pitchFamily="2" charset="2"/>
-              <a:buChar char="ü"/>
-            </a:pPr>
-            <a:r>
-              <a:rPr lang="en-US" sz="1000" dirty="0">
-                <a:solidFill>
-                  <a:srgbClr val="3D3D4E"/>
-                </a:solidFill>
-                <a:latin typeface="Century Gothic" panose="020B0502020202020204" pitchFamily="34" charset="0"/>
-              </a:rPr>
-              <a:t>For efficiency, the invalidation requests are piggybacked onto KeepAlive replies from the master.</a:t>
-            </a:r>
+              <a:buChar char="§"/>
+            </a:pPr>
+            <a:r>
+              <a:rPr lang="en-US" sz="1000" b="1" dirty="0">
+                <a:latin typeface="Century Gothic" panose="020B0502020202020204" pitchFamily="34" charset="0"/>
+              </a:rPr>
+              <a:t>Emits a failover event to each session</a:t>
+            </a:r>
+            <a:r>
+              <a:rPr lang="en-US" sz="1000" dirty="0">
+                <a:latin typeface="Century Gothic" panose="020B0502020202020204" pitchFamily="34" charset="0"/>
+              </a:rPr>
+              <a:t>: This causes clients to flush their caches (because they may have missed invalidations) and warn applications that other events may have been lost.</a:t>
+            </a:r>
+          </a:p>
+          <a:p>
+            <a:pPr marL="0" indent="0">
+              <a:spcBef>
+                <a:spcPts val="0"/>
+              </a:spcBef>
+              <a:buNone/>
+            </a:pPr>
+            <a:endParaRPr lang="en-US" sz="1000" dirty="0">
+              <a:latin typeface="Century Gothic" panose="020B0502020202020204" pitchFamily="34" charset="0"/>
+            </a:endParaRPr>
           </a:p>
           <a:p>
             <a:pPr>
@@ -8880,12 +8085,29 @@
                 <a:spcPts val="0"/>
               </a:spcBef>
               <a:buFont typeface="Wingdings" panose="05000000000000000000" pitchFamily="2" charset="2"/>
-              <a:buChar char="ü"/>
+              <a:buChar char="§"/>
+            </a:pPr>
+            <a:r>
+              <a:rPr lang="en-US" sz="1000" b="1" dirty="0">
+                <a:latin typeface="Century Gothic" panose="020B0502020202020204" pitchFamily="34" charset="0"/>
+              </a:rPr>
+              <a:t>Wait</a:t>
+            </a:r>
+            <a:r>
+              <a:rPr lang="en-US" sz="1000" dirty="0">
+                <a:latin typeface="Century Gothic" panose="020B0502020202020204" pitchFamily="34" charset="0"/>
+              </a:rPr>
+              <a:t>: The master waits until each session acknowledges the failover event or lets its session expire.</a:t>
+            </a:r>
+          </a:p>
+          <a:p>
+            <a:pPr marL="0" indent="0">
+              <a:spcBef>
+                <a:spcPts val="0"/>
+              </a:spcBef>
+              <a:buNone/>
             </a:pPr>
             <a:endParaRPr lang="en-US" sz="1000" dirty="0">
-              <a:solidFill>
-                <a:srgbClr val="3D3D4E"/>
-              </a:solidFill>
               <a:latin typeface="Century Gothic" panose="020B0502020202020204" pitchFamily="34" charset="0"/>
             </a:endParaRPr>
           </a:p>
@@ -8895,17 +8117,31 @@
                 <a:spcPts val="0"/>
               </a:spcBef>
               <a:buFont typeface="Wingdings" panose="05000000000000000000" pitchFamily="2" charset="2"/>
-              <a:buChar char="ü"/>
-            </a:pPr>
-            <a:r>
-              <a:rPr lang="en-US" sz="1000" dirty="0">
-                <a:solidFill>
-                  <a:srgbClr val="3D3D4E"/>
-                </a:solidFill>
-                <a:latin typeface="Century Gothic" panose="020B0502020202020204" pitchFamily="34" charset="0"/>
-              </a:rPr>
-              <a:t>Clients receive the invalidation signal, flushes the cache, and sends an acknowledgment to the master with its next KeepAlive call.</a:t>
-            </a:r>
+              <a:buChar char="§"/>
+            </a:pPr>
+            <a:r>
+              <a:rPr lang="en-US" sz="1000" b="1" dirty="0">
+                <a:latin typeface="Century Gothic" panose="020B0502020202020204" pitchFamily="34" charset="0"/>
+              </a:rPr>
+              <a:t>Allow all operations to proceed</a:t>
+            </a:r>
+            <a:r>
+              <a:rPr lang="en-US" sz="1000" dirty="0">
+                <a:latin typeface="Century Gothic" panose="020B0502020202020204" pitchFamily="34" charset="0"/>
+              </a:rPr>
+              <a:t>.</a:t>
+            </a:r>
+          </a:p>
+          <a:p>
+            <a:pPr marL="0" indent="0">
+              <a:spcBef>
+                <a:spcPts val="0"/>
+              </a:spcBef>
+              <a:buNone/>
+            </a:pPr>
+            <a:endParaRPr lang="en-US" sz="1000" dirty="0">
+              <a:latin typeface="Century Gothic" panose="020B0502020202020204" pitchFamily="34" charset="0"/>
+            </a:endParaRPr>
           </a:p>
           <a:p>
             <a:pPr>
@@ -8913,12 +8149,29 @@
                 <a:spcPts val="0"/>
               </a:spcBef>
               <a:buFont typeface="Wingdings" panose="05000000000000000000" pitchFamily="2" charset="2"/>
-              <a:buChar char="ü"/>
+              <a:buChar char="§"/>
+            </a:pPr>
+            <a:r>
+              <a:rPr lang="en-US" sz="1000" b="1" dirty="0">
+                <a:latin typeface="Century Gothic" panose="020B0502020202020204" pitchFamily="34" charset="0"/>
+              </a:rPr>
+              <a:t>Honor older handles by clients</a:t>
+            </a:r>
+            <a:r>
+              <a:rPr lang="en-US" sz="1000" dirty="0">
+                <a:latin typeface="Century Gothic" panose="020B0502020202020204" pitchFamily="34" charset="0"/>
+              </a:rPr>
+              <a:t>: If a client uses a handle created prior to the failover, the master recreates the in-memory representation of the handle and honors the call.</a:t>
+            </a:r>
+          </a:p>
+          <a:p>
+            <a:pPr marL="0" indent="0">
+              <a:spcBef>
+                <a:spcPts val="0"/>
+              </a:spcBef>
+              <a:buNone/>
             </a:pPr>
             <a:endParaRPr lang="en-US" sz="1000" dirty="0">
-              <a:solidFill>
-                <a:srgbClr val="3D3D4E"/>
-              </a:solidFill>
               <a:latin typeface="Century Gothic" panose="020B0502020202020204" pitchFamily="34" charset="0"/>
             </a:endParaRPr>
           </a:p>
@@ -8928,95 +8181,20 @@
                 <a:spcPts val="0"/>
               </a:spcBef>
               <a:buFont typeface="Wingdings" panose="05000000000000000000" pitchFamily="2" charset="2"/>
-              <a:buChar char="ü"/>
-            </a:pPr>
-            <a:r>
-              <a:rPr lang="en-US" sz="1000" dirty="0">
-                <a:solidFill>
-                  <a:srgbClr val="3D3D4E"/>
-                </a:solidFill>
-                <a:latin typeface="Century Gothic" panose="020B0502020202020204" pitchFamily="34" charset="0"/>
-              </a:rPr>
-              <a:t>Once acknowledgments are received from each active client, the master proceeds with the modification. The master updates its local database and sends an update request to the replicas.</a:t>
-            </a:r>
-          </a:p>
-          <a:p>
-            <a:pPr>
-              <a:spcBef>
-                <a:spcPts val="0"/>
-              </a:spcBef>
-              <a:buFont typeface="Wingdings" panose="05000000000000000000" pitchFamily="2" charset="2"/>
-              <a:buChar char="ü"/>
-            </a:pPr>
-            <a:endParaRPr lang="en-US" sz="1000" dirty="0">
-              <a:solidFill>
-                <a:srgbClr val="3D3D4E"/>
-              </a:solidFill>
-              <a:latin typeface="Century Gothic" panose="020B0502020202020204" pitchFamily="34" charset="0"/>
-            </a:endParaRPr>
-          </a:p>
-          <a:p>
-            <a:pPr>
-              <a:spcBef>
-                <a:spcPts val="0"/>
-              </a:spcBef>
-              <a:buFont typeface="Wingdings" panose="05000000000000000000" pitchFamily="2" charset="2"/>
-              <a:buChar char="ü"/>
-            </a:pPr>
-            <a:r>
-              <a:rPr lang="en-US" sz="1000" dirty="0">
-                <a:solidFill>
-                  <a:srgbClr val="3D3D4E"/>
-                </a:solidFill>
-                <a:latin typeface="Century Gothic" panose="020B0502020202020204" pitchFamily="34" charset="0"/>
-              </a:rPr>
-              <a:t>After receiving acknowledgments from most replicas in the cell, the master sends an acknowledgment to the client who initiated the write.</a:t>
-            </a:r>
-          </a:p>
-          <a:p>
-            <a:pPr marL="0" indent="0">
-              <a:spcBef>
-                <a:spcPts val="0"/>
-              </a:spcBef>
-              <a:buFont typeface="Arial" panose="020B0604020202020204" pitchFamily="34" charset="0"/>
-              <a:buNone/>
-            </a:pPr>
-            <a:endParaRPr lang="en-US" sz="1000" dirty="0">
-              <a:solidFill>
-                <a:srgbClr val="3D3D4E"/>
-              </a:solidFill>
-              <a:latin typeface="Century Gothic" panose="020B0502020202020204" pitchFamily="34" charset="0"/>
-            </a:endParaRPr>
-          </a:p>
-          <a:p>
-            <a:pPr marL="0" indent="0">
-              <a:spcBef>
-                <a:spcPts val="0"/>
-              </a:spcBef>
-              <a:buFont typeface="Arial" panose="020B0604020202020204" pitchFamily="34" charset="0"/>
-              <a:buNone/>
-            </a:pPr>
-            <a:endParaRPr lang="en-US" sz="1000" dirty="0">
-              <a:solidFill>
-                <a:srgbClr val="3D3D4E"/>
-              </a:solidFill>
-              <a:latin typeface="Century Gothic" panose="020B0502020202020204" pitchFamily="34" charset="0"/>
-            </a:endParaRPr>
-          </a:p>
-          <a:p>
-            <a:pPr marL="0" indent="0">
-              <a:spcBef>
-                <a:spcPts val="0"/>
-              </a:spcBef>
-              <a:buFont typeface="Arial" panose="020B0604020202020204" pitchFamily="34" charset="0"/>
-              <a:buNone/>
-            </a:pPr>
-            <a:endParaRPr lang="en-US" sz="1100" b="1" dirty="0">
-              <a:solidFill>
-                <a:srgbClr val="3D3D4E"/>
-              </a:solidFill>
-              <a:latin typeface="Century Gothic" panose="020B0502020202020204" pitchFamily="34" charset="0"/>
-            </a:endParaRPr>
+              <a:buChar char="§"/>
+            </a:pPr>
+            <a:r>
+              <a:rPr lang="en-US" sz="1000" b="1" dirty="0">
+                <a:latin typeface="Century Gothic" panose="020B0502020202020204" pitchFamily="34" charset="0"/>
+              </a:rPr>
+              <a:t>Deletes ephemeral files</a:t>
+            </a:r>
+            <a:r>
+              <a:rPr lang="en-US" sz="1000" dirty="0">
+                <a:latin typeface="Century Gothic" panose="020B0502020202020204" pitchFamily="34" charset="0"/>
+              </a:rPr>
+              <a:t>: After some interval (a minute), the master deletes ephemeral files that have no open file handles. Clients should refresh handles on ephemeral files during this interval after a failover.</a:t>
+            </a:r>
           </a:p>
           <a:p>
             <a:pPr marL="0" indent="0">
@@ -9158,40 +8336,690 @@
           </a:p>
         </p:txBody>
       </p:sp>
-      <p:pic>
-        <p:nvPicPr>
-          <p:cNvPr id="5" name="Picture 4">
+      <p:sp>
+        <p:nvSpPr>
+          <p:cNvPr id="7" name="Content Placeholder 7">
             <a:extLst>
               <a:ext uri="{FF2B5EF4-FFF2-40B4-BE49-F238E27FC236}">
-                <a16:creationId xmlns:a16="http://schemas.microsoft.com/office/drawing/2014/main" id="{BEFC016E-C4BF-46F9-998D-194866AE5934}"/>
+                <a16:creationId xmlns:a16="http://schemas.microsoft.com/office/drawing/2014/main" id="{FBC819CF-007B-4B3C-8D30-EEEA90B97B20}"/>
               </a:ext>
             </a:extLst>
           </p:cNvPr>
-          <p:cNvPicPr>
-            <a:picLocks noChangeAspect="1"/>
-          </p:cNvPicPr>
+          <p:cNvSpPr txBox="1">
+            <a:spLocks/>
+          </p:cNvSpPr>
           <p:nvPr/>
-        </p:nvPicPr>
-        <p:blipFill>
-          <a:blip r:embed="rId2"/>
-          <a:stretch>
-            <a:fillRect/>
-          </a:stretch>
-        </p:blipFill>
+        </p:nvSpPr>
         <p:spPr>
           <a:xfrm>
-            <a:off x="6941228" y="1720865"/>
-            <a:ext cx="5057600" cy="3806795"/>
+            <a:off x="6766168" y="756125"/>
+            <a:ext cx="5097996" cy="5781675"/>
           </a:xfrm>
           <a:prstGeom prst="rect">
             <a:avLst/>
           </a:prstGeom>
         </p:spPr>
-      </p:pic>
+        <p:txBody>
+          <a:bodyPr vert="horz" lIns="91440" tIns="45720" rIns="91440" bIns="45720" rtlCol="0">
+            <a:normAutofit/>
+          </a:bodyPr>
+          <a:lstStyle>
+            <a:lvl1pPr marL="228600" indent="-228600" algn="l" defTabSz="914400" rtl="0" eaLnBrk="1" latinLnBrk="0" hangingPunct="1">
+              <a:lnSpc>
+                <a:spcPct val="90000"/>
+              </a:lnSpc>
+              <a:spcBef>
+                <a:spcPts val="1000"/>
+              </a:spcBef>
+              <a:buFont typeface="Arial" panose="020B0604020202020204" pitchFamily="34" charset="0"/>
+              <a:buChar char="•"/>
+              <a:defRPr sz="2800" kern="1200">
+                <a:solidFill>
+                  <a:schemeClr val="tx1"/>
+                </a:solidFill>
+                <a:latin typeface="+mn-lt"/>
+                <a:ea typeface="+mn-ea"/>
+                <a:cs typeface="+mn-cs"/>
+              </a:defRPr>
+            </a:lvl1pPr>
+            <a:lvl2pPr marL="685800" indent="-228600" algn="l" defTabSz="914400" rtl="0" eaLnBrk="1" latinLnBrk="0" hangingPunct="1">
+              <a:lnSpc>
+                <a:spcPct val="90000"/>
+              </a:lnSpc>
+              <a:spcBef>
+                <a:spcPts val="500"/>
+              </a:spcBef>
+              <a:buFont typeface="Arial" panose="020B0604020202020204" pitchFamily="34" charset="0"/>
+              <a:buChar char="•"/>
+              <a:defRPr sz="2400" kern="1200">
+                <a:solidFill>
+                  <a:schemeClr val="tx1"/>
+                </a:solidFill>
+                <a:latin typeface="+mn-lt"/>
+                <a:ea typeface="+mn-ea"/>
+                <a:cs typeface="+mn-cs"/>
+              </a:defRPr>
+            </a:lvl2pPr>
+            <a:lvl3pPr marL="1143000" indent="-228600" algn="l" defTabSz="914400" rtl="0" eaLnBrk="1" latinLnBrk="0" hangingPunct="1">
+              <a:lnSpc>
+                <a:spcPct val="90000"/>
+              </a:lnSpc>
+              <a:spcBef>
+                <a:spcPts val="500"/>
+              </a:spcBef>
+              <a:buFont typeface="Arial" panose="020B0604020202020204" pitchFamily="34" charset="0"/>
+              <a:buChar char="•"/>
+              <a:defRPr sz="2000" kern="1200">
+                <a:solidFill>
+                  <a:schemeClr val="tx1"/>
+                </a:solidFill>
+                <a:latin typeface="+mn-lt"/>
+                <a:ea typeface="+mn-ea"/>
+                <a:cs typeface="+mn-cs"/>
+              </a:defRPr>
+            </a:lvl3pPr>
+            <a:lvl4pPr marL="1600200" indent="-228600" algn="l" defTabSz="914400" rtl="0" eaLnBrk="1" latinLnBrk="0" hangingPunct="1">
+              <a:lnSpc>
+                <a:spcPct val="90000"/>
+              </a:lnSpc>
+              <a:spcBef>
+                <a:spcPts val="500"/>
+              </a:spcBef>
+              <a:buFont typeface="Arial" panose="020B0604020202020204" pitchFamily="34" charset="0"/>
+              <a:buChar char="•"/>
+              <a:defRPr sz="1800" kern="1200">
+                <a:solidFill>
+                  <a:schemeClr val="tx1"/>
+                </a:solidFill>
+                <a:latin typeface="+mn-lt"/>
+                <a:ea typeface="+mn-ea"/>
+                <a:cs typeface="+mn-cs"/>
+              </a:defRPr>
+            </a:lvl4pPr>
+            <a:lvl5pPr marL="2057400" indent="-228600" algn="l" defTabSz="914400" rtl="0" eaLnBrk="1" latinLnBrk="0" hangingPunct="1">
+              <a:lnSpc>
+                <a:spcPct val="90000"/>
+              </a:lnSpc>
+              <a:spcBef>
+                <a:spcPts val="500"/>
+              </a:spcBef>
+              <a:buFont typeface="Arial" panose="020B0604020202020204" pitchFamily="34" charset="0"/>
+              <a:buChar char="•"/>
+              <a:defRPr sz="1800" kern="1200">
+                <a:solidFill>
+                  <a:schemeClr val="tx1"/>
+                </a:solidFill>
+                <a:latin typeface="+mn-lt"/>
+                <a:ea typeface="+mn-ea"/>
+                <a:cs typeface="+mn-cs"/>
+              </a:defRPr>
+            </a:lvl5pPr>
+            <a:lvl6pPr marL="2514600" indent="-228600" algn="l" defTabSz="914400" rtl="0" eaLnBrk="1" latinLnBrk="0" hangingPunct="1">
+              <a:lnSpc>
+                <a:spcPct val="90000"/>
+              </a:lnSpc>
+              <a:spcBef>
+                <a:spcPts val="500"/>
+              </a:spcBef>
+              <a:buFont typeface="Arial" panose="020B0604020202020204" pitchFamily="34" charset="0"/>
+              <a:buChar char="•"/>
+              <a:defRPr sz="1800" kern="1200">
+                <a:solidFill>
+                  <a:schemeClr val="tx1"/>
+                </a:solidFill>
+                <a:latin typeface="+mn-lt"/>
+                <a:ea typeface="+mn-ea"/>
+                <a:cs typeface="+mn-cs"/>
+              </a:defRPr>
+            </a:lvl6pPr>
+            <a:lvl7pPr marL="2971800" indent="-228600" algn="l" defTabSz="914400" rtl="0" eaLnBrk="1" latinLnBrk="0" hangingPunct="1">
+              <a:lnSpc>
+                <a:spcPct val="90000"/>
+              </a:lnSpc>
+              <a:spcBef>
+                <a:spcPts val="500"/>
+              </a:spcBef>
+              <a:buFont typeface="Arial" panose="020B0604020202020204" pitchFamily="34" charset="0"/>
+              <a:buChar char="•"/>
+              <a:defRPr sz="1800" kern="1200">
+                <a:solidFill>
+                  <a:schemeClr val="tx1"/>
+                </a:solidFill>
+                <a:latin typeface="+mn-lt"/>
+                <a:ea typeface="+mn-ea"/>
+                <a:cs typeface="+mn-cs"/>
+              </a:defRPr>
+            </a:lvl7pPr>
+            <a:lvl8pPr marL="3429000" indent="-228600" algn="l" defTabSz="914400" rtl="0" eaLnBrk="1" latinLnBrk="0" hangingPunct="1">
+              <a:lnSpc>
+                <a:spcPct val="90000"/>
+              </a:lnSpc>
+              <a:spcBef>
+                <a:spcPts val="500"/>
+              </a:spcBef>
+              <a:buFont typeface="Arial" panose="020B0604020202020204" pitchFamily="34" charset="0"/>
+              <a:buChar char="•"/>
+              <a:defRPr sz="1800" kern="1200">
+                <a:solidFill>
+                  <a:schemeClr val="tx1"/>
+                </a:solidFill>
+                <a:latin typeface="+mn-lt"/>
+                <a:ea typeface="+mn-ea"/>
+                <a:cs typeface="+mn-cs"/>
+              </a:defRPr>
+            </a:lvl8pPr>
+            <a:lvl9pPr marL="3886200" indent="-228600" algn="l" defTabSz="914400" rtl="0" eaLnBrk="1" latinLnBrk="0" hangingPunct="1">
+              <a:lnSpc>
+                <a:spcPct val="90000"/>
+              </a:lnSpc>
+              <a:spcBef>
+                <a:spcPts val="500"/>
+              </a:spcBef>
+              <a:buFont typeface="Arial" panose="020B0604020202020204" pitchFamily="34" charset="0"/>
+              <a:buChar char="•"/>
+              <a:defRPr sz="1800" kern="1200">
+                <a:solidFill>
+                  <a:schemeClr val="tx1"/>
+                </a:solidFill>
+                <a:latin typeface="+mn-lt"/>
+                <a:ea typeface="+mn-ea"/>
+                <a:cs typeface="+mn-cs"/>
+              </a:defRPr>
+            </a:lvl9pPr>
+          </a:lstStyle>
+          <a:p>
+            <a:pPr marL="0" indent="0">
+              <a:buFont typeface="Arial" panose="020B0604020202020204" pitchFamily="34" charset="0"/>
+              <a:buNone/>
+            </a:pPr>
+            <a:endParaRPr lang="en-US" sz="1000" b="1" dirty="0">
+              <a:solidFill>
+                <a:srgbClr val="3D3D4E"/>
+              </a:solidFill>
+              <a:latin typeface="Century Gothic" panose="020B0502020202020204" pitchFamily="34" charset="0"/>
+            </a:endParaRPr>
+          </a:p>
+          <a:p>
+            <a:pPr marL="0" indent="0">
+              <a:spcBef>
+                <a:spcPts val="0"/>
+              </a:spcBef>
+              <a:buFont typeface="Arial" panose="020B0604020202020204" pitchFamily="34" charset="0"/>
+              <a:buNone/>
+            </a:pPr>
+            <a:r>
+              <a:rPr lang="en-US" sz="1400" b="1" dirty="0">
+                <a:latin typeface="Century Gothic" panose="020B0502020202020204" pitchFamily="34" charset="0"/>
+              </a:rPr>
+              <a:t>Chubby Event?</a:t>
+            </a:r>
+          </a:p>
+          <a:p>
+            <a:pPr marL="0" indent="0">
+              <a:spcBef>
+                <a:spcPts val="0"/>
+              </a:spcBef>
+              <a:buFont typeface="Arial" panose="020B0604020202020204" pitchFamily="34" charset="0"/>
+              <a:buNone/>
+            </a:pPr>
+            <a:endParaRPr lang="en-US" sz="1100" b="1" dirty="0">
+              <a:solidFill>
+                <a:srgbClr val="3D3D4E"/>
+              </a:solidFill>
+              <a:latin typeface="Century Gothic" panose="020B0502020202020204" pitchFamily="34" charset="0"/>
+            </a:endParaRPr>
+          </a:p>
+          <a:p>
+            <a:pPr marL="0" indent="0">
+              <a:spcBef>
+                <a:spcPts val="0"/>
+              </a:spcBef>
+              <a:buNone/>
+            </a:pPr>
+            <a:r>
+              <a:rPr lang="en-US" sz="1000" dirty="0">
+                <a:latin typeface="Century Gothic" panose="020B0502020202020204" pitchFamily="34" charset="0"/>
+              </a:rPr>
+              <a:t>Chubby supports simple events.</a:t>
+            </a:r>
+          </a:p>
+          <a:p>
+            <a:pPr marL="0" indent="0">
+              <a:spcBef>
+                <a:spcPts val="0"/>
+              </a:spcBef>
+              <a:buNone/>
+            </a:pPr>
+            <a:endParaRPr lang="en-US" sz="1000" dirty="0">
+              <a:latin typeface="Century Gothic" panose="020B0502020202020204" pitchFamily="34" charset="0"/>
+            </a:endParaRPr>
+          </a:p>
+          <a:p>
+            <a:pPr marL="0" indent="0">
+              <a:spcBef>
+                <a:spcPts val="0"/>
+              </a:spcBef>
+              <a:buNone/>
+            </a:pPr>
+            <a:r>
+              <a:rPr lang="en-US" sz="1000" dirty="0">
+                <a:latin typeface="Century Gothic" panose="020B0502020202020204" pitchFamily="34" charset="0"/>
+              </a:rPr>
+              <a:t>Events are delivered to the client asynchronously via callback from the chubby library .</a:t>
+            </a:r>
+          </a:p>
+          <a:p>
+            <a:pPr marL="0" indent="0">
+              <a:spcBef>
+                <a:spcPts val="0"/>
+              </a:spcBef>
+              <a:buNone/>
+            </a:pPr>
+            <a:endParaRPr lang="en-US" sz="1000" dirty="0">
+              <a:latin typeface="Century Gothic" panose="020B0502020202020204" pitchFamily="34" charset="0"/>
+            </a:endParaRPr>
+          </a:p>
+          <a:p>
+            <a:pPr marL="0" indent="0">
+              <a:spcBef>
+                <a:spcPts val="0"/>
+              </a:spcBef>
+              <a:buNone/>
+            </a:pPr>
+            <a:r>
+              <a:rPr lang="en-US" sz="1000" dirty="0">
+                <a:latin typeface="Century Gothic" panose="020B0502020202020204" pitchFamily="34" charset="0"/>
+              </a:rPr>
+              <a:t>Clients need to subscribe the </a:t>
+            </a:r>
+            <a:r>
+              <a:rPr lang="en-US" sz="1000" b="1" dirty="0">
+                <a:latin typeface="Century Gothic" panose="020B0502020202020204" pitchFamily="34" charset="0"/>
+              </a:rPr>
+              <a:t>event/range of events</a:t>
+            </a:r>
+            <a:r>
+              <a:rPr lang="en-US" sz="1000" dirty="0">
+                <a:latin typeface="Century Gothic" panose="020B0502020202020204" pitchFamily="34" charset="0"/>
+              </a:rPr>
+              <a:t> while creating handle</a:t>
+            </a:r>
+          </a:p>
+          <a:p>
+            <a:pPr marL="0" indent="0">
+              <a:spcBef>
+                <a:spcPts val="0"/>
+              </a:spcBef>
+              <a:buNone/>
+            </a:pPr>
+            <a:endParaRPr lang="en-US" sz="1000" dirty="0">
+              <a:latin typeface="Century Gothic" panose="020B0502020202020204" pitchFamily="34" charset="0"/>
+            </a:endParaRPr>
+          </a:p>
+          <a:p>
+            <a:pPr marL="0" indent="0">
+              <a:spcBef>
+                <a:spcPts val="0"/>
+              </a:spcBef>
+              <a:buNone/>
+            </a:pPr>
+            <a:r>
+              <a:rPr lang="en-US" sz="1000" dirty="0">
+                <a:latin typeface="Century Gothic" panose="020B0502020202020204" pitchFamily="34" charset="0"/>
+              </a:rPr>
+              <a:t>Few example for such events are mentioned below</a:t>
+            </a:r>
+          </a:p>
+          <a:p>
+            <a:pPr marL="0" indent="0">
+              <a:spcBef>
+                <a:spcPts val="0"/>
+              </a:spcBef>
+              <a:buNone/>
+            </a:pPr>
+            <a:endParaRPr lang="en-US" sz="1000" dirty="0">
+              <a:latin typeface="Century Gothic" panose="020B0502020202020204" pitchFamily="34" charset="0"/>
+            </a:endParaRPr>
+          </a:p>
+          <a:p>
+            <a:pPr>
+              <a:spcBef>
+                <a:spcPts val="0"/>
+              </a:spcBef>
+              <a:buFont typeface="Wingdings" panose="05000000000000000000" pitchFamily="2" charset="2"/>
+              <a:buChar char="ü"/>
+            </a:pPr>
+            <a:r>
+              <a:rPr lang="en-US" sz="1000" dirty="0">
+                <a:latin typeface="Century Gothic" panose="020B0502020202020204" pitchFamily="34" charset="0"/>
+              </a:rPr>
+              <a:t>File contents modified</a:t>
+            </a:r>
+          </a:p>
+          <a:p>
+            <a:pPr>
+              <a:spcBef>
+                <a:spcPts val="0"/>
+              </a:spcBef>
+              <a:buFont typeface="Wingdings" panose="05000000000000000000" pitchFamily="2" charset="2"/>
+              <a:buChar char="ü"/>
+            </a:pPr>
+            <a:r>
+              <a:rPr lang="en-US" sz="1000" dirty="0">
+                <a:latin typeface="Century Gothic" panose="020B0502020202020204" pitchFamily="34" charset="0"/>
+              </a:rPr>
+              <a:t>Child node added, removed and modified</a:t>
+            </a:r>
+          </a:p>
+          <a:p>
+            <a:pPr>
+              <a:spcBef>
+                <a:spcPts val="0"/>
+              </a:spcBef>
+              <a:buFont typeface="Wingdings" panose="05000000000000000000" pitchFamily="2" charset="2"/>
+              <a:buChar char="ü"/>
+            </a:pPr>
+            <a:r>
+              <a:rPr lang="en-US" sz="1000" dirty="0">
+                <a:latin typeface="Century Gothic" panose="020B0502020202020204" pitchFamily="34" charset="0"/>
+              </a:rPr>
+              <a:t>Chubby master failed over</a:t>
+            </a:r>
+          </a:p>
+          <a:p>
+            <a:pPr>
+              <a:spcBef>
+                <a:spcPts val="0"/>
+              </a:spcBef>
+              <a:buFont typeface="Wingdings" panose="05000000000000000000" pitchFamily="2" charset="2"/>
+              <a:buChar char="ü"/>
+            </a:pPr>
+            <a:r>
+              <a:rPr lang="en-US" sz="1000" dirty="0">
+                <a:latin typeface="Century Gothic" panose="020B0502020202020204" pitchFamily="34" charset="0"/>
+              </a:rPr>
+              <a:t>When handle becomes invalid?</a:t>
+            </a:r>
+          </a:p>
+          <a:p>
+            <a:pPr>
+              <a:spcBef>
+                <a:spcPts val="0"/>
+              </a:spcBef>
+              <a:buFont typeface="Wingdings" panose="05000000000000000000" pitchFamily="2" charset="2"/>
+              <a:buChar char="ü"/>
+            </a:pPr>
+            <a:r>
+              <a:rPr lang="en-US" sz="1000" dirty="0">
+                <a:latin typeface="Century Gothic" panose="020B0502020202020204" pitchFamily="34" charset="0"/>
+              </a:rPr>
+              <a:t>Lock Acquired?</a:t>
+            </a:r>
+          </a:p>
+          <a:p>
+            <a:pPr>
+              <a:spcBef>
+                <a:spcPts val="0"/>
+              </a:spcBef>
+              <a:buFont typeface="Wingdings" panose="05000000000000000000" pitchFamily="2" charset="2"/>
+              <a:buChar char="ü"/>
+            </a:pPr>
+            <a:r>
+              <a:rPr lang="en-US" sz="1000" dirty="0">
+                <a:latin typeface="Century Gothic" panose="020B0502020202020204" pitchFamily="34" charset="0"/>
+              </a:rPr>
+              <a:t>Any Conflict of lock situation with another client</a:t>
+            </a:r>
+          </a:p>
+          <a:p>
+            <a:pPr marL="0" indent="0">
+              <a:spcBef>
+                <a:spcPts val="0"/>
+              </a:spcBef>
+              <a:buNone/>
+            </a:pPr>
+            <a:endParaRPr lang="en-US" sz="1000" dirty="0">
+              <a:latin typeface="Century Gothic" panose="020B0502020202020204" pitchFamily="34" charset="0"/>
+            </a:endParaRPr>
+          </a:p>
+          <a:p>
+            <a:pPr marL="0" indent="0">
+              <a:spcBef>
+                <a:spcPts val="0"/>
+              </a:spcBef>
+              <a:buNone/>
+            </a:pPr>
+            <a:r>
+              <a:rPr lang="en-US" sz="1000" dirty="0">
+                <a:latin typeface="Century Gothic" panose="020B0502020202020204" pitchFamily="34" charset="0"/>
+              </a:rPr>
+              <a:t>And so on…</a:t>
+            </a:r>
+          </a:p>
+          <a:p>
+            <a:pPr marL="0" indent="0">
+              <a:spcBef>
+                <a:spcPts val="0"/>
+              </a:spcBef>
+              <a:buNone/>
+            </a:pPr>
+            <a:endParaRPr lang="en-US" sz="1000" dirty="0">
+              <a:latin typeface="Century Gothic" panose="020B0502020202020204" pitchFamily="34" charset="0"/>
+            </a:endParaRPr>
+          </a:p>
+          <a:p>
+            <a:pPr marL="0" indent="0">
+              <a:spcBef>
+                <a:spcPts val="0"/>
+              </a:spcBef>
+              <a:buNone/>
+            </a:pPr>
+            <a:r>
+              <a:rPr lang="en-US" sz="1000" dirty="0">
+                <a:latin typeface="Century Gothic" panose="020B0502020202020204" pitchFamily="34" charset="0"/>
+              </a:rPr>
+              <a:t>Additionally , Chubby also sharing standard Session Events mentioned below</a:t>
+            </a:r>
+          </a:p>
+          <a:p>
+            <a:pPr marL="0" indent="0">
+              <a:spcBef>
+                <a:spcPts val="0"/>
+              </a:spcBef>
+              <a:buNone/>
+            </a:pPr>
+            <a:endParaRPr lang="en-US" sz="1000" dirty="0">
+              <a:latin typeface="Century Gothic" panose="020B0502020202020204" pitchFamily="34" charset="0"/>
+            </a:endParaRPr>
+          </a:p>
+          <a:p>
+            <a:pPr marL="0" indent="0">
+              <a:spcBef>
+                <a:spcPts val="0"/>
+              </a:spcBef>
+              <a:buNone/>
+            </a:pPr>
+            <a:r>
+              <a:rPr lang="en-US" sz="1000" b="1" dirty="0">
+                <a:latin typeface="Century Gothic" panose="020B0502020202020204" pitchFamily="34" charset="0"/>
+              </a:rPr>
+              <a:t>Expired : </a:t>
+            </a:r>
+            <a:r>
+              <a:rPr lang="en-US" sz="1000" dirty="0">
+                <a:latin typeface="Century Gothic" panose="020B0502020202020204" pitchFamily="34" charset="0"/>
+              </a:rPr>
+              <a:t>If the session timeout</a:t>
+            </a:r>
+          </a:p>
+          <a:p>
+            <a:pPr marL="0" indent="0">
+              <a:spcBef>
+                <a:spcPts val="0"/>
+              </a:spcBef>
+              <a:buNone/>
+            </a:pPr>
+            <a:r>
+              <a:rPr lang="en-US" sz="1000" b="1" dirty="0">
+                <a:latin typeface="Century Gothic" panose="020B0502020202020204" pitchFamily="34" charset="0"/>
+              </a:rPr>
+              <a:t>Safe: </a:t>
+            </a:r>
+            <a:r>
+              <a:rPr lang="en-US" sz="1000" dirty="0">
+                <a:latin typeface="Century Gothic" panose="020B0502020202020204" pitchFamily="34" charset="0"/>
+              </a:rPr>
+              <a:t>When your session survived some communication issues</a:t>
+            </a:r>
+          </a:p>
+          <a:p>
+            <a:pPr marL="0" indent="0">
+              <a:spcBef>
+                <a:spcPts val="0"/>
+              </a:spcBef>
+              <a:buNone/>
+            </a:pPr>
+            <a:r>
+              <a:rPr lang="en-US" sz="1000" b="1" dirty="0">
+                <a:latin typeface="Century Gothic" panose="020B0502020202020204" pitchFamily="34" charset="0"/>
+              </a:rPr>
+              <a:t>Jeopardy: </a:t>
+            </a:r>
+            <a:r>
+              <a:rPr lang="en-US" sz="1000" dirty="0">
+                <a:latin typeface="Century Gothic" panose="020B0502020202020204" pitchFamily="34" charset="0"/>
+              </a:rPr>
+              <a:t>When session lease time out and grace period begins</a:t>
+            </a:r>
+            <a:endParaRPr lang="en-US" sz="1000" b="1" dirty="0">
+              <a:latin typeface="Century Gothic" panose="020B0502020202020204" pitchFamily="34" charset="0"/>
+            </a:endParaRPr>
+          </a:p>
+          <a:p>
+            <a:pPr marL="0" indent="0">
+              <a:spcBef>
+                <a:spcPts val="0"/>
+              </a:spcBef>
+              <a:buNone/>
+            </a:pPr>
+            <a:endParaRPr lang="en-US" sz="1000" dirty="0">
+              <a:latin typeface="Century Gothic" panose="020B0502020202020204" pitchFamily="34" charset="0"/>
+            </a:endParaRPr>
+          </a:p>
+        </p:txBody>
+      </p:sp>
+      <p:sp>
+        <p:nvSpPr>
+          <p:cNvPr id="2" name="Rectangle 1">
+            <a:extLst>
+              <a:ext uri="{FF2B5EF4-FFF2-40B4-BE49-F238E27FC236}">
+                <a16:creationId xmlns:a16="http://schemas.microsoft.com/office/drawing/2014/main" id="{52E9624A-EB92-4964-948D-EB057A563EFD}"/>
+              </a:ext>
+            </a:extLst>
+          </p:cNvPr>
+          <p:cNvSpPr/>
+          <p:nvPr/>
+        </p:nvSpPr>
+        <p:spPr>
+          <a:xfrm>
+            <a:off x="6766168" y="863126"/>
+            <a:ext cx="5140082" cy="4401084"/>
+          </a:xfrm>
+          <a:prstGeom prst="rect">
+            <a:avLst/>
+          </a:prstGeom>
+          <a:noFill/>
+          <a:ln w="9525" cap="flat" cmpd="sng" algn="ctr">
+            <a:solidFill>
+              <a:schemeClr val="accent3"/>
+            </a:solidFill>
+            <a:prstDash val="solid"/>
+            <a:round/>
+            <a:headEnd type="none" w="med" len="med"/>
+            <a:tailEnd type="none" w="med" len="med"/>
+          </a:ln>
+        </p:spPr>
+        <p:style>
+          <a:lnRef idx="0">
+            <a:scrgbClr r="0" g="0" b="0"/>
+          </a:lnRef>
+          <a:fillRef idx="0">
+            <a:scrgbClr r="0" g="0" b="0"/>
+          </a:fillRef>
+          <a:effectRef idx="0">
+            <a:scrgbClr r="0" g="0" b="0"/>
+          </a:effectRef>
+          <a:fontRef idx="minor">
+            <a:schemeClr val="accent3"/>
+          </a:fontRef>
+        </p:style>
+        <p:txBody>
+          <a:bodyPr rtlCol="0" anchor="ctr"/>
+          <a:lstStyle/>
+          <a:p>
+            <a:pPr algn="ctr"/>
+            <a:endParaRPr lang="en-IN" dirty="0"/>
+          </a:p>
+        </p:txBody>
+      </p:sp>
+      <p:sp>
+        <p:nvSpPr>
+          <p:cNvPr id="3" name="Rectangle 2">
+            <a:extLst>
+              <a:ext uri="{FF2B5EF4-FFF2-40B4-BE49-F238E27FC236}">
+                <a16:creationId xmlns:a16="http://schemas.microsoft.com/office/drawing/2014/main" id="{34196673-A47D-44E6-B24A-4C235D531F15}"/>
+              </a:ext>
+            </a:extLst>
+          </p:cNvPr>
+          <p:cNvSpPr/>
+          <p:nvPr/>
+        </p:nvSpPr>
+        <p:spPr>
+          <a:xfrm>
+            <a:off x="327837" y="863125"/>
+            <a:ext cx="6243845" cy="4401084"/>
+          </a:xfrm>
+          <a:prstGeom prst="rect">
+            <a:avLst/>
+          </a:prstGeom>
+          <a:noFill/>
+          <a:ln w="9525" cap="flat" cmpd="sng" algn="ctr">
+            <a:solidFill>
+              <a:schemeClr val="accent3"/>
+            </a:solidFill>
+            <a:prstDash val="solid"/>
+            <a:round/>
+            <a:headEnd type="none" w="med" len="med"/>
+            <a:tailEnd type="none" w="med" len="med"/>
+          </a:ln>
+        </p:spPr>
+        <p:style>
+          <a:lnRef idx="0">
+            <a:scrgbClr r="0" g="0" b="0"/>
+          </a:lnRef>
+          <a:fillRef idx="0">
+            <a:scrgbClr r="0" g="0" b="0"/>
+          </a:fillRef>
+          <a:effectRef idx="0">
+            <a:scrgbClr r="0" g="0" b="0"/>
+          </a:effectRef>
+          <a:fontRef idx="minor">
+            <a:schemeClr val="accent3"/>
+          </a:fontRef>
+        </p:style>
+        <p:txBody>
+          <a:bodyPr rtlCol="0" anchor="ctr"/>
+          <a:lstStyle/>
+          <a:p>
+            <a:pPr algn="ctr"/>
+            <a:endParaRPr lang="en-IN" dirty="0"/>
+          </a:p>
+        </p:txBody>
+      </p:sp>
     </p:spTree>
     <p:extLst>
       <p:ext uri="{BB962C8B-B14F-4D97-AF65-F5344CB8AC3E}">
-        <p14:creationId xmlns:p14="http://schemas.microsoft.com/office/powerpoint/2010/main" val="2036492612"/>
+        <p14:creationId xmlns:p14="http://schemas.microsoft.com/office/powerpoint/2010/main" val="1069683385"/>
       </p:ext>
     </p:extLst>
   </p:cSld>
@@ -9264,7 +9092,7 @@
               <a:rPr lang="en-IN" b="1" dirty="0">
                 <a:latin typeface="Nunito Sans" pitchFamily="2" charset="0"/>
               </a:rPr>
-              <a:t>Chubby Working : Caching – Q&amp;A</a:t>
+              <a:t>Chubby Working : Caching</a:t>
             </a:r>
           </a:p>
         </p:txBody>
@@ -9285,8 +9113,8 @@
         </p:nvSpPr>
         <p:spPr>
           <a:xfrm>
-            <a:off x="285750" y="1767466"/>
-            <a:ext cx="6396243" cy="3806796"/>
+            <a:off x="327837" y="733425"/>
+            <a:ext cx="6396243" cy="5781675"/>
           </a:xfrm>
           <a:prstGeom prst="rect">
             <a:avLst/>
@@ -9484,7 +9312,7 @@
               <a:rPr lang="en-US" sz="1400" b="1" dirty="0">
                 <a:latin typeface="Century Gothic" panose="020B0502020202020204" pitchFamily="34" charset="0"/>
               </a:rPr>
-              <a:t>Chubby Cache – Q&amp;A</a:t>
+              <a:t>Chubby Cache</a:t>
             </a:r>
           </a:p>
           <a:p>
@@ -9512,9 +9340,12 @@
             </a:pPr>
             <a:r>
               <a:rPr lang="en-US" sz="1000" dirty="0">
-                <a:latin typeface="Century Gothic" panose="020B0502020202020204" pitchFamily="34" charset="0"/>
-              </a:rPr>
-              <a:t>Q: While the master is waiting for acknowledgments, are other clients allowed to read the file?</a:t>
+                <a:solidFill>
+                  <a:srgbClr val="3D3D4E"/>
+                </a:solidFill>
+                <a:latin typeface="Century Gothic" panose="020B0502020202020204" pitchFamily="34" charset="0"/>
+              </a:rPr>
+              <a:t>Chubby System is read biased, and so one thought will automatically come into mind of an architect that Caching must be the one of the important component in this system. So, let’s learn the caching used in Chubby, next in this section.</a:t>
             </a:r>
           </a:p>
           <a:p>
@@ -9526,34 +9357,64 @@
               <a:buNone/>
             </a:pPr>
             <a:endParaRPr lang="en-US" sz="1000" dirty="0">
-              <a:latin typeface="Century Gothic" panose="020B0502020202020204" pitchFamily="34" charset="0"/>
-            </a:endParaRPr>
-          </a:p>
-          <a:p>
-            <a:pPr marL="0" indent="0">
-              <a:spcBef>
-                <a:spcPts val="0"/>
-              </a:spcBef>
-              <a:buFont typeface="Arial" panose="020B0604020202020204" pitchFamily="34" charset="0"/>
-              <a:buNone/>
-            </a:pPr>
-            <a:r>
-              <a:rPr lang="en-US" sz="1000" dirty="0">
-                <a:latin typeface="Century Gothic" panose="020B0502020202020204" pitchFamily="34" charset="0"/>
-              </a:rPr>
-              <a:t>Ans: </a:t>
+              <a:solidFill>
+                <a:srgbClr val="3D3D4E"/>
+              </a:solidFill>
+              <a:latin typeface="Century Gothic" panose="020B0502020202020204" pitchFamily="34" charset="0"/>
+            </a:endParaRPr>
+          </a:p>
+          <a:p>
+            <a:pPr marL="0" indent="0">
+              <a:spcBef>
+                <a:spcPts val="0"/>
+              </a:spcBef>
+              <a:buFont typeface="Arial" panose="020B0604020202020204" pitchFamily="34" charset="0"/>
+              <a:buNone/>
+            </a:pPr>
+            <a:r>
+              <a:rPr lang="en-US" sz="1000" dirty="0">
+                <a:solidFill>
+                  <a:srgbClr val="3D3D4E"/>
+                </a:solidFill>
+                <a:latin typeface="Century Gothic" panose="020B0502020202020204" pitchFamily="34" charset="0"/>
+              </a:rPr>
+              <a:t>To reduce read traffic, Chubby clients cache </a:t>
             </a:r>
             <a:r>
               <a:rPr lang="en-US" sz="1000" b="1" dirty="0">
-                <a:latin typeface="Century Gothic" panose="020B0502020202020204" pitchFamily="34" charset="0"/>
-              </a:rPr>
-              <a:t>Yes</a:t>
-            </a:r>
-            <a:r>
-              <a:rPr lang="en-US" sz="1000" dirty="0">
-                <a:latin typeface="Century Gothic" panose="020B0502020202020204" pitchFamily="34" charset="0"/>
-              </a:rPr>
-              <a:t>, during the time the master is waiting for the acknowledgments from clients, the file is treated as ‘uncachable.’ </a:t>
+                <a:solidFill>
+                  <a:srgbClr val="3D3D4E"/>
+                </a:solidFill>
+                <a:latin typeface="Century Gothic" panose="020B0502020202020204" pitchFamily="34" charset="0"/>
+              </a:rPr>
+              <a:t>file contents, node metadata, and information </a:t>
+            </a:r>
+            <a:r>
+              <a:rPr lang="en-US" sz="1000" dirty="0">
+                <a:solidFill>
+                  <a:srgbClr val="3D3D4E"/>
+                </a:solidFill>
+                <a:latin typeface="Century Gothic" panose="020B0502020202020204" pitchFamily="34" charset="0"/>
+              </a:rPr>
+              <a:t>on open handles in a consistent, </a:t>
+            </a:r>
+            <a:r>
+              <a:rPr lang="en-US" sz="1000" b="1" dirty="0">
+                <a:solidFill>
+                  <a:srgbClr val="3D3D4E"/>
+                </a:solidFill>
+                <a:latin typeface="Century Gothic" panose="020B0502020202020204" pitchFamily="34" charset="0"/>
+              </a:rPr>
+              <a:t>write-through cache </a:t>
+            </a:r>
+            <a:r>
+              <a:rPr lang="en-US" sz="1000" dirty="0">
+                <a:solidFill>
+                  <a:srgbClr val="3D3D4E"/>
+                </a:solidFill>
+                <a:latin typeface="Century Gothic" panose="020B0502020202020204" pitchFamily="34" charset="0"/>
+              </a:rPr>
+              <a:t>in the client’s memory. </a:t>
             </a:r>
           </a:p>
           <a:p>
@@ -9565,22 +9426,28 @@
               <a:buNone/>
             </a:pPr>
             <a:endParaRPr lang="en-US" sz="1000" dirty="0">
-              <a:latin typeface="Century Gothic" panose="020B0502020202020204" pitchFamily="34" charset="0"/>
-            </a:endParaRPr>
-          </a:p>
-          <a:p>
-            <a:pPr marL="0" indent="0">
-              <a:spcBef>
-                <a:spcPts val="0"/>
-              </a:spcBef>
-              <a:buFont typeface="Arial" panose="020B0604020202020204" pitchFamily="34" charset="0"/>
-              <a:buNone/>
-            </a:pPr>
-            <a:r>
-              <a:rPr lang="en-US" sz="1000" dirty="0">
-                <a:latin typeface="Century Gothic" panose="020B0502020202020204" pitchFamily="34" charset="0"/>
-              </a:rPr>
-              <a:t>This means that the clients can read the file but will not cache it. </a:t>
+              <a:solidFill>
+                <a:srgbClr val="3D3D4E"/>
+              </a:solidFill>
+              <a:latin typeface="Century Gothic" panose="020B0502020202020204" pitchFamily="34" charset="0"/>
+            </a:endParaRPr>
+          </a:p>
+          <a:p>
+            <a:pPr marL="0" indent="0">
+              <a:spcBef>
+                <a:spcPts val="0"/>
+              </a:spcBef>
+              <a:buFont typeface="Arial" panose="020B0604020202020204" pitchFamily="34" charset="0"/>
+              <a:buNone/>
+            </a:pPr>
+            <a:r>
+              <a:rPr lang="en-US" sz="1000" dirty="0">
+                <a:solidFill>
+                  <a:srgbClr val="3D3D4E"/>
+                </a:solidFill>
+                <a:latin typeface="Century Gothic" panose="020B0502020202020204" pitchFamily="34" charset="0"/>
+              </a:rPr>
+              <a:t>Because of this caching, Chubby must maintain consistency between a file and a cache as well as between the different replicas of the file. </a:t>
             </a:r>
           </a:p>
           <a:p>
@@ -9592,22 +9459,28 @@
               <a:buNone/>
             </a:pPr>
             <a:endParaRPr lang="en-US" sz="1000" dirty="0">
-              <a:latin typeface="Century Gothic" panose="020B0502020202020204" pitchFamily="34" charset="0"/>
-            </a:endParaRPr>
-          </a:p>
-          <a:p>
-            <a:pPr marL="0" indent="0">
-              <a:spcBef>
-                <a:spcPts val="0"/>
-              </a:spcBef>
-              <a:buFont typeface="Arial" panose="020B0604020202020204" pitchFamily="34" charset="0"/>
-              <a:buNone/>
-            </a:pPr>
-            <a:r>
-              <a:rPr lang="en-US" sz="1000" dirty="0">
-                <a:latin typeface="Century Gothic" panose="020B0502020202020204" pitchFamily="34" charset="0"/>
-              </a:rPr>
-              <a:t>This approach ensures that reads always get processed without any delay. This is useful because reads outnumber writes.</a:t>
+              <a:solidFill>
+                <a:srgbClr val="3D3D4E"/>
+              </a:solidFill>
+              <a:latin typeface="Century Gothic" panose="020B0502020202020204" pitchFamily="34" charset="0"/>
+            </a:endParaRPr>
+          </a:p>
+          <a:p>
+            <a:pPr marL="0" indent="0">
+              <a:spcBef>
+                <a:spcPts val="0"/>
+              </a:spcBef>
+              <a:buFont typeface="Arial" panose="020B0604020202020204" pitchFamily="34" charset="0"/>
+              <a:buNone/>
+            </a:pPr>
+            <a:r>
+              <a:rPr lang="en-US" sz="1000" dirty="0">
+                <a:solidFill>
+                  <a:srgbClr val="3D3D4E"/>
+                </a:solidFill>
+                <a:latin typeface="Century Gothic" panose="020B0502020202020204" pitchFamily="34" charset="0"/>
+              </a:rPr>
+              <a:t>So, from above it is clear that cache eviction policy in this system must be some thing like time based.</a:t>
             </a:r>
           </a:p>
           <a:p>
@@ -9619,8 +9492,29 @@
               <a:buNone/>
             </a:pPr>
             <a:endParaRPr lang="en-US" sz="1000" dirty="0">
-              <a:latin typeface="Century Gothic" panose="020B0502020202020204" pitchFamily="34" charset="0"/>
-            </a:endParaRPr>
+              <a:solidFill>
+                <a:srgbClr val="3D3D4E"/>
+              </a:solidFill>
+              <a:latin typeface="Century Gothic" panose="020B0502020202020204" pitchFamily="34" charset="0"/>
+            </a:endParaRPr>
+          </a:p>
+          <a:p>
+            <a:pPr marL="0" indent="0">
+              <a:spcBef>
+                <a:spcPts val="0"/>
+              </a:spcBef>
+              <a:buFont typeface="Arial" panose="020B0604020202020204" pitchFamily="34" charset="0"/>
+              <a:buNone/>
+            </a:pPr>
+            <a:r>
+              <a:rPr lang="en-US" sz="1000" b="1" dirty="0">
+                <a:solidFill>
+                  <a:srgbClr val="3D3D4E"/>
+                </a:solidFill>
+                <a:latin typeface="Century Gothic" panose="020B0502020202020204" pitchFamily="34" charset="0"/>
+              </a:rPr>
+              <a:t>Chubby clients maintain their cache by a lease mechanism and flush the cache when the lease expires.</a:t>
+            </a:r>
           </a:p>
           <a:p>
             <a:pPr marL="0" indent="0">
@@ -9631,22 +9525,28 @@
               <a:buNone/>
             </a:pPr>
             <a:endParaRPr lang="en-US" sz="1000" dirty="0">
-              <a:latin typeface="Century Gothic" panose="020B0502020202020204" pitchFamily="34" charset="0"/>
-            </a:endParaRPr>
-          </a:p>
-          <a:p>
-            <a:pPr marL="0" indent="0">
-              <a:spcBef>
-                <a:spcPts val="0"/>
-              </a:spcBef>
-              <a:buFont typeface="Arial" panose="020B0604020202020204" pitchFamily="34" charset="0"/>
-              <a:buNone/>
-            </a:pPr>
-            <a:r>
-              <a:rPr lang="en-US" sz="1000" dirty="0">
-                <a:latin typeface="Century Gothic" panose="020B0502020202020204" pitchFamily="34" charset="0"/>
-              </a:rPr>
-              <a:t>Q: Are clients allowed to cache locks? If yes, how is it used?</a:t>
+              <a:solidFill>
+                <a:srgbClr val="3D3D4E"/>
+              </a:solidFill>
+              <a:latin typeface="Century Gothic" panose="020B0502020202020204" pitchFamily="34" charset="0"/>
+            </a:endParaRPr>
+          </a:p>
+          <a:p>
+            <a:pPr marL="0" indent="0">
+              <a:spcBef>
+                <a:spcPts val="0"/>
+              </a:spcBef>
+              <a:buFont typeface="Arial" panose="020B0604020202020204" pitchFamily="34" charset="0"/>
+              <a:buNone/>
+            </a:pPr>
+            <a:r>
+              <a:rPr lang="en-US" sz="1400" b="1" dirty="0">
+                <a:solidFill>
+                  <a:srgbClr val="3D3D4E"/>
+                </a:solidFill>
+                <a:latin typeface="Century Gothic" panose="020B0502020202020204" pitchFamily="34" charset="0"/>
+              </a:rPr>
+              <a:t>Cache Invalidation</a:t>
             </a:r>
           </a:p>
           <a:p>
@@ -9658,34 +9558,28 @@
               <a:buNone/>
             </a:pPr>
             <a:endParaRPr lang="en-US" sz="1000" dirty="0">
-              <a:latin typeface="Century Gothic" panose="020B0502020202020204" pitchFamily="34" charset="0"/>
-            </a:endParaRPr>
-          </a:p>
-          <a:p>
-            <a:pPr marL="0" indent="0">
-              <a:spcBef>
-                <a:spcPts val="0"/>
-              </a:spcBef>
-              <a:buFont typeface="Arial" panose="020B0604020202020204" pitchFamily="34" charset="0"/>
-              <a:buNone/>
-            </a:pPr>
-            <a:r>
-              <a:rPr lang="en-US" sz="1000" dirty="0">
-                <a:latin typeface="Century Gothic" panose="020B0502020202020204" pitchFamily="34" charset="0"/>
-              </a:rPr>
-              <a:t>Ans: </a:t>
-            </a:r>
-            <a:r>
-              <a:rPr lang="en-US" sz="1000" b="1" dirty="0">
-                <a:latin typeface="Century Gothic" panose="020B0502020202020204" pitchFamily="34" charset="0"/>
-              </a:rPr>
-              <a:t>Yes</a:t>
-            </a:r>
-            <a:r>
-              <a:rPr lang="en-US" sz="1000" dirty="0">
-                <a:latin typeface="Century Gothic" panose="020B0502020202020204" pitchFamily="34" charset="0"/>
-              </a:rPr>
-              <a:t>, Chubby allows its clients to cache locks, which means the client can hold locks longer than necessary, hoping that they can be used again by the same client.</a:t>
+              <a:solidFill>
+                <a:srgbClr val="3D3D4E"/>
+              </a:solidFill>
+              <a:latin typeface="Century Gothic" panose="020B0502020202020204" pitchFamily="34" charset="0"/>
+            </a:endParaRPr>
+          </a:p>
+          <a:p>
+            <a:pPr marL="0" indent="0">
+              <a:spcBef>
+                <a:spcPts val="0"/>
+              </a:spcBef>
+              <a:buFont typeface="Arial" panose="020B0604020202020204" pitchFamily="34" charset="0"/>
+              <a:buNone/>
+            </a:pPr>
+            <a:r>
+              <a:rPr lang="en-US" sz="1000" dirty="0">
+                <a:solidFill>
+                  <a:srgbClr val="3D3D4E"/>
+                </a:solidFill>
+                <a:latin typeface="Century Gothic" panose="020B0502020202020204" pitchFamily="34" charset="0"/>
+              </a:rPr>
+              <a:t>Below is the protocol for invalidating the cache when file data or metadata is changed:</a:t>
             </a:r>
           </a:p>
           <a:p>
@@ -9697,62 +9591,260 @@
               <a:buNone/>
             </a:pPr>
             <a:endParaRPr lang="en-US" sz="1000" dirty="0">
-              <a:latin typeface="Century Gothic" panose="020B0502020202020204" pitchFamily="34" charset="0"/>
-            </a:endParaRPr>
-          </a:p>
-          <a:p>
-            <a:pPr marL="0" indent="0">
-              <a:spcBef>
-                <a:spcPts val="0"/>
-              </a:spcBef>
-              <a:buFont typeface="Arial" panose="020B0604020202020204" pitchFamily="34" charset="0"/>
-              <a:buNone/>
-            </a:pPr>
-            <a:r>
-              <a:rPr lang="en-US" sz="1000" dirty="0">
-                <a:latin typeface="Century Gothic" panose="020B0502020202020204" pitchFamily="34" charset="0"/>
-              </a:rPr>
-              <a:t>Q: Are clients allowed to cache open handles?</a:t>
-            </a:r>
-          </a:p>
-          <a:p>
-            <a:pPr marL="0" indent="0">
-              <a:spcBef>
-                <a:spcPts val="0"/>
-              </a:spcBef>
-              <a:buFont typeface="Arial" panose="020B0604020202020204" pitchFamily="34" charset="0"/>
+              <a:solidFill>
+                <a:srgbClr val="3D3D4E"/>
+              </a:solidFill>
+              <a:latin typeface="Century Gothic" panose="020B0502020202020204" pitchFamily="34" charset="0"/>
+            </a:endParaRPr>
+          </a:p>
+          <a:p>
+            <a:pPr>
+              <a:spcBef>
+                <a:spcPts val="0"/>
+              </a:spcBef>
+              <a:buFont typeface="Wingdings" panose="05000000000000000000" pitchFamily="2" charset="2"/>
+              <a:buChar char="ü"/>
+            </a:pPr>
+            <a:r>
+              <a:rPr lang="en-US" sz="1000" dirty="0">
+                <a:solidFill>
+                  <a:srgbClr val="3D3D4E"/>
+                </a:solidFill>
+                <a:latin typeface="Century Gothic" panose="020B0502020202020204" pitchFamily="34" charset="0"/>
+              </a:rPr>
+              <a:t>Master receives a request to change file contents or node metadata.</a:t>
+            </a:r>
+          </a:p>
+          <a:p>
+            <a:pPr marL="0" indent="0">
+              <a:spcBef>
+                <a:spcPts val="0"/>
+              </a:spcBef>
               <a:buNone/>
             </a:pPr>
             <a:endParaRPr lang="en-US" sz="1000" dirty="0">
-              <a:latin typeface="Century Gothic" panose="020B0502020202020204" pitchFamily="34" charset="0"/>
-            </a:endParaRPr>
-          </a:p>
-          <a:p>
-            <a:pPr marL="0" indent="0">
-              <a:spcBef>
-                <a:spcPts val="0"/>
-              </a:spcBef>
-              <a:buFont typeface="Arial" panose="020B0604020202020204" pitchFamily="34" charset="0"/>
-              <a:buNone/>
-            </a:pPr>
-            <a:r>
-              <a:rPr lang="en-US" sz="1000" dirty="0">
-                <a:latin typeface="Century Gothic" panose="020B0502020202020204" pitchFamily="34" charset="0"/>
-              </a:rPr>
-              <a:t>Ans: </a:t>
-            </a:r>
-            <a:r>
-              <a:rPr lang="en-US" sz="1000" b="1" dirty="0">
-                <a:latin typeface="Century Gothic" panose="020B0502020202020204" pitchFamily="34" charset="0"/>
-              </a:rPr>
-              <a:t>Yes</a:t>
-            </a:r>
-            <a:r>
-              <a:rPr lang="en-US" sz="1000" dirty="0">
-                <a:latin typeface="Century Gothic" panose="020B0502020202020204" pitchFamily="34" charset="0"/>
-              </a:rPr>
-              <a:t>, Chubby allows its clients to cache open handles. This way, if a client tries to open a file it has opened previously, only the first open() call goes to the master.</a:t>
-            </a:r>
+              <a:solidFill>
+                <a:srgbClr val="3D3D4E"/>
+              </a:solidFill>
+              <a:latin typeface="Century Gothic" panose="020B0502020202020204" pitchFamily="34" charset="0"/>
+            </a:endParaRPr>
+          </a:p>
+          <a:p>
+            <a:pPr>
+              <a:spcBef>
+                <a:spcPts val="0"/>
+              </a:spcBef>
+              <a:buFont typeface="Wingdings" panose="05000000000000000000" pitchFamily="2" charset="2"/>
+              <a:buChar char="ü"/>
+            </a:pPr>
+            <a:r>
+              <a:rPr lang="en-US" sz="1000" dirty="0">
+                <a:solidFill>
+                  <a:srgbClr val="3D3D4E"/>
+                </a:solidFill>
+                <a:latin typeface="Century Gothic" panose="020B0502020202020204" pitchFamily="34" charset="0"/>
+              </a:rPr>
+              <a:t>Master blocks modification and sends cache invalidations to all clients who have cached it. For this, the master must maintain a list of each client’s cache contents.</a:t>
+            </a:r>
+          </a:p>
+          <a:p>
+            <a:pPr>
+              <a:spcBef>
+                <a:spcPts val="0"/>
+              </a:spcBef>
+              <a:buFont typeface="Wingdings" panose="05000000000000000000" pitchFamily="2" charset="2"/>
+              <a:buChar char="ü"/>
+            </a:pPr>
+            <a:endParaRPr lang="en-US" sz="1000" dirty="0">
+              <a:solidFill>
+                <a:srgbClr val="3D3D4E"/>
+              </a:solidFill>
+              <a:latin typeface="Century Gothic" panose="020B0502020202020204" pitchFamily="34" charset="0"/>
+            </a:endParaRPr>
+          </a:p>
+          <a:p>
+            <a:pPr>
+              <a:spcBef>
+                <a:spcPts val="0"/>
+              </a:spcBef>
+              <a:buFont typeface="Wingdings" panose="05000000000000000000" pitchFamily="2" charset="2"/>
+              <a:buChar char="ü"/>
+            </a:pPr>
+            <a:r>
+              <a:rPr lang="en-US" sz="1000" dirty="0">
+                <a:solidFill>
+                  <a:srgbClr val="3D3D4E"/>
+                </a:solidFill>
+                <a:latin typeface="Century Gothic" panose="020B0502020202020204" pitchFamily="34" charset="0"/>
+              </a:rPr>
+              <a:t>For efficiency, the invalidation requests are piggybacked onto KeepAlive replies from the master.</a:t>
+            </a:r>
+          </a:p>
+          <a:p>
+            <a:pPr>
+              <a:spcBef>
+                <a:spcPts val="0"/>
+              </a:spcBef>
+              <a:buFont typeface="Wingdings" panose="05000000000000000000" pitchFamily="2" charset="2"/>
+              <a:buChar char="ü"/>
+            </a:pPr>
+            <a:endParaRPr lang="en-US" sz="1000" dirty="0">
+              <a:solidFill>
+                <a:srgbClr val="3D3D4E"/>
+              </a:solidFill>
+              <a:latin typeface="Century Gothic" panose="020B0502020202020204" pitchFamily="34" charset="0"/>
+            </a:endParaRPr>
+          </a:p>
+          <a:p>
+            <a:pPr>
+              <a:spcBef>
+                <a:spcPts val="0"/>
+              </a:spcBef>
+              <a:buFont typeface="Wingdings" panose="05000000000000000000" pitchFamily="2" charset="2"/>
+              <a:buChar char="ü"/>
+            </a:pPr>
+            <a:r>
+              <a:rPr lang="en-US" sz="1000" dirty="0">
+                <a:solidFill>
+                  <a:srgbClr val="3D3D4E"/>
+                </a:solidFill>
+                <a:latin typeface="Century Gothic" panose="020B0502020202020204" pitchFamily="34" charset="0"/>
+              </a:rPr>
+              <a:t>Clients receive the invalidation signal, flushes the cache, and sends an acknowledgment to the master with its next KeepAlive call.</a:t>
+            </a:r>
+          </a:p>
+          <a:p>
+            <a:pPr>
+              <a:spcBef>
+                <a:spcPts val="0"/>
+              </a:spcBef>
+              <a:buFont typeface="Wingdings" panose="05000000000000000000" pitchFamily="2" charset="2"/>
+              <a:buChar char="ü"/>
+            </a:pPr>
+            <a:endParaRPr lang="en-US" sz="1000" dirty="0">
+              <a:solidFill>
+                <a:srgbClr val="3D3D4E"/>
+              </a:solidFill>
+              <a:latin typeface="Century Gothic" panose="020B0502020202020204" pitchFamily="34" charset="0"/>
+            </a:endParaRPr>
+          </a:p>
+          <a:p>
+            <a:pPr>
+              <a:spcBef>
+                <a:spcPts val="0"/>
+              </a:spcBef>
+              <a:buFont typeface="Wingdings" panose="05000000000000000000" pitchFamily="2" charset="2"/>
+              <a:buChar char="ü"/>
+            </a:pPr>
+            <a:r>
+              <a:rPr lang="en-US" sz="1000" dirty="0">
+                <a:solidFill>
+                  <a:srgbClr val="3D3D4E"/>
+                </a:solidFill>
+                <a:latin typeface="Century Gothic" panose="020B0502020202020204" pitchFamily="34" charset="0"/>
+              </a:rPr>
+              <a:t>Once acknowledgments are received from each active client, the master proceeds with the modification. The master updates its local database and sends an update request to the replicas.</a:t>
+            </a:r>
+          </a:p>
+          <a:p>
+            <a:pPr>
+              <a:spcBef>
+                <a:spcPts val="0"/>
+              </a:spcBef>
+              <a:buFont typeface="Wingdings" panose="05000000000000000000" pitchFamily="2" charset="2"/>
+              <a:buChar char="ü"/>
+            </a:pPr>
+            <a:endParaRPr lang="en-US" sz="1000" dirty="0">
+              <a:solidFill>
+                <a:srgbClr val="3D3D4E"/>
+              </a:solidFill>
+              <a:latin typeface="Century Gothic" panose="020B0502020202020204" pitchFamily="34" charset="0"/>
+            </a:endParaRPr>
+          </a:p>
+          <a:p>
+            <a:pPr>
+              <a:spcBef>
+                <a:spcPts val="0"/>
+              </a:spcBef>
+              <a:buFont typeface="Wingdings" panose="05000000000000000000" pitchFamily="2" charset="2"/>
+              <a:buChar char="ü"/>
+            </a:pPr>
+            <a:r>
+              <a:rPr lang="en-US" sz="1000" dirty="0">
+                <a:solidFill>
+                  <a:srgbClr val="3D3D4E"/>
+                </a:solidFill>
+                <a:latin typeface="Century Gothic" panose="020B0502020202020204" pitchFamily="34" charset="0"/>
+              </a:rPr>
+              <a:t>After receiving acknowledgments from most replicas in the cell, the master sends an acknowledgment to the client who initiated the write.</a:t>
+            </a:r>
+          </a:p>
+          <a:p>
+            <a:pPr marL="0" indent="0">
+              <a:spcBef>
+                <a:spcPts val="0"/>
+              </a:spcBef>
+              <a:buFont typeface="Arial" panose="020B0604020202020204" pitchFamily="34" charset="0"/>
+              <a:buNone/>
+            </a:pPr>
+            <a:endParaRPr lang="en-US" sz="1000" dirty="0">
+              <a:solidFill>
+                <a:srgbClr val="3D3D4E"/>
+              </a:solidFill>
+              <a:latin typeface="Century Gothic" panose="020B0502020202020204" pitchFamily="34" charset="0"/>
+            </a:endParaRPr>
+          </a:p>
+          <a:p>
+            <a:pPr marL="0" indent="0">
+              <a:spcBef>
+                <a:spcPts val="0"/>
+              </a:spcBef>
+              <a:buFont typeface="Arial" panose="020B0604020202020204" pitchFamily="34" charset="0"/>
+              <a:buNone/>
+            </a:pPr>
+            <a:endParaRPr lang="en-US" sz="1000" dirty="0">
+              <a:solidFill>
+                <a:srgbClr val="3D3D4E"/>
+              </a:solidFill>
+              <a:latin typeface="Century Gothic" panose="020B0502020202020204" pitchFamily="34" charset="0"/>
+            </a:endParaRPr>
+          </a:p>
+          <a:p>
+            <a:pPr marL="0" indent="0">
+              <a:spcBef>
+                <a:spcPts val="0"/>
+              </a:spcBef>
+              <a:buFont typeface="Arial" panose="020B0604020202020204" pitchFamily="34" charset="0"/>
+              <a:buNone/>
+            </a:pPr>
+            <a:endParaRPr lang="en-US" sz="1100" b="1" dirty="0">
+              <a:solidFill>
+                <a:srgbClr val="3D3D4E"/>
+              </a:solidFill>
+              <a:latin typeface="Century Gothic" panose="020B0502020202020204" pitchFamily="34" charset="0"/>
+            </a:endParaRPr>
+          </a:p>
+          <a:p>
+            <a:pPr marL="0" indent="0">
+              <a:spcBef>
+                <a:spcPts val="0"/>
+              </a:spcBef>
+              <a:buNone/>
+            </a:pPr>
+            <a:endParaRPr lang="en-US" sz="1000" dirty="0">
+              <a:latin typeface="Century Gothic" panose="020B0502020202020204" pitchFamily="34" charset="0"/>
+            </a:endParaRPr>
+          </a:p>
+          <a:p>
+            <a:pPr marL="0" indent="0">
+              <a:spcBef>
+                <a:spcPts val="0"/>
+              </a:spcBef>
+              <a:buNone/>
+            </a:pPr>
+            <a:endParaRPr lang="en-US" sz="1000" dirty="0">
+              <a:latin typeface="Century Gothic" panose="020B0502020202020204" pitchFamily="34" charset="0"/>
+            </a:endParaRPr>
           </a:p>
         </p:txBody>
       </p:sp>
@@ -9905,7 +9997,7 @@
     </p:spTree>
     <p:extLst>
       <p:ext uri="{BB962C8B-B14F-4D97-AF65-F5344CB8AC3E}">
-        <p14:creationId xmlns:p14="http://schemas.microsoft.com/office/powerpoint/2010/main" val="3984601910"/>
+        <p14:creationId xmlns:p14="http://schemas.microsoft.com/office/powerpoint/2010/main" val="2036492612"/>
       </p:ext>
     </p:extLst>
   </p:cSld>
@@ -9978,7 +10070,7 @@
               <a:rPr lang="en-IN" b="1" dirty="0">
                 <a:latin typeface="Nunito Sans" pitchFamily="2" charset="0"/>
               </a:rPr>
-              <a:t>Chubby Working : Database</a:t>
+              <a:t>Chubby Working : Caching – Q&amp;A</a:t>
             </a:r>
           </a:p>
         </p:txBody>
@@ -9999,8 +10091,8 @@
         </p:nvSpPr>
         <p:spPr>
           <a:xfrm>
-            <a:off x="327837" y="733425"/>
-            <a:ext cx="6243879" cy="5781675"/>
+            <a:off x="285750" y="1767466"/>
+            <a:ext cx="6396243" cy="3806796"/>
           </a:xfrm>
           <a:prstGeom prst="rect">
             <a:avLst/>
@@ -10008,7 +10100,7 @@
         </p:spPr>
         <p:txBody>
           <a:bodyPr vert="horz" lIns="91440" tIns="45720" rIns="91440" bIns="45720" rtlCol="0">
-            <a:normAutofit lnSpcReduction="10000"/>
+            <a:normAutofit/>
           </a:bodyPr>
           <a:lstStyle>
             <a:lvl1pPr marL="228600" indent="-228600" algn="l" defTabSz="914400" rtl="0" eaLnBrk="1" latinLnBrk="0" hangingPunct="1">
@@ -10198,7 +10290,7 @@
               <a:rPr lang="en-US" sz="1400" b="1" dirty="0">
                 <a:latin typeface="Century Gothic" panose="020B0502020202020204" pitchFamily="34" charset="0"/>
               </a:rPr>
-              <a:t>How Chubby using database?</a:t>
+              <a:t>Chubby Cache – Q&amp;A</a:t>
             </a:r>
           </a:p>
           <a:p>
@@ -10226,12 +10318,9 @@
             </a:pPr>
             <a:r>
               <a:rPr lang="en-US" sz="1000" dirty="0">
-                <a:solidFill>
-                  <a:srgbClr val="3D3D4E"/>
-                </a:solidFill>
-                <a:latin typeface="Century Gothic" panose="020B0502020202020204" pitchFamily="34" charset="0"/>
-              </a:rPr>
-              <a:t>Chubby usage database for storage.</a:t>
+                <a:latin typeface="Century Gothic" panose="020B0502020202020204" pitchFamily="34" charset="0"/>
+              </a:rPr>
+              <a:t>Q: While the master is waiting for acknowledgments, are other clients allowed to read the file?</a:t>
             </a:r>
           </a:p>
           <a:p>
@@ -10243,28 +10332,34 @@
               <a:buNone/>
             </a:pPr>
             <a:endParaRPr lang="en-US" sz="1000" dirty="0">
-              <a:solidFill>
-                <a:srgbClr val="3D3D4E"/>
-              </a:solidFill>
-              <a:latin typeface="Century Gothic" panose="020B0502020202020204" pitchFamily="34" charset="0"/>
-            </a:endParaRPr>
-          </a:p>
-          <a:p>
-            <a:pPr marL="0" indent="0">
-              <a:spcBef>
-                <a:spcPts val="0"/>
-              </a:spcBef>
-              <a:buFont typeface="Arial" panose="020B0604020202020204" pitchFamily="34" charset="0"/>
-              <a:buNone/>
-            </a:pPr>
-            <a:r>
-              <a:rPr lang="en-US" sz="1000" dirty="0">
-                <a:solidFill>
-                  <a:srgbClr val="3D3D4E"/>
-                </a:solidFill>
-                <a:latin typeface="Century Gothic" panose="020B0502020202020204" pitchFamily="34" charset="0"/>
-              </a:rPr>
-              <a:t>In initial days of chubby implementation, for database , inventor used Berkley DB and replicated it for better Fault tolerance.</a:t>
+              <a:latin typeface="Century Gothic" panose="020B0502020202020204" pitchFamily="34" charset="0"/>
+            </a:endParaRPr>
+          </a:p>
+          <a:p>
+            <a:pPr marL="0" indent="0">
+              <a:spcBef>
+                <a:spcPts val="0"/>
+              </a:spcBef>
+              <a:buFont typeface="Arial" panose="020B0604020202020204" pitchFamily="34" charset="0"/>
+              <a:buNone/>
+            </a:pPr>
+            <a:r>
+              <a:rPr lang="en-US" sz="1000" dirty="0">
+                <a:latin typeface="Century Gothic" panose="020B0502020202020204" pitchFamily="34" charset="0"/>
+              </a:rPr>
+              <a:t>Ans: </a:t>
+            </a:r>
+            <a:r>
+              <a:rPr lang="en-US" sz="1000" b="1" dirty="0">
+                <a:latin typeface="Century Gothic" panose="020B0502020202020204" pitchFamily="34" charset="0"/>
+              </a:rPr>
+              <a:t>Yes</a:t>
+            </a:r>
+            <a:r>
+              <a:rPr lang="en-US" sz="1000" dirty="0">
+                <a:latin typeface="Century Gothic" panose="020B0502020202020204" pitchFamily="34" charset="0"/>
+              </a:rPr>
+              <a:t>, during the time the master is waiting for the acknowledgments from clients, the file is treated as ‘uncachable.’ </a:t>
             </a:r>
           </a:p>
           <a:p>
@@ -10276,28 +10371,22 @@
               <a:buNone/>
             </a:pPr>
             <a:endParaRPr lang="en-US" sz="1000" dirty="0">
-              <a:solidFill>
-                <a:srgbClr val="3D3D4E"/>
-              </a:solidFill>
-              <a:latin typeface="Century Gothic" panose="020B0502020202020204" pitchFamily="34" charset="0"/>
-            </a:endParaRPr>
-          </a:p>
-          <a:p>
-            <a:pPr marL="0" indent="0">
-              <a:spcBef>
-                <a:spcPts val="0"/>
-              </a:spcBef>
-              <a:buFont typeface="Arial" panose="020B0604020202020204" pitchFamily="34" charset="0"/>
-              <a:buNone/>
-            </a:pPr>
-            <a:r>
-              <a:rPr lang="en-US" sz="1000" dirty="0">
-                <a:solidFill>
-                  <a:srgbClr val="3D3D4E"/>
-                </a:solidFill>
-                <a:latin typeface="Century Gothic" panose="020B0502020202020204" pitchFamily="34" charset="0"/>
-              </a:rPr>
-              <a:t>But later they can know that Berkley db. is not enough for risk mitigation, and so they decided to build their own database.</a:t>
+              <a:latin typeface="Century Gothic" panose="020B0502020202020204" pitchFamily="34" charset="0"/>
+            </a:endParaRPr>
+          </a:p>
+          <a:p>
+            <a:pPr marL="0" indent="0">
+              <a:spcBef>
+                <a:spcPts val="0"/>
+              </a:spcBef>
+              <a:buFont typeface="Arial" panose="020B0604020202020204" pitchFamily="34" charset="0"/>
+              <a:buNone/>
+            </a:pPr>
+            <a:r>
+              <a:rPr lang="en-US" sz="1000" dirty="0">
+                <a:latin typeface="Century Gothic" panose="020B0502020202020204" pitchFamily="34" charset="0"/>
+              </a:rPr>
+              <a:t>This means that the clients can read the file but will not cache it. </a:t>
             </a:r>
           </a:p>
           <a:p>
@@ -10309,28 +10398,22 @@
               <a:buNone/>
             </a:pPr>
             <a:endParaRPr lang="en-US" sz="1000" dirty="0">
-              <a:solidFill>
-                <a:srgbClr val="3D3D4E"/>
-              </a:solidFill>
-              <a:latin typeface="Century Gothic" panose="020B0502020202020204" pitchFamily="34" charset="0"/>
-            </a:endParaRPr>
-          </a:p>
-          <a:p>
-            <a:pPr marL="0" indent="0">
-              <a:spcBef>
-                <a:spcPts val="0"/>
-              </a:spcBef>
-              <a:buFont typeface="Arial" panose="020B0604020202020204" pitchFamily="34" charset="0"/>
-              <a:buNone/>
-            </a:pPr>
-            <a:r>
-              <a:rPr lang="en-US" sz="1000" dirty="0">
-                <a:solidFill>
-                  <a:srgbClr val="3D3D4E"/>
-                </a:solidFill>
-                <a:latin typeface="Century Gothic" panose="020B0502020202020204" pitchFamily="34" charset="0"/>
-              </a:rPr>
-              <a:t>So, they implemented their own custom database for the following characteristics</a:t>
+              <a:latin typeface="Century Gothic" panose="020B0502020202020204" pitchFamily="34" charset="0"/>
+            </a:endParaRPr>
+          </a:p>
+          <a:p>
+            <a:pPr marL="0" indent="0">
+              <a:spcBef>
+                <a:spcPts val="0"/>
+              </a:spcBef>
+              <a:buFont typeface="Arial" panose="020B0604020202020204" pitchFamily="34" charset="0"/>
+              <a:buNone/>
+            </a:pPr>
+            <a:r>
+              <a:rPr lang="en-US" sz="1000" dirty="0">
+                <a:latin typeface="Century Gothic" panose="020B0502020202020204" pitchFamily="34" charset="0"/>
+              </a:rPr>
+              <a:t>This approach ensures that reads always get processed without any delay. This is useful because reads outnumber writes.</a:t>
             </a:r>
           </a:p>
           <a:p>
@@ -10342,392 +10425,140 @@
               <a:buNone/>
             </a:pPr>
             <a:endParaRPr lang="en-US" sz="1000" dirty="0">
-              <a:solidFill>
-                <a:srgbClr val="3D3D4E"/>
-              </a:solidFill>
-              <a:latin typeface="Century Gothic" panose="020B0502020202020204" pitchFamily="34" charset="0"/>
-            </a:endParaRPr>
-          </a:p>
-          <a:p>
-            <a:pPr>
-              <a:spcBef>
-                <a:spcPts val="0"/>
-              </a:spcBef>
-              <a:buFont typeface="Wingdings" panose="05000000000000000000" pitchFamily="2" charset="2"/>
-              <a:buChar char="ü"/>
-            </a:pPr>
-            <a:r>
-              <a:rPr lang="en-US" sz="1000" dirty="0">
-                <a:solidFill>
-                  <a:srgbClr val="3D3D4E"/>
-                </a:solidFill>
-                <a:latin typeface="Century Gothic" panose="020B0502020202020204" pitchFamily="34" charset="0"/>
-              </a:rPr>
-              <a:t>Simple key-value pair database using write ahead logging &amp; snapshotting’s</a:t>
-            </a:r>
-          </a:p>
-          <a:p>
-            <a:pPr>
-              <a:spcBef>
-                <a:spcPts val="0"/>
-              </a:spcBef>
-              <a:buFont typeface="Wingdings" panose="05000000000000000000" pitchFamily="2" charset="2"/>
-              <a:buChar char="ü"/>
-            </a:pPr>
-            <a:r>
-              <a:rPr lang="en-US" sz="1000" dirty="0">
-                <a:solidFill>
-                  <a:srgbClr val="3D3D4E"/>
-                </a:solidFill>
-                <a:latin typeface="Century Gothic" panose="020B0502020202020204" pitchFamily="34" charset="0"/>
-              </a:rPr>
-              <a:t>Atomic operation only, no need of general transactional based database</a:t>
-            </a:r>
-          </a:p>
-          <a:p>
-            <a:pPr>
-              <a:spcBef>
-                <a:spcPts val="0"/>
-              </a:spcBef>
-              <a:buFont typeface="Wingdings" panose="05000000000000000000" pitchFamily="2" charset="2"/>
-              <a:buChar char="ü"/>
-            </a:pPr>
-            <a:r>
-              <a:rPr lang="en-US" sz="1000" dirty="0">
-                <a:solidFill>
-                  <a:srgbClr val="3D3D4E"/>
-                </a:solidFill>
-                <a:latin typeface="Century Gothic" panose="020B0502020202020204" pitchFamily="34" charset="0"/>
-              </a:rPr>
-              <a:t>Database log is distributed among replicas using Paxos</a:t>
-            </a:r>
-          </a:p>
-          <a:p>
-            <a:pPr marL="0" indent="0">
-              <a:spcBef>
-                <a:spcPts val="0"/>
-              </a:spcBef>
+              <a:latin typeface="Century Gothic" panose="020B0502020202020204" pitchFamily="34" charset="0"/>
+            </a:endParaRPr>
+          </a:p>
+          <a:p>
+            <a:pPr marL="0" indent="0">
+              <a:spcBef>
+                <a:spcPts val="0"/>
+              </a:spcBef>
+              <a:buFont typeface="Arial" panose="020B0604020202020204" pitchFamily="34" charset="0"/>
               <a:buNone/>
             </a:pPr>
             <a:endParaRPr lang="en-US" sz="1000" dirty="0">
-              <a:solidFill>
-                <a:srgbClr val="3D3D4E"/>
-              </a:solidFill>
-              <a:latin typeface="Century Gothic" panose="020B0502020202020204" pitchFamily="34" charset="0"/>
-            </a:endParaRPr>
-          </a:p>
-          <a:p>
-            <a:pPr marL="0" indent="0">
-              <a:spcBef>
-                <a:spcPts val="0"/>
-              </a:spcBef>
-              <a:buNone/>
-            </a:pPr>
-            <a:r>
-              <a:rPr lang="en-US" sz="1000" dirty="0">
-                <a:solidFill>
-                  <a:srgbClr val="3D3D4E"/>
-                </a:solidFill>
-                <a:latin typeface="Century Gothic" panose="020B0502020202020204" pitchFamily="34" charset="0"/>
-              </a:rPr>
-              <a:t>So, </a:t>
-            </a:r>
-            <a:r>
-              <a:rPr lang="en-US" sz="1200" b="1" dirty="0">
-                <a:solidFill>
-                  <a:srgbClr val="7030A0"/>
-                </a:solidFill>
-                <a:latin typeface="Century Gothic" panose="020B0502020202020204" pitchFamily="34" charset="0"/>
-              </a:rPr>
-              <a:t>One key learning here is sometime being an architect or innovator also , you are not sure about your requirement in detail. Meaning you have idea but not much in specific to requirement level, even in that situation we must proceed further and change the component if they need to change for betterment of overall your system.</a:t>
-            </a:r>
-          </a:p>
-          <a:p>
-            <a:pPr marL="0" indent="0">
-              <a:spcBef>
-                <a:spcPts val="0"/>
-              </a:spcBef>
+              <a:latin typeface="Century Gothic" panose="020B0502020202020204" pitchFamily="34" charset="0"/>
+            </a:endParaRPr>
+          </a:p>
+          <a:p>
+            <a:pPr marL="0" indent="0">
+              <a:spcBef>
+                <a:spcPts val="0"/>
+              </a:spcBef>
+              <a:buFont typeface="Arial" panose="020B0604020202020204" pitchFamily="34" charset="0"/>
+              <a:buNone/>
+            </a:pPr>
+            <a:r>
+              <a:rPr lang="en-US" sz="1000" dirty="0">
+                <a:latin typeface="Century Gothic" panose="020B0502020202020204" pitchFamily="34" charset="0"/>
+              </a:rPr>
+              <a:t>Q: Are clients allowed to cache locks? If yes, how is it used?</a:t>
+            </a:r>
+          </a:p>
+          <a:p>
+            <a:pPr marL="0" indent="0">
+              <a:spcBef>
+                <a:spcPts val="0"/>
+              </a:spcBef>
+              <a:buFont typeface="Arial" panose="020B0604020202020204" pitchFamily="34" charset="0"/>
               <a:buNone/>
             </a:pPr>
             <a:endParaRPr lang="en-US" sz="1000" dirty="0">
-              <a:solidFill>
-                <a:srgbClr val="3D3D4E"/>
-              </a:solidFill>
-              <a:latin typeface="Century Gothic" panose="020B0502020202020204" pitchFamily="34" charset="0"/>
-            </a:endParaRPr>
-          </a:p>
-          <a:p>
-            <a:pPr marL="0" indent="0">
-              <a:spcBef>
-                <a:spcPts val="0"/>
-              </a:spcBef>
+              <a:latin typeface="Century Gothic" panose="020B0502020202020204" pitchFamily="34" charset="0"/>
+            </a:endParaRPr>
+          </a:p>
+          <a:p>
+            <a:pPr marL="0" indent="0">
+              <a:spcBef>
+                <a:spcPts val="0"/>
+              </a:spcBef>
+              <a:buFont typeface="Arial" panose="020B0604020202020204" pitchFamily="34" charset="0"/>
+              <a:buNone/>
+            </a:pPr>
+            <a:r>
+              <a:rPr lang="en-US" sz="1000" dirty="0">
+                <a:latin typeface="Century Gothic" panose="020B0502020202020204" pitchFamily="34" charset="0"/>
+              </a:rPr>
+              <a:t>Ans: </a:t>
+            </a:r>
+            <a:r>
+              <a:rPr lang="en-US" sz="1000" b="1" dirty="0">
+                <a:latin typeface="Century Gothic" panose="020B0502020202020204" pitchFamily="34" charset="0"/>
+              </a:rPr>
+              <a:t>Yes</a:t>
+            </a:r>
+            <a:r>
+              <a:rPr lang="en-US" sz="1000" dirty="0">
+                <a:latin typeface="Century Gothic" panose="020B0502020202020204" pitchFamily="34" charset="0"/>
+              </a:rPr>
+              <a:t>, Chubby allows its clients to cache locks, which means the client can hold locks longer than necessary, hoping that they can be used again by the same client.</a:t>
+            </a:r>
+          </a:p>
+          <a:p>
+            <a:pPr marL="0" indent="0">
+              <a:spcBef>
+                <a:spcPts val="0"/>
+              </a:spcBef>
+              <a:buFont typeface="Arial" panose="020B0604020202020204" pitchFamily="34" charset="0"/>
               <a:buNone/>
             </a:pPr>
             <a:endParaRPr lang="en-US" sz="1000" dirty="0">
-              <a:solidFill>
-                <a:srgbClr val="3D3D4E"/>
-              </a:solidFill>
-              <a:latin typeface="Century Gothic" panose="020B0502020202020204" pitchFamily="34" charset="0"/>
-            </a:endParaRPr>
-          </a:p>
-          <a:p>
-            <a:pPr marL="0" indent="0">
-              <a:spcBef>
-                <a:spcPts val="0"/>
-              </a:spcBef>
+              <a:latin typeface="Century Gothic" panose="020B0502020202020204" pitchFamily="34" charset="0"/>
+            </a:endParaRPr>
+          </a:p>
+          <a:p>
+            <a:pPr marL="0" indent="0">
+              <a:spcBef>
+                <a:spcPts val="0"/>
+              </a:spcBef>
+              <a:buFont typeface="Arial" panose="020B0604020202020204" pitchFamily="34" charset="0"/>
+              <a:buNone/>
+            </a:pPr>
+            <a:r>
+              <a:rPr lang="en-US" sz="1000" dirty="0">
+                <a:latin typeface="Century Gothic" panose="020B0502020202020204" pitchFamily="34" charset="0"/>
+              </a:rPr>
+              <a:t>Q: Are clients allowed to cache open handles?</a:t>
+            </a:r>
+          </a:p>
+          <a:p>
+            <a:pPr marL="0" indent="0">
+              <a:spcBef>
+                <a:spcPts val="0"/>
+              </a:spcBef>
+              <a:buFont typeface="Arial" panose="020B0604020202020204" pitchFamily="34" charset="0"/>
               <a:buNone/>
             </a:pPr>
             <a:endParaRPr lang="en-US" sz="1000" dirty="0">
-              <a:solidFill>
-                <a:srgbClr val="3D3D4E"/>
-              </a:solidFill>
-              <a:latin typeface="Century Gothic" panose="020B0502020202020204" pitchFamily="34" charset="0"/>
-            </a:endParaRPr>
-          </a:p>
-          <a:p>
-            <a:pPr marL="0" indent="0">
-              <a:spcBef>
-                <a:spcPts val="0"/>
-              </a:spcBef>
-              <a:buNone/>
-            </a:pPr>
-            <a:r>
-              <a:rPr lang="en-US" sz="1000" dirty="0">
-                <a:solidFill>
-                  <a:srgbClr val="3D3D4E"/>
-                </a:solidFill>
-                <a:latin typeface="Century Gothic" panose="020B0502020202020204" pitchFamily="34" charset="0"/>
-              </a:rPr>
-              <a:t> </a:t>
-            </a:r>
-          </a:p>
-          <a:p>
-            <a:pPr marL="0" indent="0">
-              <a:spcBef>
-                <a:spcPts val="0"/>
-              </a:spcBef>
-              <a:buNone/>
-            </a:pPr>
-            <a:endParaRPr lang="en-US" sz="1000" dirty="0">
-              <a:solidFill>
-                <a:srgbClr val="3D3D4E"/>
-              </a:solidFill>
-              <a:latin typeface="Century Gothic" panose="020B0502020202020204" pitchFamily="34" charset="0"/>
-            </a:endParaRPr>
-          </a:p>
-          <a:p>
-            <a:pPr marL="0" indent="0">
-              <a:spcBef>
-                <a:spcPts val="0"/>
-              </a:spcBef>
-              <a:buNone/>
-            </a:pPr>
-            <a:endParaRPr lang="en-US" sz="1000" dirty="0">
-              <a:solidFill>
-                <a:srgbClr val="3D3D4E"/>
-              </a:solidFill>
-              <a:latin typeface="Century Gothic" panose="020B0502020202020204" pitchFamily="34" charset="0"/>
-            </a:endParaRPr>
-          </a:p>
-          <a:p>
-            <a:pPr marL="0" indent="0">
-              <a:spcBef>
-                <a:spcPts val="0"/>
-              </a:spcBef>
-              <a:buNone/>
-            </a:pPr>
-            <a:endParaRPr lang="en-US" sz="1000" dirty="0">
-              <a:solidFill>
-                <a:srgbClr val="3D3D4E"/>
-              </a:solidFill>
-              <a:latin typeface="Century Gothic" panose="020B0502020202020204" pitchFamily="34" charset="0"/>
-            </a:endParaRPr>
-          </a:p>
-          <a:p>
-            <a:pPr marL="0" indent="0">
-              <a:spcBef>
-                <a:spcPts val="0"/>
-              </a:spcBef>
-              <a:buNone/>
-            </a:pPr>
-            <a:endParaRPr lang="en-US" sz="1000" dirty="0">
-              <a:solidFill>
-                <a:srgbClr val="3D3D4E"/>
-              </a:solidFill>
-              <a:latin typeface="Century Gothic" panose="020B0502020202020204" pitchFamily="34" charset="0"/>
-            </a:endParaRPr>
-          </a:p>
-          <a:p>
-            <a:pPr marL="0" indent="0">
-              <a:spcBef>
-                <a:spcPts val="0"/>
-              </a:spcBef>
-              <a:buNone/>
-            </a:pPr>
-            <a:r>
-              <a:rPr lang="en-US" sz="1400" b="1" dirty="0">
-                <a:latin typeface="Century Gothic" panose="020B0502020202020204" pitchFamily="34" charset="0"/>
-              </a:rPr>
-              <a:t>Backup</a:t>
-            </a:r>
-          </a:p>
-          <a:p>
-            <a:pPr marL="0" indent="0">
-              <a:spcBef>
-                <a:spcPts val="0"/>
-              </a:spcBef>
-              <a:buNone/>
-            </a:pPr>
-            <a:endParaRPr lang="en-US" sz="1000" dirty="0">
-              <a:solidFill>
-                <a:srgbClr val="3D3D4E"/>
-              </a:solidFill>
-              <a:latin typeface="Century Gothic" panose="020B0502020202020204" pitchFamily="34" charset="0"/>
-            </a:endParaRPr>
-          </a:p>
-          <a:p>
-            <a:pPr marL="0" indent="0">
-              <a:spcBef>
-                <a:spcPts val="0"/>
-              </a:spcBef>
-              <a:buFont typeface="Arial" panose="020B0604020202020204" pitchFamily="34" charset="0"/>
-              <a:buNone/>
-            </a:pPr>
-            <a:r>
-              <a:rPr lang="en-US" sz="1000" dirty="0">
-                <a:solidFill>
-                  <a:srgbClr val="3D3D4E"/>
-                </a:solidFill>
-                <a:latin typeface="Century Gothic" panose="020B0502020202020204" pitchFamily="34" charset="0"/>
-              </a:rPr>
-              <a:t>Why backup is important?</a:t>
-            </a:r>
-          </a:p>
-          <a:p>
-            <a:pPr>
-              <a:spcBef>
-                <a:spcPts val="0"/>
-              </a:spcBef>
-              <a:buFontTx/>
-              <a:buChar char="-"/>
-            </a:pPr>
-            <a:r>
-              <a:rPr lang="en-US" sz="1000" dirty="0">
-                <a:solidFill>
-                  <a:srgbClr val="3D3D4E"/>
-                </a:solidFill>
-                <a:latin typeface="Century Gothic" panose="020B0502020202020204" pitchFamily="34" charset="0"/>
-              </a:rPr>
-              <a:t>To Support the recovery, incase of failure.</a:t>
-            </a:r>
-          </a:p>
-          <a:p>
-            <a:pPr marL="0" indent="0">
-              <a:spcBef>
-                <a:spcPts val="0"/>
-              </a:spcBef>
-              <a:buNone/>
-            </a:pPr>
-            <a:endParaRPr lang="en-US" sz="1000" dirty="0">
-              <a:solidFill>
-                <a:srgbClr val="3D3D4E"/>
-              </a:solidFill>
-              <a:latin typeface="Century Gothic" panose="020B0502020202020204" pitchFamily="34" charset="0"/>
-            </a:endParaRPr>
-          </a:p>
-          <a:p>
-            <a:pPr marL="0" indent="0">
-              <a:spcBef>
-                <a:spcPts val="0"/>
-              </a:spcBef>
-              <a:buNone/>
-            </a:pPr>
-            <a:r>
-              <a:rPr lang="en-US" sz="1000" dirty="0">
-                <a:solidFill>
-                  <a:srgbClr val="3D3D4E"/>
-                </a:solidFill>
-                <a:latin typeface="Century Gothic" panose="020B0502020202020204" pitchFamily="34" charset="0"/>
-              </a:rPr>
-              <a:t>Approach of backup in Chubby?</a:t>
-            </a:r>
-          </a:p>
-          <a:p>
-            <a:pPr marL="0" indent="0">
-              <a:spcBef>
-                <a:spcPts val="0"/>
-              </a:spcBef>
-              <a:buNone/>
-            </a:pPr>
-            <a:endParaRPr lang="en-US" sz="1000" dirty="0">
-              <a:solidFill>
-                <a:srgbClr val="3D3D4E"/>
-              </a:solidFill>
-              <a:latin typeface="Century Gothic" panose="020B0502020202020204" pitchFamily="34" charset="0"/>
-            </a:endParaRPr>
-          </a:p>
-          <a:p>
-            <a:pPr marL="0" indent="0">
-              <a:spcBef>
-                <a:spcPts val="0"/>
-              </a:spcBef>
-              <a:buNone/>
-            </a:pPr>
-            <a:r>
-              <a:rPr lang="en-US" sz="1000" dirty="0">
-                <a:solidFill>
-                  <a:srgbClr val="3D3D4E"/>
-                </a:solidFill>
-                <a:latin typeface="Century Gothic" panose="020B0502020202020204" pitchFamily="34" charset="0"/>
-              </a:rPr>
-              <a:t>All database transactions are stored in a transaction log (a write-ahead log). </a:t>
-            </a:r>
-          </a:p>
-          <a:p>
-            <a:pPr marL="0" indent="0">
-              <a:spcBef>
-                <a:spcPts val="0"/>
-              </a:spcBef>
-              <a:buNone/>
-            </a:pPr>
-            <a:r>
-              <a:rPr lang="en-US" sz="1000" dirty="0">
-                <a:solidFill>
-                  <a:srgbClr val="3D3D4E"/>
-                </a:solidFill>
-                <a:latin typeface="Century Gothic" panose="020B0502020202020204" pitchFamily="34" charset="0"/>
-              </a:rPr>
-              <a:t>If you keep appending the log than this log himself become unmanageable in size, so this approach won’t work. </a:t>
-            </a:r>
-          </a:p>
-          <a:p>
-            <a:pPr marL="0" indent="0">
-              <a:spcBef>
-                <a:spcPts val="0"/>
-              </a:spcBef>
-              <a:buNone/>
-            </a:pPr>
-            <a:endParaRPr lang="en-US" sz="1000" dirty="0">
-              <a:solidFill>
-                <a:srgbClr val="3D3D4E"/>
-              </a:solidFill>
-              <a:latin typeface="Century Gothic" panose="020B0502020202020204" pitchFamily="34" charset="0"/>
-            </a:endParaRPr>
-          </a:p>
-          <a:p>
-            <a:pPr marL="0" indent="0">
-              <a:spcBef>
-                <a:spcPts val="0"/>
-              </a:spcBef>
-              <a:buFont typeface="Arial" panose="020B0604020202020204" pitchFamily="34" charset="0"/>
-              <a:buNone/>
-            </a:pPr>
-            <a:endParaRPr lang="en-US" sz="1000" dirty="0">
-              <a:solidFill>
-                <a:srgbClr val="3D3D4E"/>
-              </a:solidFill>
-              <a:latin typeface="Century Gothic" panose="020B0502020202020204" pitchFamily="34" charset="0"/>
-            </a:endParaRPr>
+              <a:latin typeface="Century Gothic" panose="020B0502020202020204" pitchFamily="34" charset="0"/>
+            </a:endParaRPr>
+          </a:p>
+          <a:p>
+            <a:pPr marL="0" indent="0">
+              <a:spcBef>
+                <a:spcPts val="0"/>
+              </a:spcBef>
+              <a:buFont typeface="Arial" panose="020B0604020202020204" pitchFamily="34" charset="0"/>
+              <a:buNone/>
+            </a:pPr>
+            <a:r>
+              <a:rPr lang="en-US" sz="1000" dirty="0">
+                <a:latin typeface="Century Gothic" panose="020B0502020202020204" pitchFamily="34" charset="0"/>
+              </a:rPr>
+              <a:t>Ans: </a:t>
+            </a:r>
+            <a:r>
+              <a:rPr lang="en-US" sz="1000" b="1" dirty="0">
+                <a:latin typeface="Century Gothic" panose="020B0502020202020204" pitchFamily="34" charset="0"/>
+              </a:rPr>
+              <a:t>Yes</a:t>
+            </a:r>
+            <a:r>
+              <a:rPr lang="en-US" sz="1000" dirty="0">
+                <a:latin typeface="Century Gothic" panose="020B0502020202020204" pitchFamily="34" charset="0"/>
+              </a:rPr>
+              <a:t>, Chubby allows its clients to cache open handles. This way, if a client tries to open a file it has opened previously, only the first open() call goes to the master.</a:t>
+            </a:r>
           </a:p>
         </p:txBody>
       </p:sp>
@@ -10847,6 +10678,981 @@
           </a:p>
         </p:txBody>
       </p:sp>
+      <p:pic>
+        <p:nvPicPr>
+          <p:cNvPr id="5" name="Picture 4">
+            <a:extLst>
+              <a:ext uri="{FF2B5EF4-FFF2-40B4-BE49-F238E27FC236}">
+                <a16:creationId xmlns:a16="http://schemas.microsoft.com/office/drawing/2014/main" id="{BEFC016E-C4BF-46F9-998D-194866AE5934}"/>
+              </a:ext>
+            </a:extLst>
+          </p:cNvPr>
+          <p:cNvPicPr>
+            <a:picLocks noChangeAspect="1"/>
+          </p:cNvPicPr>
+          <p:nvPr/>
+        </p:nvPicPr>
+        <p:blipFill>
+          <a:blip r:embed="rId2"/>
+          <a:stretch>
+            <a:fillRect/>
+          </a:stretch>
+        </p:blipFill>
+        <p:spPr>
+          <a:xfrm>
+            <a:off x="6941228" y="1720865"/>
+            <a:ext cx="5057600" cy="3806795"/>
+          </a:xfrm>
+          <a:prstGeom prst="rect">
+            <a:avLst/>
+          </a:prstGeom>
+        </p:spPr>
+      </p:pic>
+    </p:spTree>
+    <p:extLst>
+      <p:ext uri="{BB962C8B-B14F-4D97-AF65-F5344CB8AC3E}">
+        <p14:creationId xmlns:p14="http://schemas.microsoft.com/office/powerpoint/2010/main" val="3984601910"/>
+      </p:ext>
+    </p:extLst>
+  </p:cSld>
+  <p:clrMapOvr>
+    <a:masterClrMapping/>
+  </p:clrMapOvr>
+</p:sld>
+</file>
+
+<file path=ppt/slides/slide17.xml><?xml version="1.0" encoding="utf-8"?>
+<p:sld xmlns:a="http://schemas.openxmlformats.org/drawingml/2006/main" xmlns:r="http://schemas.openxmlformats.org/officeDocument/2006/relationships" xmlns:p="http://schemas.openxmlformats.org/presentationml/2006/main">
+  <p:cSld>
+    <p:spTree>
+      <p:nvGrpSpPr>
+        <p:cNvPr id="1" name=""/>
+        <p:cNvGrpSpPr/>
+        <p:nvPr/>
+      </p:nvGrpSpPr>
+      <p:grpSpPr>
+        <a:xfrm>
+          <a:off x="0" y="0"/>
+          <a:ext cx="0" cy="0"/>
+          <a:chOff x="0" y="0"/>
+          <a:chExt cx="0" cy="0"/>
+        </a:xfrm>
+      </p:grpSpPr>
+      <p:sp>
+        <p:nvSpPr>
+          <p:cNvPr id="6" name="Rectangle 5">
+            <a:extLst>
+              <a:ext uri="{FF2B5EF4-FFF2-40B4-BE49-F238E27FC236}">
+                <a16:creationId xmlns:a16="http://schemas.microsoft.com/office/drawing/2014/main" id="{23D9A284-E705-4058-BC97-E411758071E2}"/>
+              </a:ext>
+            </a:extLst>
+          </p:cNvPr>
+          <p:cNvSpPr/>
+          <p:nvPr/>
+        </p:nvSpPr>
+        <p:spPr>
+          <a:xfrm>
+            <a:off x="0" y="0"/>
+            <a:ext cx="12192000" cy="623843"/>
+          </a:xfrm>
+          <a:prstGeom prst="rect">
+            <a:avLst/>
+          </a:prstGeom>
+        </p:spPr>
+        <p:style>
+          <a:lnRef idx="2">
+            <a:schemeClr val="accent1">
+              <a:shade val="50000"/>
+            </a:schemeClr>
+          </a:lnRef>
+          <a:fillRef idx="1">
+            <a:schemeClr val="accent1"/>
+          </a:fillRef>
+          <a:effectRef idx="0">
+            <a:schemeClr val="accent1"/>
+          </a:effectRef>
+          <a:fontRef idx="minor">
+            <a:schemeClr val="lt1"/>
+          </a:fontRef>
+        </p:style>
+        <p:txBody>
+          <a:bodyPr rtlCol="0" anchor="ctr"/>
+          <a:lstStyle/>
+          <a:p>
+            <a:pPr algn="ctr"/>
+            <a:r>
+              <a:rPr lang="en-IN" b="1" dirty="0">
+                <a:latin typeface="Nunito Sans" pitchFamily="2" charset="0"/>
+              </a:rPr>
+              <a:t>Chubby Working : Database</a:t>
+            </a:r>
+          </a:p>
+        </p:txBody>
+      </p:sp>
+      <p:sp>
+        <p:nvSpPr>
+          <p:cNvPr id="9" name="Content Placeholder 7">
+            <a:extLst>
+              <a:ext uri="{FF2B5EF4-FFF2-40B4-BE49-F238E27FC236}">
+                <a16:creationId xmlns:a16="http://schemas.microsoft.com/office/drawing/2014/main" id="{A5D67D54-6D66-4C14-8EAC-A9B924086C06}"/>
+              </a:ext>
+            </a:extLst>
+          </p:cNvPr>
+          <p:cNvSpPr txBox="1">
+            <a:spLocks/>
+          </p:cNvSpPr>
+          <p:nvPr/>
+        </p:nvSpPr>
+        <p:spPr>
+          <a:xfrm>
+            <a:off x="327837" y="733425"/>
+            <a:ext cx="6243879" cy="5781675"/>
+          </a:xfrm>
+          <a:prstGeom prst="rect">
+            <a:avLst/>
+          </a:prstGeom>
+        </p:spPr>
+        <p:txBody>
+          <a:bodyPr vert="horz" lIns="91440" tIns="45720" rIns="91440" bIns="45720" rtlCol="0">
+            <a:normAutofit lnSpcReduction="10000"/>
+          </a:bodyPr>
+          <a:lstStyle>
+            <a:lvl1pPr marL="228600" indent="-228600" algn="l" defTabSz="914400" rtl="0" eaLnBrk="1" latinLnBrk="0" hangingPunct="1">
+              <a:lnSpc>
+                <a:spcPct val="90000"/>
+              </a:lnSpc>
+              <a:spcBef>
+                <a:spcPts val="1000"/>
+              </a:spcBef>
+              <a:buFont typeface="Arial" panose="020B0604020202020204" pitchFamily="34" charset="0"/>
+              <a:buChar char="•"/>
+              <a:defRPr sz="2800" kern="1200">
+                <a:solidFill>
+                  <a:schemeClr val="tx1"/>
+                </a:solidFill>
+                <a:latin typeface="+mn-lt"/>
+                <a:ea typeface="+mn-ea"/>
+                <a:cs typeface="+mn-cs"/>
+              </a:defRPr>
+            </a:lvl1pPr>
+            <a:lvl2pPr marL="685800" indent="-228600" algn="l" defTabSz="914400" rtl="0" eaLnBrk="1" latinLnBrk="0" hangingPunct="1">
+              <a:lnSpc>
+                <a:spcPct val="90000"/>
+              </a:lnSpc>
+              <a:spcBef>
+                <a:spcPts val="500"/>
+              </a:spcBef>
+              <a:buFont typeface="Arial" panose="020B0604020202020204" pitchFamily="34" charset="0"/>
+              <a:buChar char="•"/>
+              <a:defRPr sz="2400" kern="1200">
+                <a:solidFill>
+                  <a:schemeClr val="tx1"/>
+                </a:solidFill>
+                <a:latin typeface="+mn-lt"/>
+                <a:ea typeface="+mn-ea"/>
+                <a:cs typeface="+mn-cs"/>
+              </a:defRPr>
+            </a:lvl2pPr>
+            <a:lvl3pPr marL="1143000" indent="-228600" algn="l" defTabSz="914400" rtl="0" eaLnBrk="1" latinLnBrk="0" hangingPunct="1">
+              <a:lnSpc>
+                <a:spcPct val="90000"/>
+              </a:lnSpc>
+              <a:spcBef>
+                <a:spcPts val="500"/>
+              </a:spcBef>
+              <a:buFont typeface="Arial" panose="020B0604020202020204" pitchFamily="34" charset="0"/>
+              <a:buChar char="•"/>
+              <a:defRPr sz="2000" kern="1200">
+                <a:solidFill>
+                  <a:schemeClr val="tx1"/>
+                </a:solidFill>
+                <a:latin typeface="+mn-lt"/>
+                <a:ea typeface="+mn-ea"/>
+                <a:cs typeface="+mn-cs"/>
+              </a:defRPr>
+            </a:lvl3pPr>
+            <a:lvl4pPr marL="1600200" indent="-228600" algn="l" defTabSz="914400" rtl="0" eaLnBrk="1" latinLnBrk="0" hangingPunct="1">
+              <a:lnSpc>
+                <a:spcPct val="90000"/>
+              </a:lnSpc>
+              <a:spcBef>
+                <a:spcPts val="500"/>
+              </a:spcBef>
+              <a:buFont typeface="Arial" panose="020B0604020202020204" pitchFamily="34" charset="0"/>
+              <a:buChar char="•"/>
+              <a:defRPr sz="1800" kern="1200">
+                <a:solidFill>
+                  <a:schemeClr val="tx1"/>
+                </a:solidFill>
+                <a:latin typeface="+mn-lt"/>
+                <a:ea typeface="+mn-ea"/>
+                <a:cs typeface="+mn-cs"/>
+              </a:defRPr>
+            </a:lvl4pPr>
+            <a:lvl5pPr marL="2057400" indent="-228600" algn="l" defTabSz="914400" rtl="0" eaLnBrk="1" latinLnBrk="0" hangingPunct="1">
+              <a:lnSpc>
+                <a:spcPct val="90000"/>
+              </a:lnSpc>
+              <a:spcBef>
+                <a:spcPts val="500"/>
+              </a:spcBef>
+              <a:buFont typeface="Arial" panose="020B0604020202020204" pitchFamily="34" charset="0"/>
+              <a:buChar char="•"/>
+              <a:defRPr sz="1800" kern="1200">
+                <a:solidFill>
+                  <a:schemeClr val="tx1"/>
+                </a:solidFill>
+                <a:latin typeface="+mn-lt"/>
+                <a:ea typeface="+mn-ea"/>
+                <a:cs typeface="+mn-cs"/>
+              </a:defRPr>
+            </a:lvl5pPr>
+            <a:lvl6pPr marL="2514600" indent="-228600" algn="l" defTabSz="914400" rtl="0" eaLnBrk="1" latinLnBrk="0" hangingPunct="1">
+              <a:lnSpc>
+                <a:spcPct val="90000"/>
+              </a:lnSpc>
+              <a:spcBef>
+                <a:spcPts val="500"/>
+              </a:spcBef>
+              <a:buFont typeface="Arial" panose="020B0604020202020204" pitchFamily="34" charset="0"/>
+              <a:buChar char="•"/>
+              <a:defRPr sz="1800" kern="1200">
+                <a:solidFill>
+                  <a:schemeClr val="tx1"/>
+                </a:solidFill>
+                <a:latin typeface="+mn-lt"/>
+                <a:ea typeface="+mn-ea"/>
+                <a:cs typeface="+mn-cs"/>
+              </a:defRPr>
+            </a:lvl6pPr>
+            <a:lvl7pPr marL="2971800" indent="-228600" algn="l" defTabSz="914400" rtl="0" eaLnBrk="1" latinLnBrk="0" hangingPunct="1">
+              <a:lnSpc>
+                <a:spcPct val="90000"/>
+              </a:lnSpc>
+              <a:spcBef>
+                <a:spcPts val="500"/>
+              </a:spcBef>
+              <a:buFont typeface="Arial" panose="020B0604020202020204" pitchFamily="34" charset="0"/>
+              <a:buChar char="•"/>
+              <a:defRPr sz="1800" kern="1200">
+                <a:solidFill>
+                  <a:schemeClr val="tx1"/>
+                </a:solidFill>
+                <a:latin typeface="+mn-lt"/>
+                <a:ea typeface="+mn-ea"/>
+                <a:cs typeface="+mn-cs"/>
+              </a:defRPr>
+            </a:lvl7pPr>
+            <a:lvl8pPr marL="3429000" indent="-228600" algn="l" defTabSz="914400" rtl="0" eaLnBrk="1" latinLnBrk="0" hangingPunct="1">
+              <a:lnSpc>
+                <a:spcPct val="90000"/>
+              </a:lnSpc>
+              <a:spcBef>
+                <a:spcPts val="500"/>
+              </a:spcBef>
+              <a:buFont typeface="Arial" panose="020B0604020202020204" pitchFamily="34" charset="0"/>
+              <a:buChar char="•"/>
+              <a:defRPr sz="1800" kern="1200">
+                <a:solidFill>
+                  <a:schemeClr val="tx1"/>
+                </a:solidFill>
+                <a:latin typeface="+mn-lt"/>
+                <a:ea typeface="+mn-ea"/>
+                <a:cs typeface="+mn-cs"/>
+              </a:defRPr>
+            </a:lvl8pPr>
+            <a:lvl9pPr marL="3886200" indent="-228600" algn="l" defTabSz="914400" rtl="0" eaLnBrk="1" latinLnBrk="0" hangingPunct="1">
+              <a:lnSpc>
+                <a:spcPct val="90000"/>
+              </a:lnSpc>
+              <a:spcBef>
+                <a:spcPts val="500"/>
+              </a:spcBef>
+              <a:buFont typeface="Arial" panose="020B0604020202020204" pitchFamily="34" charset="0"/>
+              <a:buChar char="•"/>
+              <a:defRPr sz="1800" kern="1200">
+                <a:solidFill>
+                  <a:schemeClr val="tx1"/>
+                </a:solidFill>
+                <a:latin typeface="+mn-lt"/>
+                <a:ea typeface="+mn-ea"/>
+                <a:cs typeface="+mn-cs"/>
+              </a:defRPr>
+            </a:lvl9pPr>
+          </a:lstStyle>
+          <a:p>
+            <a:pPr marL="0" indent="0">
+              <a:buFont typeface="Arial" panose="020B0604020202020204" pitchFamily="34" charset="0"/>
+              <a:buNone/>
+            </a:pPr>
+            <a:endParaRPr lang="en-US" sz="1000" b="1" dirty="0">
+              <a:solidFill>
+                <a:srgbClr val="3D3D4E"/>
+              </a:solidFill>
+              <a:latin typeface="Century Gothic" panose="020B0502020202020204" pitchFamily="34" charset="0"/>
+            </a:endParaRPr>
+          </a:p>
+          <a:p>
+            <a:pPr marL="0" indent="0">
+              <a:spcBef>
+                <a:spcPts val="0"/>
+              </a:spcBef>
+              <a:buFont typeface="Arial" panose="020B0604020202020204" pitchFamily="34" charset="0"/>
+              <a:buNone/>
+            </a:pPr>
+            <a:r>
+              <a:rPr lang="en-US" sz="1400" b="1" dirty="0">
+                <a:latin typeface="Century Gothic" panose="020B0502020202020204" pitchFamily="34" charset="0"/>
+              </a:rPr>
+              <a:t>How Chubby using database?</a:t>
+            </a:r>
+          </a:p>
+          <a:p>
+            <a:pPr marL="0" indent="0">
+              <a:spcBef>
+                <a:spcPts val="0"/>
+              </a:spcBef>
+              <a:buFont typeface="Arial" panose="020B0604020202020204" pitchFamily="34" charset="0"/>
+              <a:buNone/>
+            </a:pPr>
+            <a:endParaRPr lang="en-US" sz="1100" b="1" dirty="0">
+              <a:solidFill>
+                <a:srgbClr val="3D3D4E"/>
+              </a:solidFill>
+              <a:latin typeface="Century Gothic" panose="020B0502020202020204" pitchFamily="34" charset="0"/>
+            </a:endParaRPr>
+          </a:p>
+          <a:p>
+            <a:pPr marL="0" indent="0">
+              <a:spcBef>
+                <a:spcPts val="0"/>
+              </a:spcBef>
+              <a:buFont typeface="Arial" panose="020B0604020202020204" pitchFamily="34" charset="0"/>
+              <a:buNone/>
+            </a:pPr>
+            <a:r>
+              <a:rPr lang="en-US" sz="1000" dirty="0">
+                <a:solidFill>
+                  <a:srgbClr val="3D3D4E"/>
+                </a:solidFill>
+                <a:latin typeface="Century Gothic" panose="020B0502020202020204" pitchFamily="34" charset="0"/>
+              </a:rPr>
+              <a:t>Chubby usage database for storage.</a:t>
+            </a:r>
+          </a:p>
+          <a:p>
+            <a:pPr marL="0" indent="0">
+              <a:spcBef>
+                <a:spcPts val="0"/>
+              </a:spcBef>
+              <a:buFont typeface="Arial" panose="020B0604020202020204" pitchFamily="34" charset="0"/>
+              <a:buNone/>
+            </a:pPr>
+            <a:endParaRPr lang="en-US" sz="1000" dirty="0">
+              <a:solidFill>
+                <a:srgbClr val="3D3D4E"/>
+              </a:solidFill>
+              <a:latin typeface="Century Gothic" panose="020B0502020202020204" pitchFamily="34" charset="0"/>
+            </a:endParaRPr>
+          </a:p>
+          <a:p>
+            <a:pPr marL="0" indent="0">
+              <a:spcBef>
+                <a:spcPts val="0"/>
+              </a:spcBef>
+              <a:buFont typeface="Arial" panose="020B0604020202020204" pitchFamily="34" charset="0"/>
+              <a:buNone/>
+            </a:pPr>
+            <a:r>
+              <a:rPr lang="en-US" sz="1000" dirty="0">
+                <a:solidFill>
+                  <a:srgbClr val="3D3D4E"/>
+                </a:solidFill>
+                <a:latin typeface="Century Gothic" panose="020B0502020202020204" pitchFamily="34" charset="0"/>
+              </a:rPr>
+              <a:t>In initial days of chubby implementation, for database , inventor used Berkley DB and replicated it for better Fault tolerance.</a:t>
+            </a:r>
+          </a:p>
+          <a:p>
+            <a:pPr marL="0" indent="0">
+              <a:spcBef>
+                <a:spcPts val="0"/>
+              </a:spcBef>
+              <a:buFont typeface="Arial" panose="020B0604020202020204" pitchFamily="34" charset="0"/>
+              <a:buNone/>
+            </a:pPr>
+            <a:endParaRPr lang="en-US" sz="1000" dirty="0">
+              <a:solidFill>
+                <a:srgbClr val="3D3D4E"/>
+              </a:solidFill>
+              <a:latin typeface="Century Gothic" panose="020B0502020202020204" pitchFamily="34" charset="0"/>
+            </a:endParaRPr>
+          </a:p>
+          <a:p>
+            <a:pPr marL="0" indent="0">
+              <a:spcBef>
+                <a:spcPts val="0"/>
+              </a:spcBef>
+              <a:buFont typeface="Arial" panose="020B0604020202020204" pitchFamily="34" charset="0"/>
+              <a:buNone/>
+            </a:pPr>
+            <a:r>
+              <a:rPr lang="en-US" sz="1000" dirty="0">
+                <a:solidFill>
+                  <a:srgbClr val="3D3D4E"/>
+                </a:solidFill>
+                <a:latin typeface="Century Gothic" panose="020B0502020202020204" pitchFamily="34" charset="0"/>
+              </a:rPr>
+              <a:t>But later they can know that Berkley db. is not enough for risk mitigation, and so they decided to build their own database.</a:t>
+            </a:r>
+          </a:p>
+          <a:p>
+            <a:pPr marL="0" indent="0">
+              <a:spcBef>
+                <a:spcPts val="0"/>
+              </a:spcBef>
+              <a:buFont typeface="Arial" panose="020B0604020202020204" pitchFamily="34" charset="0"/>
+              <a:buNone/>
+            </a:pPr>
+            <a:endParaRPr lang="en-US" sz="1000" dirty="0">
+              <a:solidFill>
+                <a:srgbClr val="3D3D4E"/>
+              </a:solidFill>
+              <a:latin typeface="Century Gothic" panose="020B0502020202020204" pitchFamily="34" charset="0"/>
+            </a:endParaRPr>
+          </a:p>
+          <a:p>
+            <a:pPr marL="0" indent="0">
+              <a:spcBef>
+                <a:spcPts val="0"/>
+              </a:spcBef>
+              <a:buFont typeface="Arial" panose="020B0604020202020204" pitchFamily="34" charset="0"/>
+              <a:buNone/>
+            </a:pPr>
+            <a:r>
+              <a:rPr lang="en-US" sz="1000" dirty="0">
+                <a:solidFill>
+                  <a:srgbClr val="3D3D4E"/>
+                </a:solidFill>
+                <a:latin typeface="Century Gothic" panose="020B0502020202020204" pitchFamily="34" charset="0"/>
+              </a:rPr>
+              <a:t>So, they implemented their own custom database for the following characteristics</a:t>
+            </a:r>
+          </a:p>
+          <a:p>
+            <a:pPr marL="0" indent="0">
+              <a:spcBef>
+                <a:spcPts val="0"/>
+              </a:spcBef>
+              <a:buFont typeface="Arial" panose="020B0604020202020204" pitchFamily="34" charset="0"/>
+              <a:buNone/>
+            </a:pPr>
+            <a:endParaRPr lang="en-US" sz="1000" dirty="0">
+              <a:solidFill>
+                <a:srgbClr val="3D3D4E"/>
+              </a:solidFill>
+              <a:latin typeface="Century Gothic" panose="020B0502020202020204" pitchFamily="34" charset="0"/>
+            </a:endParaRPr>
+          </a:p>
+          <a:p>
+            <a:pPr>
+              <a:spcBef>
+                <a:spcPts val="0"/>
+              </a:spcBef>
+              <a:buFont typeface="Wingdings" panose="05000000000000000000" pitchFamily="2" charset="2"/>
+              <a:buChar char="ü"/>
+            </a:pPr>
+            <a:r>
+              <a:rPr lang="en-US" sz="1000" dirty="0">
+                <a:solidFill>
+                  <a:srgbClr val="3D3D4E"/>
+                </a:solidFill>
+                <a:latin typeface="Century Gothic" panose="020B0502020202020204" pitchFamily="34" charset="0"/>
+              </a:rPr>
+              <a:t>Simple key-value pair database using write ahead logging &amp; snapshotting’s</a:t>
+            </a:r>
+          </a:p>
+          <a:p>
+            <a:pPr>
+              <a:spcBef>
+                <a:spcPts val="0"/>
+              </a:spcBef>
+              <a:buFont typeface="Wingdings" panose="05000000000000000000" pitchFamily="2" charset="2"/>
+              <a:buChar char="ü"/>
+            </a:pPr>
+            <a:r>
+              <a:rPr lang="en-US" sz="1000" dirty="0">
+                <a:solidFill>
+                  <a:srgbClr val="3D3D4E"/>
+                </a:solidFill>
+                <a:latin typeface="Century Gothic" panose="020B0502020202020204" pitchFamily="34" charset="0"/>
+              </a:rPr>
+              <a:t>Atomic operation only, no need of general transactional based database</a:t>
+            </a:r>
+          </a:p>
+          <a:p>
+            <a:pPr>
+              <a:spcBef>
+                <a:spcPts val="0"/>
+              </a:spcBef>
+              <a:buFont typeface="Wingdings" panose="05000000000000000000" pitchFamily="2" charset="2"/>
+              <a:buChar char="ü"/>
+            </a:pPr>
+            <a:r>
+              <a:rPr lang="en-US" sz="1000" dirty="0">
+                <a:solidFill>
+                  <a:srgbClr val="3D3D4E"/>
+                </a:solidFill>
+                <a:latin typeface="Century Gothic" panose="020B0502020202020204" pitchFamily="34" charset="0"/>
+              </a:rPr>
+              <a:t>Database log is distributed among replicas using Paxos</a:t>
+            </a:r>
+          </a:p>
+          <a:p>
+            <a:pPr marL="0" indent="0">
+              <a:spcBef>
+                <a:spcPts val="0"/>
+              </a:spcBef>
+              <a:buNone/>
+            </a:pPr>
+            <a:endParaRPr lang="en-US" sz="1000" dirty="0">
+              <a:solidFill>
+                <a:srgbClr val="3D3D4E"/>
+              </a:solidFill>
+              <a:latin typeface="Century Gothic" panose="020B0502020202020204" pitchFamily="34" charset="0"/>
+            </a:endParaRPr>
+          </a:p>
+          <a:p>
+            <a:pPr marL="0" indent="0">
+              <a:spcBef>
+                <a:spcPts val="0"/>
+              </a:spcBef>
+              <a:buNone/>
+            </a:pPr>
+            <a:r>
+              <a:rPr lang="en-US" sz="1000" dirty="0">
+                <a:solidFill>
+                  <a:srgbClr val="3D3D4E"/>
+                </a:solidFill>
+                <a:latin typeface="Century Gothic" panose="020B0502020202020204" pitchFamily="34" charset="0"/>
+              </a:rPr>
+              <a:t>So, </a:t>
+            </a:r>
+            <a:r>
+              <a:rPr lang="en-US" sz="1200" b="1" dirty="0">
+                <a:solidFill>
+                  <a:srgbClr val="7030A0"/>
+                </a:solidFill>
+                <a:latin typeface="Century Gothic" panose="020B0502020202020204" pitchFamily="34" charset="0"/>
+              </a:rPr>
+              <a:t>One key learning here is sometime being an architect or innovator also , you are not sure about your requirement in detail. Meaning you have idea but not much in specific to requirement level, even in that situation we must proceed further and change the component if they need to change for betterment of overall your system.</a:t>
+            </a:r>
+          </a:p>
+          <a:p>
+            <a:pPr marL="0" indent="0">
+              <a:spcBef>
+                <a:spcPts val="0"/>
+              </a:spcBef>
+              <a:buNone/>
+            </a:pPr>
+            <a:endParaRPr lang="en-US" sz="1000" dirty="0">
+              <a:solidFill>
+                <a:srgbClr val="3D3D4E"/>
+              </a:solidFill>
+              <a:latin typeface="Century Gothic" panose="020B0502020202020204" pitchFamily="34" charset="0"/>
+            </a:endParaRPr>
+          </a:p>
+          <a:p>
+            <a:pPr marL="0" indent="0">
+              <a:spcBef>
+                <a:spcPts val="0"/>
+              </a:spcBef>
+              <a:buNone/>
+            </a:pPr>
+            <a:endParaRPr lang="en-US" sz="1000" dirty="0">
+              <a:solidFill>
+                <a:srgbClr val="3D3D4E"/>
+              </a:solidFill>
+              <a:latin typeface="Century Gothic" panose="020B0502020202020204" pitchFamily="34" charset="0"/>
+            </a:endParaRPr>
+          </a:p>
+          <a:p>
+            <a:pPr marL="0" indent="0">
+              <a:spcBef>
+                <a:spcPts val="0"/>
+              </a:spcBef>
+              <a:buNone/>
+            </a:pPr>
+            <a:endParaRPr lang="en-US" sz="1000" dirty="0">
+              <a:solidFill>
+                <a:srgbClr val="3D3D4E"/>
+              </a:solidFill>
+              <a:latin typeface="Century Gothic" panose="020B0502020202020204" pitchFamily="34" charset="0"/>
+            </a:endParaRPr>
+          </a:p>
+          <a:p>
+            <a:pPr marL="0" indent="0">
+              <a:spcBef>
+                <a:spcPts val="0"/>
+              </a:spcBef>
+              <a:buNone/>
+            </a:pPr>
+            <a:r>
+              <a:rPr lang="en-US" sz="1000" dirty="0">
+                <a:solidFill>
+                  <a:srgbClr val="3D3D4E"/>
+                </a:solidFill>
+                <a:latin typeface="Century Gothic" panose="020B0502020202020204" pitchFamily="34" charset="0"/>
+              </a:rPr>
+              <a:t> </a:t>
+            </a:r>
+          </a:p>
+          <a:p>
+            <a:pPr marL="0" indent="0">
+              <a:spcBef>
+                <a:spcPts val="0"/>
+              </a:spcBef>
+              <a:buNone/>
+            </a:pPr>
+            <a:endParaRPr lang="en-US" sz="1000" dirty="0">
+              <a:solidFill>
+                <a:srgbClr val="3D3D4E"/>
+              </a:solidFill>
+              <a:latin typeface="Century Gothic" panose="020B0502020202020204" pitchFamily="34" charset="0"/>
+            </a:endParaRPr>
+          </a:p>
+          <a:p>
+            <a:pPr marL="0" indent="0">
+              <a:spcBef>
+                <a:spcPts val="0"/>
+              </a:spcBef>
+              <a:buNone/>
+            </a:pPr>
+            <a:endParaRPr lang="en-US" sz="1000" dirty="0">
+              <a:solidFill>
+                <a:srgbClr val="3D3D4E"/>
+              </a:solidFill>
+              <a:latin typeface="Century Gothic" panose="020B0502020202020204" pitchFamily="34" charset="0"/>
+            </a:endParaRPr>
+          </a:p>
+          <a:p>
+            <a:pPr marL="0" indent="0">
+              <a:spcBef>
+                <a:spcPts val="0"/>
+              </a:spcBef>
+              <a:buNone/>
+            </a:pPr>
+            <a:endParaRPr lang="en-US" sz="1000" dirty="0">
+              <a:solidFill>
+                <a:srgbClr val="3D3D4E"/>
+              </a:solidFill>
+              <a:latin typeface="Century Gothic" panose="020B0502020202020204" pitchFamily="34" charset="0"/>
+            </a:endParaRPr>
+          </a:p>
+          <a:p>
+            <a:pPr marL="0" indent="0">
+              <a:spcBef>
+                <a:spcPts val="0"/>
+              </a:spcBef>
+              <a:buNone/>
+            </a:pPr>
+            <a:endParaRPr lang="en-US" sz="1000" dirty="0">
+              <a:solidFill>
+                <a:srgbClr val="3D3D4E"/>
+              </a:solidFill>
+              <a:latin typeface="Century Gothic" panose="020B0502020202020204" pitchFamily="34" charset="0"/>
+            </a:endParaRPr>
+          </a:p>
+          <a:p>
+            <a:pPr marL="0" indent="0">
+              <a:spcBef>
+                <a:spcPts val="0"/>
+              </a:spcBef>
+              <a:buNone/>
+            </a:pPr>
+            <a:r>
+              <a:rPr lang="en-US" sz="1400" b="1" dirty="0">
+                <a:latin typeface="Century Gothic" panose="020B0502020202020204" pitchFamily="34" charset="0"/>
+              </a:rPr>
+              <a:t>Backup</a:t>
+            </a:r>
+          </a:p>
+          <a:p>
+            <a:pPr marL="0" indent="0">
+              <a:spcBef>
+                <a:spcPts val="0"/>
+              </a:spcBef>
+              <a:buNone/>
+            </a:pPr>
+            <a:endParaRPr lang="en-US" sz="1000" dirty="0">
+              <a:solidFill>
+                <a:srgbClr val="3D3D4E"/>
+              </a:solidFill>
+              <a:latin typeface="Century Gothic" panose="020B0502020202020204" pitchFamily="34" charset="0"/>
+            </a:endParaRPr>
+          </a:p>
+          <a:p>
+            <a:pPr marL="0" indent="0">
+              <a:spcBef>
+                <a:spcPts val="0"/>
+              </a:spcBef>
+              <a:buFont typeface="Arial" panose="020B0604020202020204" pitchFamily="34" charset="0"/>
+              <a:buNone/>
+            </a:pPr>
+            <a:r>
+              <a:rPr lang="en-US" sz="1000" dirty="0">
+                <a:solidFill>
+                  <a:srgbClr val="3D3D4E"/>
+                </a:solidFill>
+                <a:latin typeface="Century Gothic" panose="020B0502020202020204" pitchFamily="34" charset="0"/>
+              </a:rPr>
+              <a:t>Why backup is important?</a:t>
+            </a:r>
+          </a:p>
+          <a:p>
+            <a:pPr>
+              <a:spcBef>
+                <a:spcPts val="0"/>
+              </a:spcBef>
+              <a:buFontTx/>
+              <a:buChar char="-"/>
+            </a:pPr>
+            <a:r>
+              <a:rPr lang="en-US" sz="1000" dirty="0">
+                <a:solidFill>
+                  <a:srgbClr val="3D3D4E"/>
+                </a:solidFill>
+                <a:latin typeface="Century Gothic" panose="020B0502020202020204" pitchFamily="34" charset="0"/>
+              </a:rPr>
+              <a:t>To Support the recovery, incase of failure.</a:t>
+            </a:r>
+          </a:p>
+          <a:p>
+            <a:pPr marL="0" indent="0">
+              <a:spcBef>
+                <a:spcPts val="0"/>
+              </a:spcBef>
+              <a:buNone/>
+            </a:pPr>
+            <a:endParaRPr lang="en-US" sz="1000" dirty="0">
+              <a:solidFill>
+                <a:srgbClr val="3D3D4E"/>
+              </a:solidFill>
+              <a:latin typeface="Century Gothic" panose="020B0502020202020204" pitchFamily="34" charset="0"/>
+            </a:endParaRPr>
+          </a:p>
+          <a:p>
+            <a:pPr marL="0" indent="0">
+              <a:spcBef>
+                <a:spcPts val="0"/>
+              </a:spcBef>
+              <a:buNone/>
+            </a:pPr>
+            <a:r>
+              <a:rPr lang="en-US" sz="1000" dirty="0">
+                <a:solidFill>
+                  <a:srgbClr val="3D3D4E"/>
+                </a:solidFill>
+                <a:latin typeface="Century Gothic" panose="020B0502020202020204" pitchFamily="34" charset="0"/>
+              </a:rPr>
+              <a:t>Approach of backup in Chubby?</a:t>
+            </a:r>
+          </a:p>
+          <a:p>
+            <a:pPr marL="0" indent="0">
+              <a:spcBef>
+                <a:spcPts val="0"/>
+              </a:spcBef>
+              <a:buNone/>
+            </a:pPr>
+            <a:endParaRPr lang="en-US" sz="1000" dirty="0">
+              <a:solidFill>
+                <a:srgbClr val="3D3D4E"/>
+              </a:solidFill>
+              <a:latin typeface="Century Gothic" panose="020B0502020202020204" pitchFamily="34" charset="0"/>
+            </a:endParaRPr>
+          </a:p>
+          <a:p>
+            <a:pPr marL="0" indent="0">
+              <a:spcBef>
+                <a:spcPts val="0"/>
+              </a:spcBef>
+              <a:buNone/>
+            </a:pPr>
+            <a:r>
+              <a:rPr lang="en-US" sz="1000" dirty="0">
+                <a:solidFill>
+                  <a:srgbClr val="3D3D4E"/>
+                </a:solidFill>
+                <a:latin typeface="Century Gothic" panose="020B0502020202020204" pitchFamily="34" charset="0"/>
+              </a:rPr>
+              <a:t>All database transactions are stored in a transaction log (a write-ahead log). </a:t>
+            </a:r>
+          </a:p>
+          <a:p>
+            <a:pPr marL="0" indent="0">
+              <a:spcBef>
+                <a:spcPts val="0"/>
+              </a:spcBef>
+              <a:buNone/>
+            </a:pPr>
+            <a:r>
+              <a:rPr lang="en-US" sz="1000" dirty="0">
+                <a:solidFill>
+                  <a:srgbClr val="3D3D4E"/>
+                </a:solidFill>
+                <a:latin typeface="Century Gothic" panose="020B0502020202020204" pitchFamily="34" charset="0"/>
+              </a:rPr>
+              <a:t>If you keep appending the log than this log himself become unmanageable in size, so this approach won’t work. </a:t>
+            </a:r>
+          </a:p>
+          <a:p>
+            <a:pPr marL="0" indent="0">
+              <a:spcBef>
+                <a:spcPts val="0"/>
+              </a:spcBef>
+              <a:buNone/>
+            </a:pPr>
+            <a:endParaRPr lang="en-US" sz="1000" dirty="0">
+              <a:solidFill>
+                <a:srgbClr val="3D3D4E"/>
+              </a:solidFill>
+              <a:latin typeface="Century Gothic" panose="020B0502020202020204" pitchFamily="34" charset="0"/>
+            </a:endParaRPr>
+          </a:p>
+          <a:p>
+            <a:pPr marL="0" indent="0">
+              <a:spcBef>
+                <a:spcPts val="0"/>
+              </a:spcBef>
+              <a:buFont typeface="Arial" panose="020B0604020202020204" pitchFamily="34" charset="0"/>
+              <a:buNone/>
+            </a:pPr>
+            <a:endParaRPr lang="en-US" sz="1000" dirty="0">
+              <a:solidFill>
+                <a:srgbClr val="3D3D4E"/>
+              </a:solidFill>
+              <a:latin typeface="Century Gothic" panose="020B0502020202020204" pitchFamily="34" charset="0"/>
+            </a:endParaRPr>
+          </a:p>
+        </p:txBody>
+      </p:sp>
+      <p:sp>
+        <p:nvSpPr>
+          <p:cNvPr id="10" name="Rectangle 9">
+            <a:extLst>
+              <a:ext uri="{FF2B5EF4-FFF2-40B4-BE49-F238E27FC236}">
+                <a16:creationId xmlns:a16="http://schemas.microsoft.com/office/drawing/2014/main" id="{81D15821-669C-47AD-B7E7-5C8E9F36031B}"/>
+              </a:ext>
+            </a:extLst>
+          </p:cNvPr>
+          <p:cNvSpPr/>
+          <p:nvPr/>
+        </p:nvSpPr>
+        <p:spPr>
+          <a:xfrm>
+            <a:off x="285750" y="733425"/>
+            <a:ext cx="11753850" cy="5781675"/>
+          </a:xfrm>
+          <a:prstGeom prst="rect">
+            <a:avLst/>
+          </a:prstGeom>
+          <a:noFill/>
+          <a:ln w="9525" cap="flat" cmpd="sng" algn="ctr">
+            <a:solidFill>
+              <a:schemeClr val="accent3"/>
+            </a:solidFill>
+            <a:prstDash val="solid"/>
+            <a:round/>
+            <a:headEnd type="none" w="med" len="med"/>
+            <a:tailEnd type="none" w="med" len="med"/>
+          </a:ln>
+        </p:spPr>
+        <p:style>
+          <a:lnRef idx="0">
+            <a:scrgbClr r="0" g="0" b="0"/>
+          </a:lnRef>
+          <a:fillRef idx="0">
+            <a:scrgbClr r="0" g="0" b="0"/>
+          </a:fillRef>
+          <a:effectRef idx="0">
+            <a:scrgbClr r="0" g="0" b="0"/>
+          </a:effectRef>
+          <a:fontRef idx="minor">
+            <a:schemeClr val="accent3"/>
+          </a:fontRef>
+        </p:style>
+        <p:txBody>
+          <a:bodyPr rtlCol="0" anchor="ctr"/>
+          <a:lstStyle/>
+          <a:p>
+            <a:pPr algn="ctr"/>
+            <a:endParaRPr lang="en-IN"/>
+          </a:p>
+        </p:txBody>
+      </p:sp>
+      <p:sp>
+        <p:nvSpPr>
+          <p:cNvPr id="20" name="TextBox 19">
+            <a:extLst>
+              <a:ext uri="{FF2B5EF4-FFF2-40B4-BE49-F238E27FC236}">
+                <a16:creationId xmlns:a16="http://schemas.microsoft.com/office/drawing/2014/main" id="{B79C29E8-2342-4476-98A2-BFE868547644}"/>
+              </a:ext>
+            </a:extLst>
+          </p:cNvPr>
+          <p:cNvSpPr txBox="1"/>
+          <p:nvPr/>
+        </p:nvSpPr>
+        <p:spPr>
+          <a:xfrm>
+            <a:off x="6724080" y="6515100"/>
+            <a:ext cx="5334570" cy="261610"/>
+          </a:xfrm>
+          <a:prstGeom prst="rect">
+            <a:avLst/>
+          </a:prstGeom>
+          <a:noFill/>
+        </p:spPr>
+        <p:txBody>
+          <a:bodyPr wrap="square" rtlCol="0">
+            <a:spAutoFit/>
+          </a:bodyPr>
+          <a:lstStyle/>
+          <a:p>
+            <a:r>
+              <a:rPr lang="en-US" sz="1100" b="0" i="0" dirty="0">
+                <a:solidFill>
+                  <a:srgbClr val="BDC1C6"/>
+                </a:solidFill>
+                <a:effectLst/>
+                <a:latin typeface="arial" panose="020B0604020202020204" pitchFamily="34" charset="0"/>
+              </a:rPr>
+              <a:t>An ephemeral </a:t>
+            </a:r>
+            <a:r>
+              <a:rPr lang="en-US" sz="1100" b="1" i="0" dirty="0">
+                <a:solidFill>
+                  <a:srgbClr val="BDC1C6"/>
+                </a:solidFill>
+                <a:effectLst/>
+                <a:latin typeface="arial" panose="020B0604020202020204" pitchFamily="34" charset="0"/>
+              </a:rPr>
+              <a:t>node that will disappear when the session of its owner ends</a:t>
+            </a:r>
+            <a:r>
+              <a:rPr lang="en-US" sz="1100" b="0" i="0" dirty="0">
+                <a:solidFill>
+                  <a:srgbClr val="BDC1C6"/>
+                </a:solidFill>
+                <a:effectLst/>
+                <a:latin typeface="arial" panose="020B0604020202020204" pitchFamily="34" charset="0"/>
+              </a:rPr>
+              <a:t>.</a:t>
+            </a:r>
+            <a:endParaRPr lang="en-IN" sz="1100" dirty="0"/>
+          </a:p>
+        </p:txBody>
+      </p:sp>
       <p:sp>
         <p:nvSpPr>
           <p:cNvPr id="2" name="Rectangle 1">
@@ -11772,7 +12578,7 @@
 </p:sld>
 </file>
 
-<file path=ppt/slides/slide17.xml><?xml version="1.0" encoding="utf-8"?>
+<file path=ppt/slides/slide18.xml><?xml version="1.0" encoding="utf-8"?>
 <p:sld xmlns:a="http://schemas.openxmlformats.org/drawingml/2006/main" xmlns:r="http://schemas.openxmlformats.org/officeDocument/2006/relationships" xmlns:p="http://schemas.openxmlformats.org/presentationml/2006/main">
   <p:cSld>
     <p:spTree>
@@ -12678,7 +13484,7 @@
 </p:sld>
 </file>
 
-<file path=ppt/slides/slide18.xml><?xml version="1.0" encoding="utf-8"?>
+<file path=ppt/slides/slide19.xml><?xml version="1.0" encoding="utf-8"?>
 <p:sld xmlns:a="http://schemas.openxmlformats.org/drawingml/2006/main" xmlns:r="http://schemas.openxmlformats.org/officeDocument/2006/relationships" xmlns:p="http://schemas.openxmlformats.org/presentationml/2006/main">
   <p:cSld>
     <p:spTree>
@@ -12741,17 +13547,8 @@
               <a:rPr lang="en-IN" b="1" dirty="0">
                 <a:latin typeface="Nunito Sans" pitchFamily="2" charset="0"/>
               </a:rPr>
-              <a:t>Chubby Working </a:t>
-            </a:r>
-            <a:r>
-              <a:rPr lang="en-IN" b="1">
-                <a:latin typeface="Nunito Sans" pitchFamily="2" charset="0"/>
-              </a:rPr>
-              <a:t>: Learnings</a:t>
-            </a:r>
-            <a:endParaRPr lang="en-IN" b="1" dirty="0">
-              <a:latin typeface="Nunito Sans" pitchFamily="2" charset="0"/>
-            </a:endParaRPr>
+              <a:t>Chubby Working : Learnings</a:t>
+            </a:r>
           </a:p>
         </p:txBody>
       </p:sp>
@@ -14558,7 +15355,7 @@
           <a:graphicData uri="http://schemas.openxmlformats.org/presentationml/2006/ole">
             <mc:AlternateContent xmlns:mc="http://schemas.openxmlformats.org/markup-compatibility/2006">
               <mc:Choice xmlns:v="urn:schemas-microsoft-com:vml" Requires="v">
-                <p:oleObj spid="_x0000_s2195" name="Acrobat Document" showAsIcon="1" r:id="rId3" imgW="914400" imgH="771525" progId="Acrobat.Document.DC">
+                <p:oleObj spid="_x0000_s2210" name="Acrobat Document" showAsIcon="1" r:id="rId3" imgW="914400" imgH="771525" progId="Acrobat.Document.DC">
                   <p:embed/>
                 </p:oleObj>
               </mc:Choice>
@@ -14649,6 +15446,1108 @@
     <p:extLst>
       <p:ext uri="{BB962C8B-B14F-4D97-AF65-F5344CB8AC3E}">
         <p14:creationId xmlns:p14="http://schemas.microsoft.com/office/powerpoint/2010/main" val="2199079306"/>
+      </p:ext>
+    </p:extLst>
+  </p:cSld>
+  <p:clrMapOvr>
+    <a:masterClrMapping/>
+  </p:clrMapOvr>
+</p:sld>
+</file>
+
+<file path=ppt/slides/slide20.xml><?xml version="1.0" encoding="utf-8"?>
+<p:sld xmlns:a="http://schemas.openxmlformats.org/drawingml/2006/main" xmlns:r="http://schemas.openxmlformats.org/officeDocument/2006/relationships" xmlns:p="http://schemas.openxmlformats.org/presentationml/2006/main">
+  <p:cSld>
+    <p:spTree>
+      <p:nvGrpSpPr>
+        <p:cNvPr id="1" name=""/>
+        <p:cNvGrpSpPr/>
+        <p:nvPr/>
+      </p:nvGrpSpPr>
+      <p:grpSpPr>
+        <a:xfrm>
+          <a:off x="0" y="0"/>
+          <a:ext cx="0" cy="0"/>
+          <a:chOff x="0" y="0"/>
+          <a:chExt cx="0" cy="0"/>
+        </a:xfrm>
+      </p:grpSpPr>
+      <p:sp>
+        <p:nvSpPr>
+          <p:cNvPr id="6" name="Rectangle 5">
+            <a:extLst>
+              <a:ext uri="{FF2B5EF4-FFF2-40B4-BE49-F238E27FC236}">
+                <a16:creationId xmlns:a16="http://schemas.microsoft.com/office/drawing/2014/main" id="{23D9A284-E705-4058-BC97-E411758071E2}"/>
+              </a:ext>
+            </a:extLst>
+          </p:cNvPr>
+          <p:cNvSpPr/>
+          <p:nvPr/>
+        </p:nvSpPr>
+        <p:spPr>
+          <a:xfrm>
+            <a:off x="0" y="0"/>
+            <a:ext cx="12192000" cy="623843"/>
+          </a:xfrm>
+          <a:prstGeom prst="rect">
+            <a:avLst/>
+          </a:prstGeom>
+        </p:spPr>
+        <p:style>
+          <a:lnRef idx="2">
+            <a:schemeClr val="accent1">
+              <a:shade val="50000"/>
+            </a:schemeClr>
+          </a:lnRef>
+          <a:fillRef idx="1">
+            <a:schemeClr val="accent1"/>
+          </a:fillRef>
+          <a:effectRef idx="0">
+            <a:schemeClr val="accent1"/>
+          </a:effectRef>
+          <a:fontRef idx="minor">
+            <a:schemeClr val="lt1"/>
+          </a:fontRef>
+        </p:style>
+        <p:txBody>
+          <a:bodyPr rtlCol="0" anchor="ctr"/>
+          <a:lstStyle/>
+          <a:p>
+            <a:pPr algn="ctr"/>
+            <a:r>
+              <a:rPr lang="en-IN" b="1" dirty="0">
+                <a:latin typeface="Nunito Sans" pitchFamily="2" charset="0"/>
+              </a:rPr>
+              <a:t>Chubby Working : Summary</a:t>
+            </a:r>
+          </a:p>
+        </p:txBody>
+      </p:sp>
+      <p:sp>
+        <p:nvSpPr>
+          <p:cNvPr id="10" name="Rectangle 9">
+            <a:extLst>
+              <a:ext uri="{FF2B5EF4-FFF2-40B4-BE49-F238E27FC236}">
+                <a16:creationId xmlns:a16="http://schemas.microsoft.com/office/drawing/2014/main" id="{81D15821-669C-47AD-B7E7-5C8E9F36031B}"/>
+              </a:ext>
+            </a:extLst>
+          </p:cNvPr>
+          <p:cNvSpPr/>
+          <p:nvPr/>
+        </p:nvSpPr>
+        <p:spPr>
+          <a:xfrm>
+            <a:off x="133350" y="733424"/>
+            <a:ext cx="11906250" cy="6043285"/>
+          </a:xfrm>
+          <a:prstGeom prst="rect">
+            <a:avLst/>
+          </a:prstGeom>
+          <a:noFill/>
+          <a:ln w="9525" cap="flat" cmpd="sng" algn="ctr">
+            <a:solidFill>
+              <a:schemeClr val="accent3"/>
+            </a:solidFill>
+            <a:prstDash val="solid"/>
+            <a:round/>
+            <a:headEnd type="none" w="med" len="med"/>
+            <a:tailEnd type="none" w="med" len="med"/>
+          </a:ln>
+        </p:spPr>
+        <p:style>
+          <a:lnRef idx="0">
+            <a:scrgbClr r="0" g="0" b="0"/>
+          </a:lnRef>
+          <a:fillRef idx="0">
+            <a:scrgbClr r="0" g="0" b="0"/>
+          </a:fillRef>
+          <a:effectRef idx="0">
+            <a:scrgbClr r="0" g="0" b="0"/>
+          </a:effectRef>
+          <a:fontRef idx="minor">
+            <a:schemeClr val="accent3"/>
+          </a:fontRef>
+        </p:style>
+        <p:txBody>
+          <a:bodyPr rtlCol="0" anchor="ctr"/>
+          <a:lstStyle/>
+          <a:p>
+            <a:pPr algn="ctr"/>
+            <a:endParaRPr lang="en-IN"/>
+          </a:p>
+        </p:txBody>
+      </p:sp>
+      <p:sp>
+        <p:nvSpPr>
+          <p:cNvPr id="20" name="TextBox 19">
+            <a:extLst>
+              <a:ext uri="{FF2B5EF4-FFF2-40B4-BE49-F238E27FC236}">
+                <a16:creationId xmlns:a16="http://schemas.microsoft.com/office/drawing/2014/main" id="{B79C29E8-2342-4476-98A2-BFE868547644}"/>
+              </a:ext>
+            </a:extLst>
+          </p:cNvPr>
+          <p:cNvSpPr txBox="1"/>
+          <p:nvPr/>
+        </p:nvSpPr>
+        <p:spPr>
+          <a:xfrm>
+            <a:off x="6724080" y="6515100"/>
+            <a:ext cx="5334570" cy="261610"/>
+          </a:xfrm>
+          <a:prstGeom prst="rect">
+            <a:avLst/>
+          </a:prstGeom>
+          <a:noFill/>
+        </p:spPr>
+        <p:txBody>
+          <a:bodyPr wrap="square" rtlCol="0">
+            <a:spAutoFit/>
+          </a:bodyPr>
+          <a:lstStyle/>
+          <a:p>
+            <a:r>
+              <a:rPr lang="en-US" sz="1100" b="0" i="0" dirty="0">
+                <a:solidFill>
+                  <a:srgbClr val="BDC1C6"/>
+                </a:solidFill>
+                <a:effectLst/>
+                <a:latin typeface="arial" panose="020B0604020202020204" pitchFamily="34" charset="0"/>
+              </a:rPr>
+              <a:t>An ephemeral </a:t>
+            </a:r>
+            <a:r>
+              <a:rPr lang="en-US" sz="1100" b="1" i="0" dirty="0">
+                <a:solidFill>
+                  <a:srgbClr val="BDC1C6"/>
+                </a:solidFill>
+                <a:effectLst/>
+                <a:latin typeface="arial" panose="020B0604020202020204" pitchFamily="34" charset="0"/>
+              </a:rPr>
+              <a:t>node that will disappear when the session of its owner ends</a:t>
+            </a:r>
+            <a:r>
+              <a:rPr lang="en-US" sz="1100" b="0" i="0" dirty="0">
+                <a:solidFill>
+                  <a:srgbClr val="BDC1C6"/>
+                </a:solidFill>
+                <a:effectLst/>
+                <a:latin typeface="arial" panose="020B0604020202020204" pitchFamily="34" charset="0"/>
+              </a:rPr>
+              <a:t>.</a:t>
+            </a:r>
+            <a:endParaRPr lang="en-IN" sz="1100" dirty="0"/>
+          </a:p>
+        </p:txBody>
+      </p:sp>
+      <p:sp>
+        <p:nvSpPr>
+          <p:cNvPr id="2" name="TextBox 1">
+            <a:extLst>
+              <a:ext uri="{FF2B5EF4-FFF2-40B4-BE49-F238E27FC236}">
+                <a16:creationId xmlns:a16="http://schemas.microsoft.com/office/drawing/2014/main" id="{DEA99C46-E9B5-4198-A0E8-333239A63D14}"/>
+              </a:ext>
+            </a:extLst>
+          </p:cNvPr>
+          <p:cNvSpPr txBox="1"/>
+          <p:nvPr/>
+        </p:nvSpPr>
+        <p:spPr>
+          <a:xfrm>
+            <a:off x="133350" y="770635"/>
+            <a:ext cx="11733376" cy="6924973"/>
+          </a:xfrm>
+          <a:prstGeom prst="rect">
+            <a:avLst/>
+          </a:prstGeom>
+          <a:noFill/>
+        </p:spPr>
+        <p:txBody>
+          <a:bodyPr wrap="square" rtlCol="0">
+            <a:spAutoFit/>
+          </a:bodyPr>
+          <a:lstStyle/>
+          <a:p>
+            <a:r>
+              <a:rPr lang="en-IN" sz="1400" b="1" i="0" dirty="0">
+                <a:effectLst/>
+                <a:latin typeface="Century Gothic" panose="020B0502020202020204" pitchFamily="34" charset="0"/>
+              </a:rPr>
+              <a:t>Summary</a:t>
+            </a:r>
+          </a:p>
+          <a:p>
+            <a:pPr marL="285750" indent="-285750">
+              <a:buFont typeface="Arial" panose="020B0604020202020204" pitchFamily="34" charset="0"/>
+              <a:buChar char="•"/>
+            </a:pPr>
+            <a:r>
+              <a:rPr lang="en-US" sz="1000" dirty="0">
+                <a:latin typeface="Century Gothic" panose="020B0502020202020204" pitchFamily="34" charset="0"/>
+              </a:rPr>
+              <a:t>Chubby is a distributed lock service used inside Google systems.</a:t>
+            </a:r>
+          </a:p>
+          <a:p>
+            <a:pPr marL="285750" indent="-285750">
+              <a:buFont typeface="Arial" panose="020B0604020202020204" pitchFamily="34" charset="0"/>
+              <a:buChar char="•"/>
+            </a:pPr>
+            <a:endParaRPr lang="en-US" sz="1000" dirty="0">
+              <a:latin typeface="Century Gothic" panose="020B0502020202020204" pitchFamily="34" charset="0"/>
+            </a:endParaRPr>
+          </a:p>
+          <a:p>
+            <a:pPr marL="285750" indent="-285750">
+              <a:buFont typeface="Arial" panose="020B0604020202020204" pitchFamily="34" charset="0"/>
+              <a:buChar char="•"/>
+            </a:pPr>
+            <a:r>
+              <a:rPr lang="en-US" sz="1000" dirty="0">
+                <a:latin typeface="Century Gothic" panose="020B0502020202020204" pitchFamily="34" charset="0"/>
+              </a:rPr>
+              <a:t>It provides coarse-grained locking (for hours or days) and is not recommended for fine-grained locking (for seconds) scenarios. Due to this nature, it is more suited for high-read and rare write scenarios.</a:t>
+            </a:r>
+          </a:p>
+          <a:p>
+            <a:pPr marL="285750" indent="-285750">
+              <a:buFont typeface="Arial" panose="020B0604020202020204" pitchFamily="34" charset="0"/>
+              <a:buChar char="•"/>
+            </a:pPr>
+            <a:endParaRPr lang="en-US" sz="1000" dirty="0">
+              <a:latin typeface="Century Gothic" panose="020B0502020202020204" pitchFamily="34" charset="0"/>
+            </a:endParaRPr>
+          </a:p>
+          <a:p>
+            <a:pPr marL="285750" indent="-285750">
+              <a:buFont typeface="Arial" panose="020B0604020202020204" pitchFamily="34" charset="0"/>
+              <a:buChar char="•"/>
+            </a:pPr>
+            <a:r>
+              <a:rPr lang="en-US" sz="1000" dirty="0">
+                <a:latin typeface="Century Gothic" panose="020B0502020202020204" pitchFamily="34" charset="0"/>
+              </a:rPr>
+              <a:t>Chubby’s primary use cases include naming service, leader election, small files storage, and distributed locks.</a:t>
+            </a:r>
+          </a:p>
+          <a:p>
+            <a:pPr marL="285750" indent="-285750">
+              <a:buFont typeface="Arial" panose="020B0604020202020204" pitchFamily="34" charset="0"/>
+              <a:buChar char="•"/>
+            </a:pPr>
+            <a:endParaRPr lang="en-US" sz="1000" dirty="0">
+              <a:latin typeface="Century Gothic" panose="020B0502020202020204" pitchFamily="34" charset="0"/>
+            </a:endParaRPr>
+          </a:p>
+          <a:p>
+            <a:pPr marL="285750" indent="-285750">
+              <a:buFont typeface="Arial" panose="020B0604020202020204" pitchFamily="34" charset="0"/>
+              <a:buChar char="•"/>
+            </a:pPr>
+            <a:r>
+              <a:rPr lang="en-US" sz="1000" dirty="0">
+                <a:latin typeface="Century Gothic" panose="020B0502020202020204" pitchFamily="34" charset="0"/>
+              </a:rPr>
+              <a:t>A Chubby Cell basically refers to a Chubby cluster. A chubby cell has more than one server (typically 3-5 at least) known as replicas.</a:t>
+            </a:r>
+          </a:p>
+          <a:p>
+            <a:pPr marL="285750" indent="-285750">
+              <a:buFont typeface="Arial" panose="020B0604020202020204" pitchFamily="34" charset="0"/>
+              <a:buChar char="•"/>
+            </a:pPr>
+            <a:endParaRPr lang="en-US" sz="1000" dirty="0">
+              <a:latin typeface="Century Gothic" panose="020B0502020202020204" pitchFamily="34" charset="0"/>
+            </a:endParaRPr>
+          </a:p>
+          <a:p>
+            <a:pPr marL="285750" indent="-285750">
+              <a:buFont typeface="Arial" panose="020B0604020202020204" pitchFamily="34" charset="0"/>
+              <a:buChar char="•"/>
+            </a:pPr>
+            <a:r>
+              <a:rPr lang="en-US" sz="1000" dirty="0">
+                <a:latin typeface="Century Gothic" panose="020B0502020202020204" pitchFamily="34" charset="0"/>
+              </a:rPr>
+              <a:t>Using Paxos, one server is chosen as the master at any point and handles all the requests. If the master fails, another server from replicas becomes the master.</a:t>
+            </a:r>
+          </a:p>
+          <a:p>
+            <a:pPr marL="285750" indent="-285750">
+              <a:buFont typeface="Arial" panose="020B0604020202020204" pitchFamily="34" charset="0"/>
+              <a:buChar char="•"/>
+            </a:pPr>
+            <a:endParaRPr lang="en-US" sz="1000" dirty="0">
+              <a:latin typeface="Century Gothic" panose="020B0502020202020204" pitchFamily="34" charset="0"/>
+            </a:endParaRPr>
+          </a:p>
+          <a:p>
+            <a:pPr marL="285750" indent="-285750">
+              <a:buFont typeface="Arial" panose="020B0604020202020204" pitchFamily="34" charset="0"/>
+              <a:buChar char="•"/>
+            </a:pPr>
+            <a:r>
+              <a:rPr lang="en-US" sz="1000" dirty="0">
+                <a:latin typeface="Century Gothic" panose="020B0502020202020204" pitchFamily="34" charset="0"/>
+              </a:rPr>
+              <a:t>Each replica maintains a small database to store files/directories/locks. Master directly writes to its own local database, which gets synced asynchronously to all the replicas for fault tolerance.</a:t>
+            </a:r>
+          </a:p>
+          <a:p>
+            <a:pPr marL="285750" indent="-285750">
+              <a:buFont typeface="Arial" panose="020B0604020202020204" pitchFamily="34" charset="0"/>
+              <a:buChar char="•"/>
+            </a:pPr>
+            <a:endParaRPr lang="en-US" sz="1000" dirty="0">
+              <a:latin typeface="Century Gothic" panose="020B0502020202020204" pitchFamily="34" charset="0"/>
+            </a:endParaRPr>
+          </a:p>
+          <a:p>
+            <a:pPr marL="285750" indent="-285750">
+              <a:buFont typeface="Arial" panose="020B0604020202020204" pitchFamily="34" charset="0"/>
+              <a:buChar char="•"/>
+            </a:pPr>
+            <a:r>
+              <a:rPr lang="en-US" sz="1000" dirty="0">
+                <a:latin typeface="Century Gothic" panose="020B0502020202020204" pitchFamily="34" charset="0"/>
+              </a:rPr>
+              <a:t>Client applications use a Chubby library to communicate with the replicas in the chubby cell using RPC.</a:t>
+            </a:r>
+          </a:p>
+          <a:p>
+            <a:pPr marL="285750" indent="-285750">
+              <a:buFont typeface="Arial" panose="020B0604020202020204" pitchFamily="34" charset="0"/>
+              <a:buChar char="•"/>
+            </a:pPr>
+            <a:endParaRPr lang="en-US" sz="1000" dirty="0">
+              <a:latin typeface="Century Gothic" panose="020B0502020202020204" pitchFamily="34" charset="0"/>
+            </a:endParaRPr>
+          </a:p>
+          <a:p>
+            <a:pPr marL="285750" indent="-285750">
+              <a:buFont typeface="Arial" panose="020B0604020202020204" pitchFamily="34" charset="0"/>
+              <a:buChar char="•"/>
+            </a:pPr>
+            <a:r>
+              <a:rPr lang="en-US" sz="1000" dirty="0">
+                <a:latin typeface="Century Gothic" panose="020B0502020202020204" pitchFamily="34" charset="0"/>
+              </a:rPr>
+              <a:t>Like Unix, Chubby file system interface is basically a tree of files &amp; directories (collectively called nodes), where each directory contains a list of child files and directories.</a:t>
+            </a:r>
+          </a:p>
+          <a:p>
+            <a:pPr marL="285750" indent="-285750">
+              <a:buFont typeface="Arial" panose="020B0604020202020204" pitchFamily="34" charset="0"/>
+              <a:buChar char="•"/>
+            </a:pPr>
+            <a:endParaRPr lang="en-US" sz="1000" dirty="0">
+              <a:latin typeface="Century Gothic" panose="020B0502020202020204" pitchFamily="34" charset="0"/>
+            </a:endParaRPr>
+          </a:p>
+          <a:p>
+            <a:pPr marL="285750" indent="-285750">
+              <a:buFont typeface="Arial" panose="020B0604020202020204" pitchFamily="34" charset="0"/>
+              <a:buChar char="•"/>
+            </a:pPr>
+            <a:r>
+              <a:rPr lang="en-US" sz="1000" dirty="0">
+                <a:latin typeface="Century Gothic" panose="020B0502020202020204" pitchFamily="34" charset="0"/>
+              </a:rPr>
+              <a:t>Locks: Each node can act as an advisory reader-writer lock in one of the following two ways:</a:t>
+            </a:r>
+          </a:p>
+          <a:p>
+            <a:pPr marL="742950" lvl="1" indent="-285750">
+              <a:buFont typeface="Wingdings" panose="05000000000000000000" pitchFamily="2" charset="2"/>
+              <a:buChar char="ü"/>
+            </a:pPr>
+            <a:r>
+              <a:rPr lang="en-US" sz="1000" dirty="0">
+                <a:latin typeface="Century Gothic" panose="020B0502020202020204" pitchFamily="34" charset="0"/>
+              </a:rPr>
+              <a:t>Exclusive: One client may hold the lock in exclusive (write) mode.</a:t>
+            </a:r>
+          </a:p>
+          <a:p>
+            <a:pPr marL="742950" lvl="1" indent="-285750">
+              <a:buFont typeface="Wingdings" panose="05000000000000000000" pitchFamily="2" charset="2"/>
+              <a:buChar char="ü"/>
+            </a:pPr>
+            <a:r>
+              <a:rPr lang="en-US" sz="1000" dirty="0">
+                <a:latin typeface="Century Gothic" panose="020B0502020202020204" pitchFamily="34" charset="0"/>
+              </a:rPr>
+              <a:t>Shared: Any number of clients may hold the lock in shared (reader) mode.</a:t>
+            </a:r>
+          </a:p>
+          <a:p>
+            <a:pPr lvl="1"/>
+            <a:endParaRPr lang="en-US" sz="1000" dirty="0">
+              <a:latin typeface="Century Gothic" panose="020B0502020202020204" pitchFamily="34" charset="0"/>
+            </a:endParaRPr>
+          </a:p>
+          <a:p>
+            <a:pPr marL="285750" indent="-285750">
+              <a:buFont typeface="Arial" panose="020B0604020202020204" pitchFamily="34" charset="0"/>
+              <a:buChar char="•"/>
+            </a:pPr>
+            <a:r>
+              <a:rPr lang="en-US" sz="1000" dirty="0">
+                <a:latin typeface="Century Gothic" panose="020B0502020202020204" pitchFamily="34" charset="0"/>
+              </a:rPr>
+              <a:t>Ephemeral nodes are used as temporary files, and act as an indicator to others that a client is alive. Ephemeral nodes are also deleted if no client has them open. Ephemeral directories are also deleted if they are empty.</a:t>
+            </a:r>
+          </a:p>
+          <a:p>
+            <a:pPr marL="285750" indent="-285750">
+              <a:buFont typeface="Arial" panose="020B0604020202020204" pitchFamily="34" charset="0"/>
+              <a:buChar char="•"/>
+            </a:pPr>
+            <a:endParaRPr lang="en-US" sz="1000" dirty="0">
+              <a:latin typeface="Century Gothic" panose="020B0502020202020204" pitchFamily="34" charset="0"/>
+            </a:endParaRPr>
+          </a:p>
+          <a:p>
+            <a:pPr marL="285750" indent="-285750">
+              <a:buFont typeface="Arial" panose="020B0604020202020204" pitchFamily="34" charset="0"/>
+              <a:buChar char="•"/>
+            </a:pPr>
+            <a:r>
+              <a:rPr lang="en-US" sz="1000" dirty="0">
+                <a:latin typeface="Century Gothic" panose="020B0502020202020204" pitchFamily="34" charset="0"/>
+              </a:rPr>
+              <a:t>Metadata: Metadata for each node includes Access Control Lists (ACLs), monotonically increasing 64-bit numbers, and checksum.</a:t>
+            </a:r>
+          </a:p>
+          <a:p>
+            <a:pPr marL="285750" indent="-285750">
+              <a:buFont typeface="Arial" panose="020B0604020202020204" pitchFamily="34" charset="0"/>
+              <a:buChar char="•"/>
+            </a:pPr>
+            <a:endParaRPr lang="en-US" sz="1000" dirty="0">
+              <a:latin typeface="Century Gothic" panose="020B0502020202020204" pitchFamily="34" charset="0"/>
+            </a:endParaRPr>
+          </a:p>
+          <a:p>
+            <a:pPr marL="285750" indent="-285750">
+              <a:buFont typeface="Arial" panose="020B0604020202020204" pitchFamily="34" charset="0"/>
+              <a:buChar char="•"/>
+            </a:pPr>
+            <a:r>
+              <a:rPr lang="en-US" sz="1000" dirty="0">
+                <a:latin typeface="Century Gothic" panose="020B0502020202020204" pitchFamily="34" charset="0"/>
+              </a:rPr>
+              <a:t>Events: Chubby supports a simple event mechanism to let its clients subscribe for a variety of events for files such as a lock being acquired, or a file being edited.</a:t>
+            </a:r>
+          </a:p>
+          <a:p>
+            <a:pPr marL="285750" indent="-285750">
+              <a:buFont typeface="Arial" panose="020B0604020202020204" pitchFamily="34" charset="0"/>
+              <a:buChar char="•"/>
+            </a:pPr>
+            <a:endParaRPr lang="en-US" sz="1000" dirty="0">
+              <a:latin typeface="Century Gothic" panose="020B0502020202020204" pitchFamily="34" charset="0"/>
+            </a:endParaRPr>
+          </a:p>
+          <a:p>
+            <a:pPr marL="285750" indent="-285750">
+              <a:buFont typeface="Arial" panose="020B0604020202020204" pitchFamily="34" charset="0"/>
+              <a:buChar char="•"/>
+            </a:pPr>
+            <a:r>
+              <a:rPr lang="en-US" sz="1000" dirty="0">
+                <a:latin typeface="Century Gothic" panose="020B0502020202020204" pitchFamily="34" charset="0"/>
+              </a:rPr>
+              <a:t>Caching: To reduce read traffic, Chubby clients cache file contents, node metadata, and information on open handles in a consistent, write-through cache in the client’s memory.</a:t>
+            </a:r>
+          </a:p>
+          <a:p>
+            <a:pPr marL="285750" indent="-285750">
+              <a:buFont typeface="Arial" panose="020B0604020202020204" pitchFamily="34" charset="0"/>
+              <a:buChar char="•"/>
+            </a:pPr>
+            <a:endParaRPr lang="en-US" sz="1000" dirty="0">
+              <a:latin typeface="Century Gothic" panose="020B0502020202020204" pitchFamily="34" charset="0"/>
+            </a:endParaRPr>
+          </a:p>
+          <a:p>
+            <a:pPr marL="285750" indent="-285750">
+              <a:buFont typeface="Arial" panose="020B0604020202020204" pitchFamily="34" charset="0"/>
+              <a:buChar char="•"/>
+            </a:pPr>
+            <a:r>
+              <a:rPr lang="en-US" sz="1000" dirty="0">
+                <a:latin typeface="Century Gothic" panose="020B0502020202020204" pitchFamily="34" charset="0"/>
+              </a:rPr>
+              <a:t>Sessions: Clients maintain sessions by sending KeepAlive RPCs to Chubby. This constitutes about 93% of the example Chubby cluster’s requests.</a:t>
+            </a:r>
+          </a:p>
+          <a:p>
+            <a:pPr marL="285750" indent="-285750">
+              <a:buFont typeface="Arial" panose="020B0604020202020204" pitchFamily="34" charset="0"/>
+              <a:buChar char="•"/>
+            </a:pPr>
+            <a:endParaRPr lang="en-US" sz="1000" dirty="0">
+              <a:latin typeface="Century Gothic" panose="020B0502020202020204" pitchFamily="34" charset="0"/>
+            </a:endParaRPr>
+          </a:p>
+          <a:p>
+            <a:pPr marL="285750" indent="-285750">
+              <a:buFont typeface="Arial" panose="020B0604020202020204" pitchFamily="34" charset="0"/>
+              <a:buChar char="•"/>
+            </a:pPr>
+            <a:r>
+              <a:rPr lang="en-US" sz="1000" dirty="0">
+                <a:latin typeface="Century Gothic" panose="020B0502020202020204" pitchFamily="34" charset="0"/>
+              </a:rPr>
+              <a:t>Backup: Every few hours, the master of each Chubby cell writes a snapshot of its database to a GFS file server in a different building.</a:t>
+            </a:r>
+          </a:p>
+          <a:p>
+            <a:pPr marL="285750" indent="-285750">
+              <a:buFont typeface="Arial" panose="020B0604020202020204" pitchFamily="34" charset="0"/>
+              <a:buChar char="•"/>
+            </a:pPr>
+            <a:endParaRPr lang="en-US" sz="1000" dirty="0">
+              <a:latin typeface="Century Gothic" panose="020B0502020202020204" pitchFamily="34" charset="0"/>
+            </a:endParaRPr>
+          </a:p>
+          <a:p>
+            <a:pPr marL="285750" indent="-285750">
+              <a:buFont typeface="Arial" panose="020B0604020202020204" pitchFamily="34" charset="0"/>
+              <a:buChar char="•"/>
+            </a:pPr>
+            <a:r>
+              <a:rPr lang="en-US" sz="1000" dirty="0">
+                <a:latin typeface="Century Gothic" panose="020B0502020202020204" pitchFamily="34" charset="0"/>
+              </a:rPr>
+              <a:t>Mirroring: Chubby allows a collection of files to be mirrored from one cell to another. Mirroring is used most commonly to copy configuration files to various computing clusters distributed around the world.</a:t>
+            </a:r>
+            <a:endParaRPr lang="en-IN" sz="1000" dirty="0">
+              <a:latin typeface="Century Gothic" panose="020B0502020202020204" pitchFamily="34" charset="0"/>
+            </a:endParaRPr>
+          </a:p>
+          <a:p>
+            <a:endParaRPr lang="en-IN" sz="1400" b="1" i="0" dirty="0">
+              <a:effectLst/>
+              <a:latin typeface="Century Gothic" panose="020B0502020202020204" pitchFamily="34" charset="0"/>
+            </a:endParaRPr>
+          </a:p>
+          <a:p>
+            <a:endParaRPr lang="en-IN" sz="1400" b="1" i="0" dirty="0">
+              <a:effectLst/>
+              <a:latin typeface="Century Gothic" panose="020B0502020202020204" pitchFamily="34" charset="0"/>
+            </a:endParaRPr>
+          </a:p>
+          <a:p>
+            <a:endParaRPr lang="en-IN" dirty="0"/>
+          </a:p>
+        </p:txBody>
+      </p:sp>
+    </p:spTree>
+    <p:extLst>
+      <p:ext uri="{BB962C8B-B14F-4D97-AF65-F5344CB8AC3E}">
+        <p14:creationId xmlns:p14="http://schemas.microsoft.com/office/powerpoint/2010/main" val="1228147429"/>
+      </p:ext>
+    </p:extLst>
+  </p:cSld>
+  <p:clrMapOvr>
+    <a:masterClrMapping/>
+  </p:clrMapOvr>
+</p:sld>
+</file>
+
+<file path=ppt/slides/slide21.xml><?xml version="1.0" encoding="utf-8"?>
+<p:sld xmlns:a="http://schemas.openxmlformats.org/drawingml/2006/main" xmlns:r="http://schemas.openxmlformats.org/officeDocument/2006/relationships" xmlns:p="http://schemas.openxmlformats.org/presentationml/2006/main">
+  <p:cSld>
+    <p:spTree>
+      <p:nvGrpSpPr>
+        <p:cNvPr id="1" name=""/>
+        <p:cNvGrpSpPr/>
+        <p:nvPr/>
+      </p:nvGrpSpPr>
+      <p:grpSpPr>
+        <a:xfrm>
+          <a:off x="0" y="0"/>
+          <a:ext cx="0" cy="0"/>
+          <a:chOff x="0" y="0"/>
+          <a:chExt cx="0" cy="0"/>
+        </a:xfrm>
+      </p:grpSpPr>
+      <p:sp>
+        <p:nvSpPr>
+          <p:cNvPr id="6" name="Rectangle 5">
+            <a:extLst>
+              <a:ext uri="{FF2B5EF4-FFF2-40B4-BE49-F238E27FC236}">
+                <a16:creationId xmlns:a16="http://schemas.microsoft.com/office/drawing/2014/main" id="{23D9A284-E705-4058-BC97-E411758071E2}"/>
+              </a:ext>
+            </a:extLst>
+          </p:cNvPr>
+          <p:cNvSpPr/>
+          <p:nvPr/>
+        </p:nvSpPr>
+        <p:spPr>
+          <a:xfrm>
+            <a:off x="0" y="0"/>
+            <a:ext cx="12192000" cy="623843"/>
+          </a:xfrm>
+          <a:prstGeom prst="rect">
+            <a:avLst/>
+          </a:prstGeom>
+        </p:spPr>
+        <p:style>
+          <a:lnRef idx="2">
+            <a:schemeClr val="accent1">
+              <a:shade val="50000"/>
+            </a:schemeClr>
+          </a:lnRef>
+          <a:fillRef idx="1">
+            <a:schemeClr val="accent1"/>
+          </a:fillRef>
+          <a:effectRef idx="0">
+            <a:schemeClr val="accent1"/>
+          </a:effectRef>
+          <a:fontRef idx="minor">
+            <a:schemeClr val="lt1"/>
+          </a:fontRef>
+        </p:style>
+        <p:txBody>
+          <a:bodyPr rtlCol="0" anchor="ctr"/>
+          <a:lstStyle/>
+          <a:p>
+            <a:pPr algn="ctr"/>
+            <a:r>
+              <a:rPr lang="en-IN" b="1" dirty="0">
+                <a:latin typeface="Nunito Sans" pitchFamily="2" charset="0"/>
+              </a:rPr>
+              <a:t>Chubby Working : Summary</a:t>
+            </a:r>
+          </a:p>
+        </p:txBody>
+      </p:sp>
+      <p:sp>
+        <p:nvSpPr>
+          <p:cNvPr id="10" name="Rectangle 9">
+            <a:extLst>
+              <a:ext uri="{FF2B5EF4-FFF2-40B4-BE49-F238E27FC236}">
+                <a16:creationId xmlns:a16="http://schemas.microsoft.com/office/drawing/2014/main" id="{81D15821-669C-47AD-B7E7-5C8E9F36031B}"/>
+              </a:ext>
+            </a:extLst>
+          </p:cNvPr>
+          <p:cNvSpPr/>
+          <p:nvPr/>
+        </p:nvSpPr>
+        <p:spPr>
+          <a:xfrm>
+            <a:off x="133350" y="733424"/>
+            <a:ext cx="11906250" cy="6043285"/>
+          </a:xfrm>
+          <a:prstGeom prst="rect">
+            <a:avLst/>
+          </a:prstGeom>
+          <a:noFill/>
+          <a:ln w="9525" cap="flat" cmpd="sng" algn="ctr">
+            <a:solidFill>
+              <a:schemeClr val="accent3"/>
+            </a:solidFill>
+            <a:prstDash val="solid"/>
+            <a:round/>
+            <a:headEnd type="none" w="med" len="med"/>
+            <a:tailEnd type="none" w="med" len="med"/>
+          </a:ln>
+        </p:spPr>
+        <p:style>
+          <a:lnRef idx="0">
+            <a:scrgbClr r="0" g="0" b="0"/>
+          </a:lnRef>
+          <a:fillRef idx="0">
+            <a:scrgbClr r="0" g="0" b="0"/>
+          </a:fillRef>
+          <a:effectRef idx="0">
+            <a:scrgbClr r="0" g="0" b="0"/>
+          </a:effectRef>
+          <a:fontRef idx="minor">
+            <a:schemeClr val="accent3"/>
+          </a:fontRef>
+        </p:style>
+        <p:txBody>
+          <a:bodyPr rtlCol="0" anchor="ctr"/>
+          <a:lstStyle/>
+          <a:p>
+            <a:pPr algn="ctr"/>
+            <a:endParaRPr lang="en-IN"/>
+          </a:p>
+        </p:txBody>
+      </p:sp>
+      <p:sp>
+        <p:nvSpPr>
+          <p:cNvPr id="20" name="TextBox 19">
+            <a:extLst>
+              <a:ext uri="{FF2B5EF4-FFF2-40B4-BE49-F238E27FC236}">
+                <a16:creationId xmlns:a16="http://schemas.microsoft.com/office/drawing/2014/main" id="{B79C29E8-2342-4476-98A2-BFE868547644}"/>
+              </a:ext>
+            </a:extLst>
+          </p:cNvPr>
+          <p:cNvSpPr txBox="1"/>
+          <p:nvPr/>
+        </p:nvSpPr>
+        <p:spPr>
+          <a:xfrm>
+            <a:off x="6724080" y="6515100"/>
+            <a:ext cx="5334570" cy="261610"/>
+          </a:xfrm>
+          <a:prstGeom prst="rect">
+            <a:avLst/>
+          </a:prstGeom>
+          <a:noFill/>
+        </p:spPr>
+        <p:txBody>
+          <a:bodyPr wrap="square" rtlCol="0">
+            <a:spAutoFit/>
+          </a:bodyPr>
+          <a:lstStyle/>
+          <a:p>
+            <a:r>
+              <a:rPr lang="en-US" sz="1100" b="0" i="0" dirty="0">
+                <a:solidFill>
+                  <a:srgbClr val="BDC1C6"/>
+                </a:solidFill>
+                <a:effectLst/>
+                <a:latin typeface="arial" panose="020B0604020202020204" pitchFamily="34" charset="0"/>
+              </a:rPr>
+              <a:t>An ephemeral </a:t>
+            </a:r>
+            <a:r>
+              <a:rPr lang="en-US" sz="1100" b="1" i="0" dirty="0">
+                <a:solidFill>
+                  <a:srgbClr val="BDC1C6"/>
+                </a:solidFill>
+                <a:effectLst/>
+                <a:latin typeface="arial" panose="020B0604020202020204" pitchFamily="34" charset="0"/>
+              </a:rPr>
+              <a:t>node that will disappear when the session of its owner ends</a:t>
+            </a:r>
+            <a:r>
+              <a:rPr lang="en-US" sz="1100" b="0" i="0" dirty="0">
+                <a:solidFill>
+                  <a:srgbClr val="BDC1C6"/>
+                </a:solidFill>
+                <a:effectLst/>
+                <a:latin typeface="arial" panose="020B0604020202020204" pitchFamily="34" charset="0"/>
+              </a:rPr>
+              <a:t>.</a:t>
+            </a:r>
+            <a:endParaRPr lang="en-IN" sz="1100" dirty="0"/>
+          </a:p>
+        </p:txBody>
+      </p:sp>
+      <p:sp>
+        <p:nvSpPr>
+          <p:cNvPr id="2" name="TextBox 1">
+            <a:extLst>
+              <a:ext uri="{FF2B5EF4-FFF2-40B4-BE49-F238E27FC236}">
+                <a16:creationId xmlns:a16="http://schemas.microsoft.com/office/drawing/2014/main" id="{DEA99C46-E9B5-4198-A0E8-333239A63D14}"/>
+              </a:ext>
+            </a:extLst>
+          </p:cNvPr>
+          <p:cNvSpPr txBox="1"/>
+          <p:nvPr/>
+        </p:nvSpPr>
+        <p:spPr>
+          <a:xfrm>
+            <a:off x="133350" y="770635"/>
+            <a:ext cx="11733376" cy="3754874"/>
+          </a:xfrm>
+          <a:prstGeom prst="rect">
+            <a:avLst/>
+          </a:prstGeom>
+          <a:noFill/>
+        </p:spPr>
+        <p:txBody>
+          <a:bodyPr wrap="square" rtlCol="0">
+            <a:spAutoFit/>
+          </a:bodyPr>
+          <a:lstStyle/>
+          <a:p>
+            <a:r>
+              <a:rPr lang="en-IN" sz="1400" b="1" i="0" dirty="0">
+                <a:effectLst/>
+                <a:latin typeface="Nunito Sans" pitchFamily="2" charset="0"/>
+              </a:rPr>
+              <a:t>System design patterns</a:t>
+            </a:r>
+          </a:p>
+          <a:p>
+            <a:r>
+              <a:rPr lang="en-US" sz="1000" i="0" dirty="0">
+                <a:effectLst/>
+                <a:latin typeface="Nunito Sans" pitchFamily="2" charset="0"/>
+              </a:rPr>
+              <a:t>Here is a summary of system design patterns used in Chubby.</a:t>
+            </a:r>
+          </a:p>
+          <a:p>
+            <a:endParaRPr lang="en-US" sz="1000" i="0" dirty="0">
+              <a:effectLst/>
+              <a:latin typeface="Nunito Sans" pitchFamily="2" charset="0"/>
+            </a:endParaRPr>
+          </a:p>
+          <a:p>
+            <a:pPr marL="228600" indent="-228600">
+              <a:buFont typeface="+mj-lt"/>
+              <a:buAutoNum type="arabicPeriod"/>
+            </a:pPr>
+            <a:r>
+              <a:rPr lang="en-US" sz="1000" i="0" dirty="0">
+                <a:effectLst/>
+                <a:latin typeface="Nunito Sans" pitchFamily="2" charset="0"/>
+              </a:rPr>
+              <a:t>Write-Ahead Log: For fault tolerance and to handle a master crash, all database transactions are stored in a transaction log.</a:t>
+            </a:r>
+          </a:p>
+          <a:p>
+            <a:pPr marL="228600" indent="-228600">
+              <a:buFont typeface="+mj-lt"/>
+              <a:buAutoNum type="arabicPeriod"/>
+            </a:pPr>
+            <a:endParaRPr lang="en-US" sz="1000" i="0" dirty="0">
+              <a:effectLst/>
+              <a:latin typeface="Nunito Sans" pitchFamily="2" charset="0"/>
+            </a:endParaRPr>
+          </a:p>
+          <a:p>
+            <a:pPr marL="228600" indent="-228600">
+              <a:buFont typeface="+mj-lt"/>
+              <a:buAutoNum type="arabicPeriod"/>
+            </a:pPr>
+            <a:r>
+              <a:rPr lang="en-US" sz="1000" i="0" dirty="0">
+                <a:effectLst/>
+                <a:latin typeface="Nunito Sans" pitchFamily="2" charset="0"/>
+              </a:rPr>
+              <a:t>Quorum: To ensure strong consistency, Chubby master sends all write requests to the replicas. After receiving acknowledgments from most replicas in the cell, the master sends an acknowledgment to the client who initiated the write.</a:t>
+            </a:r>
+          </a:p>
+          <a:p>
+            <a:pPr marL="228600" indent="-228600">
+              <a:buFont typeface="+mj-lt"/>
+              <a:buAutoNum type="arabicPeriod"/>
+            </a:pPr>
+            <a:endParaRPr lang="en-US" sz="1000" i="0" dirty="0">
+              <a:effectLst/>
+              <a:latin typeface="Nunito Sans" pitchFamily="2" charset="0"/>
+            </a:endParaRPr>
+          </a:p>
+          <a:p>
+            <a:pPr marL="228600" indent="-228600">
+              <a:buFont typeface="+mj-lt"/>
+              <a:buAutoNum type="arabicPeriod"/>
+            </a:pPr>
+            <a:r>
+              <a:rPr lang="en-US" sz="1000" i="0" dirty="0">
+                <a:effectLst/>
+                <a:latin typeface="Nunito Sans" pitchFamily="2" charset="0"/>
+              </a:rPr>
+              <a:t>Generation clock: To disregard requests from the previous master, every newly-elected master in Chubby uses ‘Epoch number’, which is simply a monotonically increasing number to indicate a server’s generation. This means if the old master had an epoch number of ‘1’, the new one would have ‘2’. This ensures that the new master will not respond to any old request which was sent to the previous master.</a:t>
+            </a:r>
+          </a:p>
+          <a:p>
+            <a:pPr marL="228600" indent="-228600">
+              <a:buFont typeface="+mj-lt"/>
+              <a:buAutoNum type="arabicPeriod"/>
+            </a:pPr>
+            <a:endParaRPr lang="en-US" sz="1000" i="0" dirty="0">
+              <a:effectLst/>
+              <a:latin typeface="Nunito Sans" pitchFamily="2" charset="0"/>
+            </a:endParaRPr>
+          </a:p>
+          <a:p>
+            <a:pPr marL="228600" indent="-228600">
+              <a:buFont typeface="+mj-lt"/>
+              <a:buAutoNum type="arabicPeriod"/>
+            </a:pPr>
+            <a:r>
+              <a:rPr lang="en-US" sz="1000" i="0" dirty="0">
+                <a:effectLst/>
+                <a:latin typeface="Nunito Sans" pitchFamily="2" charset="0"/>
+              </a:rPr>
+              <a:t>Lease: Chubby clients maintain a time-bound session lease with the master. During this time interval, the master guarantees to not terminate the session unilaterally.</a:t>
+            </a:r>
+          </a:p>
+          <a:p>
+            <a:pPr marL="228600" indent="-228600">
+              <a:buFont typeface="+mj-lt"/>
+              <a:buAutoNum type="arabicPeriod"/>
+            </a:pPr>
+            <a:endParaRPr lang="en-US" sz="1000" dirty="0">
+              <a:latin typeface="Nunito Sans" pitchFamily="2" charset="0"/>
+            </a:endParaRPr>
+          </a:p>
+          <a:p>
+            <a:pPr marL="228600" indent="-228600">
+              <a:buFont typeface="+mj-lt"/>
+              <a:buAutoNum type="arabicPeriod"/>
+            </a:pPr>
+            <a:endParaRPr lang="en-US" sz="1000" i="0" dirty="0">
+              <a:effectLst/>
+              <a:latin typeface="Nunito Sans" pitchFamily="2" charset="0"/>
+            </a:endParaRPr>
+          </a:p>
+          <a:p>
+            <a:r>
+              <a:rPr lang="en-IN" sz="1400" b="1" dirty="0">
+                <a:latin typeface="Nunito Sans" pitchFamily="2" charset="0"/>
+              </a:rPr>
+              <a:t>References and further reading</a:t>
+            </a:r>
+          </a:p>
+          <a:p>
+            <a:r>
+              <a:rPr lang="en-IN" sz="1000" b="0" i="0" u="none" strike="noStrike" dirty="0">
+                <a:solidFill>
+                  <a:srgbClr val="3D3D4E"/>
+                </a:solidFill>
+                <a:effectLst/>
+                <a:latin typeface="Droid Serif"/>
+                <a:hlinkClick r:id="rId2"/>
+              </a:rPr>
+              <a:t>Chubby paper</a:t>
+            </a:r>
+            <a:endParaRPr lang="en-IN" sz="1000" b="0" i="0" dirty="0">
+              <a:solidFill>
+                <a:srgbClr val="3D3D4E"/>
+              </a:solidFill>
+              <a:effectLst/>
+              <a:latin typeface="Droid Serif"/>
+            </a:endParaRPr>
+          </a:p>
+          <a:p>
+            <a:pPr algn="l"/>
+            <a:r>
+              <a:rPr lang="en-IN" sz="1000" b="0" i="0" u="none" strike="noStrike" dirty="0">
+                <a:solidFill>
+                  <a:srgbClr val="3D3D4E"/>
+                </a:solidFill>
+                <a:effectLst/>
+                <a:latin typeface="Droid Serif"/>
+                <a:hlinkClick r:id="rId3"/>
+              </a:rPr>
+              <a:t>Chubby architecture video</a:t>
+            </a:r>
+            <a:endParaRPr lang="en-IN" sz="1000" b="0" i="0" dirty="0">
+              <a:solidFill>
+                <a:srgbClr val="3D3D4E"/>
+              </a:solidFill>
+              <a:effectLst/>
+              <a:latin typeface="Droid Serif"/>
+            </a:endParaRPr>
+          </a:p>
+          <a:p>
+            <a:pPr algn="l"/>
+            <a:r>
+              <a:rPr lang="en-IN" sz="1000" b="0" i="0" u="none" strike="noStrike" dirty="0">
+                <a:solidFill>
+                  <a:srgbClr val="3D3D4E"/>
+                </a:solidFill>
+                <a:effectLst/>
+                <a:latin typeface="Droid Serif"/>
+                <a:hlinkClick r:id="rId4"/>
+              </a:rPr>
+              <a:t>Chubby vs. </a:t>
+            </a:r>
+            <a:r>
+              <a:rPr lang="en-IN" sz="1000" b="0" i="0" u="none" strike="noStrike" dirty="0" err="1">
+                <a:solidFill>
+                  <a:srgbClr val="3D3D4E"/>
+                </a:solidFill>
+                <a:effectLst/>
+                <a:latin typeface="Droid Serif"/>
+                <a:hlinkClick r:id="rId4"/>
+              </a:rPr>
+              <a:t>ZooKeeper</a:t>
+            </a:r>
+            <a:endParaRPr lang="en-IN" sz="1000" b="0" i="0" dirty="0">
+              <a:solidFill>
+                <a:srgbClr val="3D3D4E"/>
+              </a:solidFill>
+              <a:effectLst/>
+              <a:latin typeface="Droid Serif"/>
+            </a:endParaRPr>
+          </a:p>
+          <a:p>
+            <a:pPr algn="l"/>
+            <a:r>
+              <a:rPr lang="en-IN" sz="1000" b="0" i="0" u="none" strike="noStrike" dirty="0">
+                <a:solidFill>
+                  <a:srgbClr val="3D3D4E"/>
+                </a:solidFill>
+                <a:effectLst/>
+                <a:latin typeface="Droid Serif"/>
+                <a:hlinkClick r:id="rId5"/>
+              </a:rPr>
+              <a:t>Hierarchical Chubby</a:t>
+            </a:r>
+            <a:endParaRPr lang="en-IN" sz="1000" b="0" i="0" dirty="0">
+              <a:solidFill>
+                <a:srgbClr val="3D3D4E"/>
+              </a:solidFill>
+              <a:effectLst/>
+              <a:latin typeface="Droid Serif"/>
+            </a:endParaRPr>
+          </a:p>
+          <a:p>
+            <a:pPr algn="l"/>
+            <a:r>
+              <a:rPr lang="en-IN" sz="1000" b="0" i="0" u="none" strike="noStrike" dirty="0">
+                <a:solidFill>
+                  <a:srgbClr val="3D3D4E"/>
+                </a:solidFill>
+                <a:effectLst/>
+                <a:latin typeface="Droid Serif"/>
+                <a:hlinkClick r:id="rId6"/>
+              </a:rPr>
+              <a:t>Bigtable</a:t>
+            </a:r>
+            <a:endParaRPr lang="en-IN" sz="1000" b="0" i="0" dirty="0">
+              <a:solidFill>
+                <a:srgbClr val="3D3D4E"/>
+              </a:solidFill>
+              <a:effectLst/>
+              <a:latin typeface="Droid Serif"/>
+            </a:endParaRPr>
+          </a:p>
+          <a:p>
+            <a:pPr algn="l"/>
+            <a:r>
+              <a:rPr lang="en-IN" sz="1000" b="0" i="0" u="none" strike="noStrike" dirty="0">
+                <a:solidFill>
+                  <a:srgbClr val="3D3D4E"/>
+                </a:solidFill>
+                <a:effectLst/>
+                <a:latin typeface="Droid Serif"/>
+                <a:hlinkClick r:id="rId7"/>
+              </a:rPr>
+              <a:t>Google File System</a:t>
+            </a:r>
+            <a:endParaRPr lang="en-IN" sz="1000" b="0" i="0" dirty="0">
+              <a:solidFill>
+                <a:srgbClr val="3D3D4E"/>
+              </a:solidFill>
+              <a:effectLst/>
+              <a:latin typeface="Droid Serif"/>
+            </a:endParaRPr>
+          </a:p>
+          <a:p>
+            <a:endParaRPr lang="en-IN" sz="1000" i="0" dirty="0">
+              <a:effectLst/>
+              <a:latin typeface="Nunito Sans" pitchFamily="2" charset="0"/>
+            </a:endParaRPr>
+          </a:p>
+        </p:txBody>
+      </p:sp>
+    </p:spTree>
+    <p:extLst>
+      <p:ext uri="{BB962C8B-B14F-4D97-AF65-F5344CB8AC3E}">
+        <p14:creationId xmlns:p14="http://schemas.microsoft.com/office/powerpoint/2010/main" val="1739084808"/>
       </p:ext>
     </p:extLst>
   </p:cSld>
